--- a/graph/2022秋季-数据结构-第6章-图a.pptx
+++ b/graph/2022秋季-数据结构-第6章-图a.pptx
@@ -139,7 +139,7 @@
       </a:defRPr>
     </a:lvl9pPr>
   </p:defaultTextStyle>
-  <p:modifyVerifier cryptProviderType="rsaFull" cryptAlgorithmClass="hash" cryptAlgorithmType="typeAny" cryptAlgorithmSid="4" spinCount="100000" saltData="Je70PMn+bLaLLoXDId6K8Q==" hashData="vkUYQUK/pKBnDkIuW20lRlT1OGk="/>
+  <p:modifyVerifier cryptProviderType="rsaFull" cryptAlgorithmClass="hash" cryptAlgorithmType="typeAny" cryptAlgorithmSid="4" spinCount="100000" saltData="iHphDvsD4SesqjBtA3/jnQ==" hashData="pGuI93ub36YYBSLXUDYgNrMstJc="/>
 </p:presentation>
 </file>
 

--- a/graph/2022秋季-数据结构-第6章-图a.pptx
+++ b/graph/2022秋季-数据结构-第6章-图a.pptx
@@ -8,7 +8,7 @@
     <p:notesMasterId r:id="rId4"/>
   </p:notesMasterIdLst>
   <p:handoutMasterIdLst>
-    <p:handoutMasterId r:id="rId34"/>
+    <p:handoutMasterId r:id="rId35"/>
   </p:handoutMasterIdLst>
   <p:sldIdLst>
     <p:sldId id="256" r:id="rId3"/>
@@ -27,20 +27,21 @@
     <p:sldId id="389" r:id="rId17"/>
     <p:sldId id="390" r:id="rId18"/>
     <p:sldId id="391" r:id="rId19"/>
-    <p:sldId id="392" r:id="rId20"/>
-    <p:sldId id="393" r:id="rId21"/>
-    <p:sldId id="394" r:id="rId22"/>
-    <p:sldId id="395" r:id="rId23"/>
-    <p:sldId id="396" r:id="rId24"/>
-    <p:sldId id="397" r:id="rId25"/>
-    <p:sldId id="398" r:id="rId26"/>
-    <p:sldId id="399" r:id="rId27"/>
-    <p:sldId id="401" r:id="rId28"/>
-    <p:sldId id="402" r:id="rId29"/>
-    <p:sldId id="403" r:id="rId30"/>
-    <p:sldId id="404" r:id="rId31"/>
-    <p:sldId id="405" r:id="rId32"/>
-    <p:sldId id="406" r:id="rId33"/>
+    <p:sldId id="407" r:id="rId20"/>
+    <p:sldId id="392" r:id="rId21"/>
+    <p:sldId id="393" r:id="rId22"/>
+    <p:sldId id="394" r:id="rId23"/>
+    <p:sldId id="395" r:id="rId24"/>
+    <p:sldId id="396" r:id="rId25"/>
+    <p:sldId id="397" r:id="rId26"/>
+    <p:sldId id="398" r:id="rId27"/>
+    <p:sldId id="399" r:id="rId28"/>
+    <p:sldId id="401" r:id="rId29"/>
+    <p:sldId id="402" r:id="rId30"/>
+    <p:sldId id="403" r:id="rId31"/>
+    <p:sldId id="404" r:id="rId32"/>
+    <p:sldId id="405" r:id="rId33"/>
+    <p:sldId id="406" r:id="rId34"/>
   </p:sldIdLst>
   <p:sldSz cx="12192000" cy="6858000"/>
   <p:notesSz cx="7103745" cy="10234295"/>
@@ -139,7 +140,7 @@
       </a:defRPr>
     </a:lvl9pPr>
   </p:defaultTextStyle>
-  <p:modifyVerifier cryptProviderType="rsaFull" cryptAlgorithmClass="hash" cryptAlgorithmType="typeAny" cryptAlgorithmSid="4" spinCount="100000" saltData="iHphDvsD4SesqjBtA3/jnQ==" hashData="pGuI93ub36YYBSLXUDYgNrMstJc="/>
+  <p:modifyVerifier cryptProviderType="rsaFull" cryptAlgorithmClass="hash" cryptAlgorithmType="typeAny" cryptAlgorithmSid="4" spinCount="100000" saltData="XbjIfeznyhiE1PcOnjGWMw==" hashData="gJrUS/uRxEtivYnlCEZqoEPVJeY="/>
 </p:presentation>
 </file>
 
@@ -1258,8 +1259,8 @@
                   </a:schemeClr>
                 </a:solidFill>
                 <a:uFillTx/>
-                <a:latin typeface="Arial" panose="020B0604020202020204" pitchFamily="34" charset="0"/>
-                <a:ea typeface="黑体" charset="0"/>
+                <a:latin typeface="Heiti SC Light" panose="02000000000000000000" charset="-122"/>
+                <a:ea typeface="Heiti SC Light" panose="02000000000000000000" charset="-122"/>
               </a:defRPr>
             </a:lvl1pPr>
             <a:lvl2pPr>
@@ -1271,8 +1272,8 @@
                   </a:schemeClr>
                 </a:solidFill>
                 <a:uFillTx/>
-                <a:latin typeface="Arial" panose="020B0604020202020204" pitchFamily="34" charset="0"/>
-                <a:ea typeface="黑体" charset="0"/>
+                <a:latin typeface="Heiti SC Light" panose="02000000000000000000" charset="-122"/>
+                <a:ea typeface="Heiti SC Light" panose="02000000000000000000" charset="-122"/>
               </a:defRPr>
             </a:lvl2pPr>
             <a:lvl3pPr>
@@ -1284,8 +1285,8 @@
                   </a:schemeClr>
                 </a:solidFill>
                 <a:uFillTx/>
-                <a:latin typeface="Arial" panose="020B0604020202020204" pitchFamily="34" charset="0"/>
-                <a:ea typeface="黑体" charset="0"/>
+                <a:latin typeface="Heiti SC Light" panose="02000000000000000000" charset="-122"/>
+                <a:ea typeface="Heiti SC Light" panose="02000000000000000000" charset="-122"/>
               </a:defRPr>
             </a:lvl3pPr>
             <a:lvl4pPr>
@@ -1297,8 +1298,8 @@
                   </a:schemeClr>
                 </a:solidFill>
                 <a:uFillTx/>
-                <a:latin typeface="Arial" panose="020B0604020202020204" pitchFamily="34" charset="0"/>
-                <a:ea typeface="黑体" charset="0"/>
+                <a:latin typeface="Heiti SC Light" panose="02000000000000000000" charset="-122"/>
+                <a:ea typeface="Heiti SC Light" panose="02000000000000000000" charset="-122"/>
               </a:defRPr>
             </a:lvl4pPr>
             <a:lvl5pPr>
@@ -1310,8 +1311,8 @@
                   </a:schemeClr>
                 </a:solidFill>
                 <a:uFillTx/>
-                <a:latin typeface="Arial" panose="020B0604020202020204" pitchFamily="34" charset="0"/>
-                <a:ea typeface="黑体" charset="0"/>
+                <a:latin typeface="Heiti SC Light" panose="02000000000000000000" charset="-122"/>
+                <a:ea typeface="Heiti SC Light" panose="02000000000000000000" charset="-122"/>
               </a:defRPr>
             </a:lvl5pPr>
           </a:lstStyle>
@@ -4981,6 +4982,7 @@
           <a:blip r:embed="rId1">
             <a:lum contrast="32000"/>
           </a:blip>
+          <a:srcRect b="15019"/>
           <a:stretch>
             <a:fillRect/>
           </a:stretch>
@@ -4988,7 +4990,7 @@
         <p:spPr>
           <a:xfrm>
             <a:off x="728980" y="4097020"/>
-            <a:ext cx="6781800" cy="2562225"/>
+            <a:ext cx="6781800" cy="2177415"/>
           </a:xfrm>
           <a:prstGeom prst="rect">
             <a:avLst/>
@@ -5243,7 +5245,65 @@
             </a:r>
             <a:r>
               <a:rPr lang="zh-CN" altLang="en-US"/>
-              <a:t> ( e &lt;&lt; n(n-1)/2 ) 的情况下，用邻接表表示图比邻接矩阵节省存储空间</a:t>
+              <a:t>（</a:t>
+            </a:r>
+            <a:r>
+              <a:rPr lang="zh-CN" altLang="en-US">
+                <a:sym typeface="+mn-ea"/>
+              </a:rPr>
+              <a:t>e &lt;&lt; n(n</a:t>
+            </a:r>
+            <a:r>
+              <a:rPr lang="en-US" altLang="zh-CN">
+                <a:sym typeface="+mn-ea"/>
+              </a:rPr>
+              <a:t> </a:t>
+            </a:r>
+            <a:r>
+              <a:rPr lang="zh-CN" altLang="en-US">
+                <a:sym typeface="+mn-ea"/>
+              </a:rPr>
+              <a:t>-</a:t>
+            </a:r>
+            <a:r>
+              <a:rPr lang="en-US" altLang="zh-CN">
+                <a:sym typeface="+mn-ea"/>
+              </a:rPr>
+              <a:t> </a:t>
+            </a:r>
+            <a:r>
+              <a:rPr lang="zh-CN" altLang="en-US">
+                <a:sym typeface="+mn-ea"/>
+              </a:rPr>
+              <a:t>1)</a:t>
+            </a:r>
+            <a:r>
+              <a:rPr lang="en-US" altLang="zh-CN">
+                <a:sym typeface="+mn-ea"/>
+              </a:rPr>
+              <a:t> </a:t>
+            </a:r>
+            <a:r>
+              <a:rPr lang="zh-CN" altLang="en-US">
+                <a:sym typeface="+mn-ea"/>
+              </a:rPr>
+              <a:t>/</a:t>
+            </a:r>
+            <a:r>
+              <a:rPr lang="en-US" altLang="zh-CN">
+                <a:sym typeface="+mn-ea"/>
+              </a:rPr>
+              <a:t> </a:t>
+            </a:r>
+            <a:r>
+              <a:rPr lang="zh-CN" altLang="en-US">
+                <a:sym typeface="+mn-ea"/>
+              </a:rPr>
+              <a:t>2</a:t>
+            </a:r>
+            <a:r>
+              <a:rPr lang="zh-CN" altLang="en-US"/>
+              <a:t>）的情况下，用邻接表表示图比邻接矩阵节省存储空间</a:t>
             </a:r>
             <a:endParaRPr lang="zh-CN" altLang="en-US"/>
           </a:p>
@@ -9298,6 +9358,52 @@
           </a:graphicData>
         </a:graphic>
       </p:graphicFrame>
+      <p:sp>
+        <p:nvSpPr>
+          <p:cNvPr id="3" name="文本框 2"/>
+          <p:cNvSpPr txBox="1"/>
+          <p:nvPr/>
+        </p:nvSpPr>
+        <p:spPr>
+          <a:xfrm>
+            <a:off x="1988820" y="5406390"/>
+            <a:ext cx="3452495" cy="521970"/>
+          </a:xfrm>
+          <a:prstGeom prst="rect">
+            <a:avLst/>
+          </a:prstGeom>
+          <a:noFill/>
+        </p:spPr>
+        <p:txBody>
+          <a:bodyPr wrap="none" rtlCol="0">
+            <a:spAutoFit/>
+          </a:bodyPr>
+          <a:p>
+            <a:pPr algn="l"/>
+            <a:r>
+              <a:rPr lang="zh-CN" altLang="en-US" sz="2800">
+                <a:latin typeface="Heiti SC Light" panose="02000000000000000000" charset="-122"/>
+                <a:ea typeface="Heiti SC Light" panose="02000000000000000000" charset="-122"/>
+                <a:cs typeface="Heiti SC Light" panose="02000000000000000000" charset="-122"/>
+              </a:rPr>
+              <a:t>代码学习：</a:t>
+            </a:r>
+            <a:r>
+              <a:rPr lang="en-US" altLang="zh-CN" sz="2800">
+                <a:latin typeface="Heiti SC Light" panose="02000000000000000000" charset="-122"/>
+                <a:ea typeface="Heiti SC Light" panose="02000000000000000000" charset="-122"/>
+                <a:cs typeface="Heiti SC Light" panose="02000000000000000000" charset="-122"/>
+              </a:rPr>
+              <a:t>dfs_bfs.c</a:t>
+            </a:r>
+            <a:endParaRPr lang="en-US" altLang="zh-CN" sz="2800">
+              <a:latin typeface="Heiti SC Light" panose="02000000000000000000" charset="-122"/>
+              <a:ea typeface="Heiti SC Light" panose="02000000000000000000" charset="-122"/>
+              <a:cs typeface="Heiti SC Light" panose="02000000000000000000" charset="-122"/>
+            </a:endParaRPr>
+          </a:p>
+        </p:txBody>
+      </p:sp>
     </p:spTree>
   </p:cSld>
   <p:clrMapOvr>
@@ -9364,6 +9470,97 @@
                       </p:childTnLst>
                     </p:cTn>
                   </p:par>
+                  <p:par>
+                    <p:cTn id="8" fill="hold">
+                      <p:stCondLst>
+                        <p:cond delay="indefinite"/>
+                      </p:stCondLst>
+                      <p:childTnLst>
+                        <p:par>
+                          <p:cTn id="9" fill="hold">
+                            <p:stCondLst>
+                              <p:cond delay="0"/>
+                            </p:stCondLst>
+                            <p:childTnLst>
+                              <p:par>
+                                <p:cTn id="10" presetID="2" presetClass="entr" presetSubtype="4" fill="hold" grpId="0" nodeType="clickEffect">
+                                  <p:stCondLst>
+                                    <p:cond delay="0"/>
+                                  </p:stCondLst>
+                                  <p:childTnLst>
+                                    <p:set>
+                                      <p:cBhvr>
+                                        <p:cTn id="11" dur="1" fill="hold">
+                                          <p:stCondLst>
+                                            <p:cond delay="0"/>
+                                          </p:stCondLst>
+                                        </p:cTn>
+                                        <p:tgtEl>
+                                          <p:spTgt spid="3"/>
+                                        </p:tgtEl>
+                                        <p:attrNameLst>
+                                          <p:attrName>style.visibility</p:attrName>
+                                        </p:attrNameLst>
+                                      </p:cBhvr>
+                                      <p:to>
+                                        <p:strVal val="visible"/>
+                                      </p:to>
+                                    </p:set>
+                                    <p:anim calcmode="lin" valueType="num">
+                                      <p:cBhvr additive="base">
+                                        <p:cTn id="12" dur="500" fill="hold"/>
+                                        <p:tgtEl>
+                                          <p:spTgt spid="3"/>
+                                        </p:tgtEl>
+                                        <p:attrNameLst>
+                                          <p:attrName>ppt_x</p:attrName>
+                                        </p:attrNameLst>
+                                      </p:cBhvr>
+                                      <p:tavLst>
+                                        <p:tav tm="0">
+                                          <p:val>
+                                            <p:strVal val="#ppt_x"/>
+                                          </p:val>
+                                        </p:tav>
+                                        <p:tav tm="100000">
+                                          <p:val>
+                                            <p:strVal val="#ppt_x"/>
+                                          </p:val>
+                                        </p:tav>
+                                      </p:tavLst>
+                                    </p:anim>
+                                    <p:anim calcmode="lin" valueType="num">
+                                      <p:cBhvr additive="base">
+                                        <p:cTn id="13" dur="500" fill="hold"/>
+                                        <p:tgtEl>
+                                          <p:spTgt spid="3"/>
+                                        </p:tgtEl>
+                                        <p:attrNameLst>
+                                          <p:attrName>ppt_y</p:attrName>
+                                        </p:attrNameLst>
+                                      </p:cBhvr>
+                                      <p:tavLst>
+                                        <p:tav tm="0">
+                                          <p:val>
+                                            <p:strVal val="1+#ppt_h/2"/>
+                                          </p:val>
+                                        </p:tav>
+                                        <p:tav tm="100000">
+                                          <p:val>
+                                            <p:strVal val="#ppt_y"/>
+                                          </p:val>
+                                        </p:tav>
+                                      </p:tavLst>
+                                    </p:anim>
+                                  </p:childTnLst>
+                                </p:cTn>
+                              </p:par>
+                            </p:childTnLst>
+                          </p:cTn>
+                        </p:par>
+                      </p:childTnLst>
+                    </p:cTn>
+                  </p:par>
                 </p:childTnLst>
               </p:cTn>
               <p:prevCondLst>
@@ -9385,6 +9582,9 @@
         </p:cTn>
       </p:par>
     </p:tnLst>
+    <p:bldLst>
+      <p:bldP spid="3" grpId="0"/>
+    </p:bldLst>
   </p:timing>
 </p:sld>
 </file>
@@ -9587,6 +9787,27 @@
               </a:rPr>
               <a:t>算法只可以遍历一个连通分量</a:t>
             </a:r>
+            <a:endParaRPr lang="zh-CN" altLang="en-US" dirty="0">
+              <a:latin typeface="Arial Regular" panose="020B0604020202020204" charset="0"/>
+              <a:cs typeface="Arial Regular" panose="020B0604020202020204" charset="0"/>
+              <a:sym typeface="+mn-ea"/>
+            </a:endParaRPr>
+          </a:p>
+          <a:p>
+            <a:r>
+              <a:rPr lang="zh-CN" altLang="en-US">
+                <a:latin typeface="Arial Regular" panose="020B0604020202020204" charset="0"/>
+                <a:cs typeface="Arial Regular" panose="020B0604020202020204" charset="0"/>
+              </a:rPr>
+              <a:t>力</a:t>
+            </a:r>
+            <a:r>
+              <a:rPr lang="zh-CN" altLang="en-US">
+                <a:latin typeface="Arial Regular" panose="020B0604020202020204" charset="0"/>
+                <a:cs typeface="Arial Regular" panose="020B0604020202020204" charset="0"/>
+              </a:rPr>
+              <a:t>扣：200. 岛屿数量</a:t>
+            </a:r>
             <a:endParaRPr lang="zh-CN" altLang="en-US">
               <a:latin typeface="Arial Regular" panose="020B0604020202020204" charset="0"/>
               <a:cs typeface="Arial Regular" panose="020B0604020202020204" charset="0"/>
@@ -9599,10 +9820,323 @@
   <p:clrMapOvr>
     <a:masterClrMapping/>
   </p:clrMapOvr>
+  <p:timing>
+    <p:tnLst>
+      <p:par>
+        <p:cTn id="1" dur="indefinite" restart="never" nodeType="tmRoot"/>
+      </p:par>
+    </p:tnLst>
+  </p:timing>
 </p:sld>
 </file>
 
 <file path=ppt/slides/slide17.xml><?xml version="1.0" encoding="utf-8"?>
+<p:sld xmlns:a="http://schemas.openxmlformats.org/drawingml/2006/main" xmlns:r="http://schemas.openxmlformats.org/officeDocument/2006/relationships" xmlns:p="http://schemas.openxmlformats.org/presentationml/2006/main">
+  <p:cSld>
+    <p:spTree>
+      <p:nvGrpSpPr>
+        <p:cNvPr id="1" name=""/>
+        <p:cNvGrpSpPr/>
+        <p:nvPr/>
+      </p:nvGrpSpPr>
+      <p:grpSpPr/>
+      <p:sp>
+        <p:nvSpPr>
+          <p:cNvPr id="2" name="标题 1"/>
+          <p:cNvSpPr>
+            <a:spLocks noGrp="1"/>
+          </p:cNvSpPr>
+          <p:nvPr>
+            <p:ph type="title"/>
+          </p:nvPr>
+        </p:nvSpPr>
+        <p:spPr/>
+        <p:txBody>
+          <a:bodyPr/>
+          <a:p>
+            <a:r>
+              <a:rPr lang="zh-CN" altLang="en-US"/>
+              <a:t>例题</a:t>
+            </a:r>
+            <a:endParaRPr lang="zh-CN" altLang="en-US"/>
+          </a:p>
+        </p:txBody>
+      </p:sp>
+      <p:pic>
+        <p:nvPicPr>
+          <p:cNvPr id="4" name="图片 3"/>
+          <p:cNvPicPr>
+            <a:picLocks noChangeAspect="1"/>
+          </p:cNvPicPr>
+          <p:nvPr/>
+        </p:nvPicPr>
+        <p:blipFill>
+          <a:blip r:embed="rId1"/>
+          <a:stretch>
+            <a:fillRect/>
+          </a:stretch>
+        </p:blipFill>
+        <p:spPr>
+          <a:xfrm>
+            <a:off x="1681480" y="1584325"/>
+            <a:ext cx="8829675" cy="1590675"/>
+          </a:xfrm>
+          <a:prstGeom prst="rect">
+            <a:avLst/>
+          </a:prstGeom>
+        </p:spPr>
+      </p:pic>
+      <p:pic>
+        <p:nvPicPr>
+          <p:cNvPr id="5" name="图片 4"/>
+          <p:cNvPicPr>
+            <a:picLocks noChangeAspect="1"/>
+          </p:cNvPicPr>
+          <p:nvPr/>
+        </p:nvPicPr>
+        <p:blipFill>
+          <a:blip r:embed="rId2"/>
+          <a:stretch>
+            <a:fillRect/>
+          </a:stretch>
+        </p:blipFill>
+        <p:spPr>
+          <a:xfrm>
+            <a:off x="1681480" y="3430905"/>
+            <a:ext cx="3848100" cy="3086100"/>
+          </a:xfrm>
+          <a:prstGeom prst="rect">
+            <a:avLst/>
+          </a:prstGeom>
+        </p:spPr>
+      </p:pic>
+      <p:pic>
+        <p:nvPicPr>
+          <p:cNvPr id="6" name="图片 5"/>
+          <p:cNvPicPr>
+            <a:picLocks noChangeAspect="1"/>
+          </p:cNvPicPr>
+          <p:nvPr/>
+        </p:nvPicPr>
+        <p:blipFill>
+          <a:blip r:embed="rId3"/>
+          <a:stretch>
+            <a:fillRect/>
+          </a:stretch>
+        </p:blipFill>
+        <p:spPr>
+          <a:xfrm>
+            <a:off x="5664200" y="3856355"/>
+            <a:ext cx="5499100" cy="2235200"/>
+          </a:xfrm>
+          <a:prstGeom prst="rect">
+            <a:avLst/>
+          </a:prstGeom>
+        </p:spPr>
+      </p:pic>
+    </p:spTree>
+  </p:cSld>
+  <p:clrMapOvr>
+    <a:masterClrMapping/>
+  </p:clrMapOvr>
+  <p:timing>
+    <p:tnLst>
+      <p:par>
+        <p:cTn id="1" dur="indefinite" restart="never" nodeType="tmRoot">
+          <p:childTnLst>
+            <p:seq concurrent="1" nextAc="seek">
+              <p:cTn id="2" dur="indefinite" nodeType="mainSeq">
+                <p:childTnLst>
+                  <p:par>
+                    <p:cTn id="3" fill="hold">
+                      <p:stCondLst>
+                        <p:cond delay="indefinite"/>
+                      </p:stCondLst>
+                      <p:childTnLst>
+                        <p:par>
+                          <p:cTn id="4" fill="hold">
+                            <p:stCondLst>
+                              <p:cond delay="0"/>
+                            </p:stCondLst>
+                            <p:childTnLst>
+                              <p:par>
+                                <p:cTn id="5" presetID="2" presetClass="entr" presetSubtype="4" fill="hold" nodeType="clickEffect">
+                                  <p:stCondLst>
+                                    <p:cond delay="0"/>
+                                  </p:stCondLst>
+                                  <p:childTnLst>
+                                    <p:set>
+                                      <p:cBhvr>
+                                        <p:cTn id="6" dur="1" fill="hold">
+                                          <p:stCondLst>
+                                            <p:cond delay="0"/>
+                                          </p:stCondLst>
+                                        </p:cTn>
+                                        <p:tgtEl>
+                                          <p:spTgt spid="5"/>
+                                        </p:tgtEl>
+                                        <p:attrNameLst>
+                                          <p:attrName>style.visibility</p:attrName>
+                                        </p:attrNameLst>
+                                      </p:cBhvr>
+                                      <p:to>
+                                        <p:strVal val="visible"/>
+                                      </p:to>
+                                    </p:set>
+                                    <p:anim calcmode="lin" valueType="num">
+                                      <p:cBhvr additive="base">
+                                        <p:cTn id="7" dur="500" fill="hold"/>
+                                        <p:tgtEl>
+                                          <p:spTgt spid="5"/>
+                                        </p:tgtEl>
+                                        <p:attrNameLst>
+                                          <p:attrName>ppt_x</p:attrName>
+                                        </p:attrNameLst>
+                                      </p:cBhvr>
+                                      <p:tavLst>
+                                        <p:tav tm="0">
+                                          <p:val>
+                                            <p:strVal val="#ppt_x"/>
+                                          </p:val>
+                                        </p:tav>
+                                        <p:tav tm="100000">
+                                          <p:val>
+                                            <p:strVal val="#ppt_x"/>
+                                          </p:val>
+                                        </p:tav>
+                                      </p:tavLst>
+                                    </p:anim>
+                                    <p:anim calcmode="lin" valueType="num">
+                                      <p:cBhvr additive="base">
+                                        <p:cTn id="8" dur="500" fill="hold"/>
+                                        <p:tgtEl>
+                                          <p:spTgt spid="5"/>
+                                        </p:tgtEl>
+                                        <p:attrNameLst>
+                                          <p:attrName>ppt_y</p:attrName>
+                                        </p:attrNameLst>
+                                      </p:cBhvr>
+                                      <p:tavLst>
+                                        <p:tav tm="0">
+                                          <p:val>
+                                            <p:strVal val="1+#ppt_h/2"/>
+                                          </p:val>
+                                        </p:tav>
+                                        <p:tav tm="100000">
+                                          <p:val>
+                                            <p:strVal val="#ppt_y"/>
+                                          </p:val>
+                                        </p:tav>
+                                      </p:tavLst>
+                                    </p:anim>
+                                  </p:childTnLst>
+                                </p:cTn>
+                              </p:par>
+                              <p:par>
+                                <p:cTn id="9" presetID="2" presetClass="entr" presetSubtype="4" fill="hold" nodeType="withEffect">
+                                  <p:stCondLst>
+                                    <p:cond delay="0"/>
+                                  </p:stCondLst>
+                                  <p:childTnLst>
+                                    <p:set>
+                                      <p:cBhvr>
+                                        <p:cTn id="10" dur="1" fill="hold">
+                                          <p:stCondLst>
+                                            <p:cond delay="0"/>
+                                          </p:stCondLst>
+                                        </p:cTn>
+                                        <p:tgtEl>
+                                          <p:spTgt spid="6"/>
+                                        </p:tgtEl>
+                                        <p:attrNameLst>
+                                          <p:attrName>style.visibility</p:attrName>
+                                        </p:attrNameLst>
+                                      </p:cBhvr>
+                                      <p:to>
+                                        <p:strVal val="visible"/>
+                                      </p:to>
+                                    </p:set>
+                                    <p:anim calcmode="lin" valueType="num">
+                                      <p:cBhvr additive="base">
+                                        <p:cTn id="11" dur="500" fill="hold"/>
+                                        <p:tgtEl>
+                                          <p:spTgt spid="6"/>
+                                        </p:tgtEl>
+                                        <p:attrNameLst>
+                                          <p:attrName>ppt_x</p:attrName>
+                                        </p:attrNameLst>
+                                      </p:cBhvr>
+                                      <p:tavLst>
+                                        <p:tav tm="0">
+                                          <p:val>
+                                            <p:strVal val="#ppt_x"/>
+                                          </p:val>
+                                        </p:tav>
+                                        <p:tav tm="100000">
+                                          <p:val>
+                                            <p:strVal val="#ppt_x"/>
+                                          </p:val>
+                                        </p:tav>
+                                      </p:tavLst>
+                                    </p:anim>
+                                    <p:anim calcmode="lin" valueType="num">
+                                      <p:cBhvr additive="base">
+                                        <p:cTn id="12" dur="500" fill="hold"/>
+                                        <p:tgtEl>
+                                          <p:spTgt spid="6"/>
+                                        </p:tgtEl>
+                                        <p:attrNameLst>
+                                          <p:attrName>ppt_y</p:attrName>
+                                        </p:attrNameLst>
+                                      </p:cBhvr>
+                                      <p:tavLst>
+                                        <p:tav tm="0">
+                                          <p:val>
+                                            <p:strVal val="1+#ppt_h/2"/>
+                                          </p:val>
+                                        </p:tav>
+                                        <p:tav tm="100000">
+                                          <p:val>
+                                            <p:strVal val="#ppt_y"/>
+                                          </p:val>
+                                        </p:tav>
+                                      </p:tavLst>
+                                    </p:anim>
+                                  </p:childTnLst>
+                                </p:cTn>
+                              </p:par>
+                            </p:childTnLst>
+                          </p:cTn>
+                        </p:par>
+                      </p:childTnLst>
+                    </p:cTn>
+                  </p:par>
+                </p:childTnLst>
+              </p:cTn>
+              <p:prevCondLst>
+                <p:cond evt="onPrev" delay="0">
+                  <p:tgtEl>
+                    <p:sldTgt/>
+                  </p:tgtEl>
+                </p:cond>
+              </p:prevCondLst>
+              <p:nextCondLst>
+                <p:cond evt="onNext" delay="0">
+                  <p:tgtEl>
+                    <p:sldTgt/>
+                  </p:tgtEl>
+                </p:cond>
+              </p:nextCondLst>
+            </p:seq>
+          </p:childTnLst>
+        </p:cTn>
+      </p:par>
+    </p:tnLst>
+  </p:timing>
+</p:sld>
+</file>
+
+<file path=ppt/slides/slide18.xml><?xml version="1.0" encoding="utf-8"?>
 <p:sld xmlns:a="http://schemas.openxmlformats.org/drawingml/2006/main" xmlns:r="http://schemas.openxmlformats.org/officeDocument/2006/relationships" xmlns:p="http://schemas.openxmlformats.org/presentationml/2006/main">
   <p:cSld>
     <p:spTree>
@@ -13621,7 +14155,7 @@
 </p:sld>
 </file>
 
-<file path=ppt/slides/slide18.xml><?xml version="1.0" encoding="utf-8"?>
+<file path=ppt/slides/slide19.xml><?xml version="1.0" encoding="utf-8"?>
 <p:sld xmlns:a="http://schemas.openxmlformats.org/drawingml/2006/main" xmlns:r="http://schemas.openxmlformats.org/officeDocument/2006/relationships" xmlns:p="http://schemas.openxmlformats.org/presentationml/2006/main">
   <p:cSld>
     <p:spTree>
@@ -14198,6 +14732,90 @@
           </a:p>
         </p:txBody>
       </p:sp>
+      <p:sp>
+        <p:nvSpPr>
+          <p:cNvPr id="3" name="文本框 2"/>
+          <p:cNvSpPr txBox="1"/>
+          <p:nvPr/>
+        </p:nvSpPr>
+        <p:spPr>
+          <a:xfrm>
+            <a:off x="1988820" y="6187440"/>
+            <a:ext cx="3452495" cy="521970"/>
+          </a:xfrm>
+          <a:prstGeom prst="rect">
+            <a:avLst/>
+          </a:prstGeom>
+          <a:noFill/>
+        </p:spPr>
+        <p:txBody>
+          <a:bodyPr wrap="none" rtlCol="0">
+            <a:spAutoFit/>
+          </a:bodyPr>
+          <a:p>
+            <a:pPr algn="l"/>
+            <a:r>
+              <a:rPr lang="zh-CN" altLang="en-US" sz="2800">
+                <a:latin typeface="Heiti SC Light" panose="02000000000000000000" charset="-122"/>
+                <a:ea typeface="Heiti SC Light" panose="02000000000000000000" charset="-122"/>
+                <a:cs typeface="Heiti SC Light" panose="02000000000000000000" charset="-122"/>
+              </a:rPr>
+              <a:t>代码学习：</a:t>
+            </a:r>
+            <a:r>
+              <a:rPr lang="en-US" altLang="zh-CN" sz="2800">
+                <a:latin typeface="Heiti SC Light" panose="02000000000000000000" charset="-122"/>
+                <a:ea typeface="Heiti SC Light" panose="02000000000000000000" charset="-122"/>
+                <a:cs typeface="Heiti SC Light" panose="02000000000000000000" charset="-122"/>
+              </a:rPr>
+              <a:t>dfs_bfs.c</a:t>
+            </a:r>
+            <a:endParaRPr lang="en-US" altLang="zh-CN" sz="2800">
+              <a:latin typeface="Heiti SC Light" panose="02000000000000000000" charset="-122"/>
+              <a:ea typeface="Heiti SC Light" panose="02000000000000000000" charset="-122"/>
+              <a:cs typeface="Heiti SC Light" panose="02000000000000000000" charset="-122"/>
+            </a:endParaRPr>
+          </a:p>
+        </p:txBody>
+      </p:sp>
+      <p:sp>
+        <p:nvSpPr>
+          <p:cNvPr id="4" name="文本框 3"/>
+          <p:cNvSpPr txBox="1"/>
+          <p:nvPr/>
+        </p:nvSpPr>
+        <p:spPr>
+          <a:xfrm>
+            <a:off x="6398260" y="513715"/>
+            <a:ext cx="3805555" cy="521970"/>
+          </a:xfrm>
+          <a:prstGeom prst="rect">
+            <a:avLst/>
+          </a:prstGeom>
+          <a:noFill/>
+        </p:spPr>
+        <p:txBody>
+          <a:bodyPr wrap="none" rtlCol="0">
+            <a:spAutoFit/>
+          </a:bodyPr>
+          <a:p>
+            <a:pPr algn="l"/>
+            <a:r>
+              <a:rPr lang="zh-CN" altLang="en-US" sz="2800">
+                <a:latin typeface="Heiti SC Light" panose="02000000000000000000" charset="-122"/>
+                <a:ea typeface="Heiti SC Light" panose="02000000000000000000" charset="-122"/>
+                <a:cs typeface="Heiti SC Light" panose="02000000000000000000" charset="-122"/>
+              </a:rPr>
+              <a:t>力扣：994. 腐烂的橘子</a:t>
+            </a:r>
+            <a:endParaRPr lang="zh-CN" altLang="en-US" sz="2800">
+              <a:latin typeface="Heiti SC Light" panose="02000000000000000000" charset="-122"/>
+              <a:ea typeface="Heiti SC Light" panose="02000000000000000000" charset="-122"/>
+              <a:cs typeface="Heiti SC Light" panose="02000000000000000000" charset="-122"/>
+            </a:endParaRPr>
+          </a:p>
+        </p:txBody>
+      </p:sp>
     </p:spTree>
   </p:cSld>
   <p:clrMapOvr>
@@ -14317,6 +14935,188 @@
                       </p:childTnLst>
                     </p:cTn>
                   </p:par>
+                  <p:par>
+                    <p:cTn id="13" fill="hold">
+                      <p:stCondLst>
+                        <p:cond delay="indefinite"/>
+                      </p:stCondLst>
+                      <p:childTnLst>
+                        <p:par>
+                          <p:cTn id="14" fill="hold">
+                            <p:stCondLst>
+                              <p:cond delay="0"/>
+                            </p:stCondLst>
+                            <p:childTnLst>
+                              <p:par>
+                                <p:cTn id="15" presetID="2" presetClass="entr" presetSubtype="4" fill="hold" grpId="0" nodeType="clickEffect">
+                                  <p:stCondLst>
+                                    <p:cond delay="0"/>
+                                  </p:stCondLst>
+                                  <p:childTnLst>
+                                    <p:set>
+                                      <p:cBhvr>
+                                        <p:cTn id="16" dur="1" fill="hold">
+                                          <p:stCondLst>
+                                            <p:cond delay="0"/>
+                                          </p:stCondLst>
+                                        </p:cTn>
+                                        <p:tgtEl>
+                                          <p:spTgt spid="3"/>
+                                        </p:tgtEl>
+                                        <p:attrNameLst>
+                                          <p:attrName>style.visibility</p:attrName>
+                                        </p:attrNameLst>
+                                      </p:cBhvr>
+                                      <p:to>
+                                        <p:strVal val="visible"/>
+                                      </p:to>
+                                    </p:set>
+                                    <p:anim calcmode="lin" valueType="num">
+                                      <p:cBhvr additive="base">
+                                        <p:cTn id="17" dur="500" fill="hold"/>
+                                        <p:tgtEl>
+                                          <p:spTgt spid="3"/>
+                                        </p:tgtEl>
+                                        <p:attrNameLst>
+                                          <p:attrName>ppt_x</p:attrName>
+                                        </p:attrNameLst>
+                                      </p:cBhvr>
+                                      <p:tavLst>
+                                        <p:tav tm="0">
+                                          <p:val>
+                                            <p:strVal val="#ppt_x"/>
+                                          </p:val>
+                                        </p:tav>
+                                        <p:tav tm="100000">
+                                          <p:val>
+                                            <p:strVal val="#ppt_x"/>
+                                          </p:val>
+                                        </p:tav>
+                                      </p:tavLst>
+                                    </p:anim>
+                                    <p:anim calcmode="lin" valueType="num">
+                                      <p:cBhvr additive="base">
+                                        <p:cTn id="18" dur="500" fill="hold"/>
+                                        <p:tgtEl>
+                                          <p:spTgt spid="3"/>
+                                        </p:tgtEl>
+                                        <p:attrNameLst>
+                                          <p:attrName>ppt_y</p:attrName>
+                                        </p:attrNameLst>
+                                      </p:cBhvr>
+                                      <p:tavLst>
+                                        <p:tav tm="0">
+                                          <p:val>
+                                            <p:strVal val="1+#ppt_h/2"/>
+                                          </p:val>
+                                        </p:tav>
+                                        <p:tav tm="100000">
+                                          <p:val>
+                                            <p:strVal val="#ppt_y"/>
+                                          </p:val>
+                                        </p:tav>
+                                      </p:tavLst>
+                                    </p:anim>
+                                  </p:childTnLst>
+                                </p:cTn>
+                              </p:par>
+                            </p:childTnLst>
+                          </p:cTn>
+                        </p:par>
+                      </p:childTnLst>
+                    </p:cTn>
+                  </p:par>
+                  <p:par>
+                    <p:cTn id="19" fill="hold">
+                      <p:stCondLst>
+                        <p:cond delay="indefinite"/>
+                      </p:stCondLst>
+                      <p:childTnLst>
+                        <p:par>
+                          <p:cTn id="20" fill="hold">
+                            <p:stCondLst>
+                              <p:cond delay="0"/>
+                            </p:stCondLst>
+                            <p:childTnLst>
+                              <p:par>
+                                <p:cTn id="21" presetID="2" presetClass="entr" presetSubtype="4" fill="hold" grpId="0" nodeType="clickEffect">
+                                  <p:stCondLst>
+                                    <p:cond delay="0"/>
+                                  </p:stCondLst>
+                                  <p:childTnLst>
+                                    <p:set>
+                                      <p:cBhvr>
+                                        <p:cTn id="22" dur="1" fill="hold">
+                                          <p:stCondLst>
+                                            <p:cond delay="0"/>
+                                          </p:stCondLst>
+                                        </p:cTn>
+                                        <p:tgtEl>
+                                          <p:spTgt spid="4"/>
+                                        </p:tgtEl>
+                                        <p:attrNameLst>
+                                          <p:attrName>style.visibility</p:attrName>
+                                        </p:attrNameLst>
+                                      </p:cBhvr>
+                                      <p:to>
+                                        <p:strVal val="visible"/>
+                                      </p:to>
+                                    </p:set>
+                                    <p:anim calcmode="lin" valueType="num">
+                                      <p:cBhvr additive="base">
+                                        <p:cTn id="23" dur="500" fill="hold"/>
+                                        <p:tgtEl>
+                                          <p:spTgt spid="4"/>
+                                        </p:tgtEl>
+                                        <p:attrNameLst>
+                                          <p:attrName>ppt_x</p:attrName>
+                                        </p:attrNameLst>
+                                      </p:cBhvr>
+                                      <p:tavLst>
+                                        <p:tav tm="0">
+                                          <p:val>
+                                            <p:strVal val="#ppt_x"/>
+                                          </p:val>
+                                        </p:tav>
+                                        <p:tav tm="100000">
+                                          <p:val>
+                                            <p:strVal val="#ppt_x"/>
+                                          </p:val>
+                                        </p:tav>
+                                      </p:tavLst>
+                                    </p:anim>
+                                    <p:anim calcmode="lin" valueType="num">
+                                      <p:cBhvr additive="base">
+                                        <p:cTn id="24" dur="500" fill="hold"/>
+                                        <p:tgtEl>
+                                          <p:spTgt spid="4"/>
+                                        </p:tgtEl>
+                                        <p:attrNameLst>
+                                          <p:attrName>ppt_y</p:attrName>
+                                        </p:attrNameLst>
+                                      </p:cBhvr>
+                                      <p:tavLst>
+                                        <p:tav tm="0">
+                                          <p:val>
+                                            <p:strVal val="1+#ppt_h/2"/>
+                                          </p:val>
+                                        </p:tav>
+                                        <p:tav tm="100000">
+                                          <p:val>
+                                            <p:strVal val="#ppt_y"/>
+                                          </p:val>
+                                        </p:tav>
+                                      </p:tavLst>
+                                    </p:anim>
+                                  </p:childTnLst>
+                                </p:cTn>
+                              </p:par>
+                            </p:childTnLst>
+                          </p:cTn>
+                        </p:par>
+                      </p:childTnLst>
+                    </p:cTn>
+                  </p:par>
                 </p:childTnLst>
               </p:cTn>
               <p:prevCondLst>
@@ -14340,83 +15140,9 @@
     </p:tnLst>
     <p:bldLst>
       <p:bldP spid="9" grpId="0" bldLvl="0" animBg="1"/>
+      <p:bldP spid="3" grpId="0"/>
+      <p:bldP spid="4" grpId="0"/>
     </p:bldLst>
-  </p:timing>
-</p:sld>
-</file>
-
-<file path=ppt/slides/slide19.xml><?xml version="1.0" encoding="utf-8"?>
-<p:sld xmlns:a="http://schemas.openxmlformats.org/drawingml/2006/main" xmlns:r="http://schemas.openxmlformats.org/officeDocument/2006/relationships" xmlns:p="http://schemas.openxmlformats.org/presentationml/2006/main">
-  <p:cSld>
-    <p:spTree>
-      <p:nvGrpSpPr>
-        <p:cNvPr id="1" name=""/>
-        <p:cNvGrpSpPr/>
-        <p:nvPr/>
-      </p:nvGrpSpPr>
-      <p:grpSpPr/>
-      <p:sp>
-        <p:nvSpPr>
-          <p:cNvPr id="2" name="标题 1"/>
-          <p:cNvSpPr>
-            <a:spLocks noGrp="1"/>
-          </p:cNvSpPr>
-          <p:nvPr>
-            <p:ph type="title"/>
-          </p:nvPr>
-        </p:nvSpPr>
-        <p:spPr/>
-        <p:txBody>
-          <a:bodyPr/>
-          <a:p>
-            <a:r>
-              <a:rPr lang="zh-CN" altLang="en-US"/>
-              <a:t>生成树</a:t>
-            </a:r>
-            <a:endParaRPr lang="zh-CN" altLang="en-US"/>
-          </a:p>
-        </p:txBody>
-      </p:sp>
-      <p:sp>
-        <p:nvSpPr>
-          <p:cNvPr id="3" name="内容占位符 2"/>
-          <p:cNvSpPr>
-            <a:spLocks noGrp="1"/>
-          </p:cNvSpPr>
-          <p:nvPr>
-            <p:ph idx="1"/>
-          </p:nvPr>
-        </p:nvSpPr>
-        <p:spPr/>
-        <p:txBody>
-          <a:bodyPr/>
-          <a:p>
-            <a:r>
-              <a:rPr lang="zh-CN" altLang="en-US"/>
-              <a:t>Spanning Tree</a:t>
-            </a:r>
-            <a:endParaRPr lang="zh-CN" altLang="en-US"/>
-          </a:p>
-          <a:p>
-            <a:r>
-              <a:rPr lang="zh-CN" altLang="en-US"/>
-              <a:t>最小生成树（Minimum Spanning Tree，简记为MST）</a:t>
-            </a:r>
-            <a:endParaRPr lang="zh-CN" altLang="en-US"/>
-          </a:p>
-        </p:txBody>
-      </p:sp>
-    </p:spTree>
-  </p:cSld>
-  <p:clrMapOvr>
-    <a:masterClrMapping/>
-  </p:clrMapOvr>
-  <p:timing>
-    <p:tnLst>
-      <p:par>
-        <p:cTn id="1" dur="indefinite" restart="never" nodeType="tmRoot"/>
-      </p:par>
-    </p:tnLst>
   </p:timing>
 </p:sld>
 </file>
@@ -14603,6 +15329,82 @@
 </file>
 
 <file path=ppt/slides/slide20.xml><?xml version="1.0" encoding="utf-8"?>
+<p:sld xmlns:a="http://schemas.openxmlformats.org/drawingml/2006/main" xmlns:r="http://schemas.openxmlformats.org/officeDocument/2006/relationships" xmlns:p="http://schemas.openxmlformats.org/presentationml/2006/main">
+  <p:cSld>
+    <p:spTree>
+      <p:nvGrpSpPr>
+        <p:cNvPr id="1" name=""/>
+        <p:cNvGrpSpPr/>
+        <p:nvPr/>
+      </p:nvGrpSpPr>
+      <p:grpSpPr/>
+      <p:sp>
+        <p:nvSpPr>
+          <p:cNvPr id="2" name="标题 1"/>
+          <p:cNvSpPr>
+            <a:spLocks noGrp="1"/>
+          </p:cNvSpPr>
+          <p:nvPr>
+            <p:ph type="title"/>
+          </p:nvPr>
+        </p:nvSpPr>
+        <p:spPr/>
+        <p:txBody>
+          <a:bodyPr/>
+          <a:p>
+            <a:r>
+              <a:rPr lang="zh-CN" altLang="en-US"/>
+              <a:t>生成树</a:t>
+            </a:r>
+            <a:endParaRPr lang="zh-CN" altLang="en-US"/>
+          </a:p>
+        </p:txBody>
+      </p:sp>
+      <p:sp>
+        <p:nvSpPr>
+          <p:cNvPr id="3" name="内容占位符 2"/>
+          <p:cNvSpPr>
+            <a:spLocks noGrp="1"/>
+          </p:cNvSpPr>
+          <p:nvPr>
+            <p:ph idx="1"/>
+          </p:nvPr>
+        </p:nvSpPr>
+        <p:spPr/>
+        <p:txBody>
+          <a:bodyPr/>
+          <a:p>
+            <a:r>
+              <a:rPr lang="zh-CN" altLang="en-US"/>
+              <a:t>Spanning Tree</a:t>
+            </a:r>
+            <a:endParaRPr lang="zh-CN" altLang="en-US"/>
+          </a:p>
+          <a:p>
+            <a:r>
+              <a:rPr lang="zh-CN" altLang="en-US"/>
+              <a:t>最小生成树（Minimum Spanning Tree，简记为MST）</a:t>
+            </a:r>
+            <a:endParaRPr lang="zh-CN" altLang="en-US"/>
+          </a:p>
+        </p:txBody>
+      </p:sp>
+    </p:spTree>
+  </p:cSld>
+  <p:clrMapOvr>
+    <a:masterClrMapping/>
+  </p:clrMapOvr>
+  <p:timing>
+    <p:tnLst>
+      <p:par>
+        <p:cTn id="1" dur="indefinite" restart="never" nodeType="tmRoot"/>
+      </p:par>
+    </p:tnLst>
+  </p:timing>
+</p:sld>
+</file>
+
+<file path=ppt/slides/slide21.xml><?xml version="1.0" encoding="utf-8"?>
 <p:sld xmlns:a="http://schemas.openxmlformats.org/drawingml/2006/main" xmlns:r="http://schemas.openxmlformats.org/officeDocument/2006/relationships" xmlns:p="http://schemas.openxmlformats.org/presentationml/2006/main">
   <p:cSld>
     <p:spTree>
@@ -16765,7 +17567,7 @@
 </p:sld>
 </file>
 
-<file path=ppt/slides/slide21.xml><?xml version="1.0" encoding="utf-8"?>
+<file path=ppt/slides/slide22.xml><?xml version="1.0" encoding="utf-8"?>
 <p:sld xmlns:a="http://schemas.openxmlformats.org/drawingml/2006/main" xmlns:r="http://schemas.openxmlformats.org/officeDocument/2006/relationships" xmlns:p="http://schemas.openxmlformats.org/presentationml/2006/main">
   <p:cSld>
     <p:spTree>
@@ -18934,7 +19736,7 @@
 </p:sld>
 </file>
 
-<file path=ppt/slides/slide22.xml><?xml version="1.0" encoding="utf-8"?>
+<file path=ppt/slides/slide23.xml><?xml version="1.0" encoding="utf-8"?>
 <p:sld xmlns:a="http://schemas.openxmlformats.org/drawingml/2006/main" xmlns:r="http://schemas.openxmlformats.org/officeDocument/2006/relationships" xmlns:p="http://schemas.openxmlformats.org/presentationml/2006/main">
   <p:cSld>
     <p:spTree>
@@ -21300,7 +22102,7 @@
 </p:sld>
 </file>
 
-<file path=ppt/slides/slide23.xml><?xml version="1.0" encoding="utf-8"?>
+<file path=ppt/slides/slide24.xml><?xml version="1.0" encoding="utf-8"?>
 <p:sld xmlns:a="http://schemas.openxmlformats.org/drawingml/2006/main" xmlns:r="http://schemas.openxmlformats.org/officeDocument/2006/relationships" xmlns:p="http://schemas.openxmlformats.org/presentationml/2006/main">
   <p:cSld>
     <p:spTree>
@@ -26695,7 +27497,7 @@
 </p:sld>
 </file>
 
-<file path=ppt/slides/slide24.xml><?xml version="1.0" encoding="utf-8"?>
+<file path=ppt/slides/slide25.xml><?xml version="1.0" encoding="utf-8"?>
 <p:sld xmlns:a="http://schemas.openxmlformats.org/drawingml/2006/main" xmlns:r="http://schemas.openxmlformats.org/officeDocument/2006/relationships" xmlns:p="http://schemas.openxmlformats.org/presentationml/2006/main">
   <p:cSld>
     <p:spTree>
@@ -27328,7 +28130,7 @@
 </p:sld>
 </file>
 
-<file path=ppt/slides/slide25.xml><?xml version="1.0" encoding="utf-8"?>
+<file path=ppt/slides/slide26.xml><?xml version="1.0" encoding="utf-8"?>
 <p:sld xmlns:a="http://schemas.openxmlformats.org/drawingml/2006/main" xmlns:r="http://schemas.openxmlformats.org/officeDocument/2006/relationships" xmlns:p="http://schemas.openxmlformats.org/presentationml/2006/main">
   <p:cSld>
     <p:spTree>
@@ -27463,7 +28265,7 @@
 </p:sld>
 </file>
 
-<file path=ppt/slides/slide26.xml><?xml version="1.0" encoding="utf-8"?>
+<file path=ppt/slides/slide27.xml><?xml version="1.0" encoding="utf-8"?>
 <p:sld xmlns:a="http://schemas.openxmlformats.org/drawingml/2006/main" xmlns:r="http://schemas.openxmlformats.org/officeDocument/2006/relationships" xmlns:p="http://schemas.openxmlformats.org/presentationml/2006/main">
   <p:cSld>
     <p:spTree>
@@ -27987,7 +28789,7 @@
 </p:sld>
 </file>
 
-<file path=ppt/slides/slide27.xml><?xml version="1.0" encoding="utf-8"?>
+<file path=ppt/slides/slide28.xml><?xml version="1.0" encoding="utf-8"?>
 <p:sld xmlns:a="http://schemas.openxmlformats.org/drawingml/2006/main" xmlns:r="http://schemas.openxmlformats.org/officeDocument/2006/relationships" xmlns:p="http://schemas.openxmlformats.org/presentationml/2006/main">
   <p:cSld>
     <p:spTree>
@@ -28328,7 +29130,7 @@
 </p:sld>
 </file>
 
-<file path=ppt/slides/slide28.xml><?xml version="1.0" encoding="utf-8"?>
+<file path=ppt/slides/slide29.xml><?xml version="1.0" encoding="utf-8"?>
 <p:sld xmlns:a="http://schemas.openxmlformats.org/drawingml/2006/main" xmlns:r="http://schemas.openxmlformats.org/officeDocument/2006/relationships" xmlns:p="http://schemas.openxmlformats.org/presentationml/2006/main">
   <p:cSld>
     <p:spTree>
@@ -28566,7 +29368,2042 @@
 </p:sld>
 </file>
 
-<file path=ppt/slides/slide29.xml><?xml version="1.0" encoding="utf-8"?>
+<file path=ppt/slides/slide3.xml><?xml version="1.0" encoding="utf-8"?>
+<p:sld xmlns:a="http://schemas.openxmlformats.org/drawingml/2006/main" xmlns:r="http://schemas.openxmlformats.org/officeDocument/2006/relationships" xmlns:p="http://schemas.openxmlformats.org/presentationml/2006/main">
+  <p:cSld>
+    <p:spTree>
+      <p:nvGrpSpPr>
+        <p:cNvPr id="1" name=""/>
+        <p:cNvGrpSpPr/>
+        <p:nvPr/>
+      </p:nvGrpSpPr>
+      <p:grpSpPr/>
+      <p:sp>
+        <p:nvSpPr>
+          <p:cNvPr id="2" name="标题 1"/>
+          <p:cNvSpPr>
+            <a:spLocks noGrp="1"/>
+          </p:cNvSpPr>
+          <p:nvPr>
+            <p:ph type="title"/>
+          </p:nvPr>
+        </p:nvSpPr>
+        <p:spPr/>
+        <p:txBody>
+          <a:bodyPr/>
+          <a:p>
+            <a:r>
+              <a:rPr lang="zh-CN" altLang="en-US"/>
+              <a:t>公路规划抽象及造价预算示例图</a:t>
+            </a:r>
+            <a:endParaRPr lang="zh-CN" altLang="en-US"/>
+          </a:p>
+        </p:txBody>
+      </p:sp>
+      <p:grpSp>
+        <p:nvGrpSpPr>
+          <p:cNvPr id="4" name="组合 122"/>
+          <p:cNvGrpSpPr/>
+          <p:nvPr/>
+        </p:nvGrpSpPr>
+        <p:grpSpPr>
+          <a:xfrm>
+            <a:off x="2546033" y="2372678"/>
+            <a:ext cx="5214937" cy="3143250"/>
+            <a:chOff x="2143108" y="1785926"/>
+            <a:chExt cx="5214974" cy="3143272"/>
+          </a:xfrm>
+        </p:grpSpPr>
+        <p:grpSp>
+          <p:nvGrpSpPr>
+            <p:cNvPr id="3077" name="Group 59"/>
+            <p:cNvGrpSpPr/>
+            <p:nvPr/>
+          </p:nvGrpSpPr>
+          <p:grpSpPr>
+            <a:xfrm>
+              <a:off x="2225844" y="1785926"/>
+              <a:ext cx="5132238" cy="3143272"/>
+              <a:chOff x="2947" y="5546"/>
+              <a:chExt cx="3970" cy="2689"/>
+            </a:xfrm>
+          </p:grpSpPr>
+          <p:sp>
+            <p:nvSpPr>
+              <p:cNvPr id="3078" name="Oval 60"/>
+              <p:cNvSpPr/>
+              <p:nvPr/>
+            </p:nvSpPr>
+            <p:spPr>
+              <a:xfrm>
+                <a:off x="3166" y="6468"/>
+                <a:ext cx="369" cy="369"/>
+              </a:xfrm>
+              <a:prstGeom prst="ellipse">
+                <a:avLst/>
+              </a:prstGeom>
+              <a:solidFill>
+                <a:srgbClr val="FFFFFF"/>
+              </a:solidFill>
+              <a:ln w="9525" cap="flat" cmpd="sng">
+                <a:solidFill>
+                  <a:srgbClr val="000000"/>
+                </a:solidFill>
+                <a:prstDash val="solid"/>
+                <a:round/>
+                <a:headEnd type="none" w="med" len="med"/>
+                <a:tailEnd type="none" w="med" len="med"/>
+              </a:ln>
+            </p:spPr>
+            <p:txBody>
+              <a:bodyPr anchor="t" anchorCtr="0"/>
+              <a:p>
+                <a:pPr indent="0">
+                  <a:buFont typeface="Arial" panose="020B0604020202020204" pitchFamily="34" charset="0"/>
+                </a:pPr>
+                <a:endParaRPr lang="zh-CN" altLang="en-US" b="1" dirty="0">
+                  <a:latin typeface="Times New Roman" panose="02020603050405020304" pitchFamily="18" charset="0"/>
+                  <a:ea typeface="宋体" pitchFamily="2" charset="-122"/>
+                </a:endParaRPr>
+              </a:p>
+            </p:txBody>
+          </p:sp>
+          <p:sp>
+            <p:nvSpPr>
+              <p:cNvPr id="3079" name="Oval 61"/>
+              <p:cNvSpPr/>
+              <p:nvPr/>
+            </p:nvSpPr>
+            <p:spPr>
+              <a:xfrm>
+                <a:off x="3535" y="5546"/>
+                <a:ext cx="369" cy="369"/>
+              </a:xfrm>
+              <a:prstGeom prst="ellipse">
+                <a:avLst/>
+              </a:prstGeom>
+              <a:solidFill>
+                <a:srgbClr val="FFFFFF"/>
+              </a:solidFill>
+              <a:ln w="9525" cap="flat" cmpd="sng">
+                <a:solidFill>
+                  <a:srgbClr val="000000"/>
+                </a:solidFill>
+                <a:prstDash val="solid"/>
+                <a:round/>
+                <a:headEnd type="none" w="med" len="med"/>
+                <a:tailEnd type="none" w="med" len="med"/>
+              </a:ln>
+            </p:spPr>
+            <p:txBody>
+              <a:bodyPr anchor="t" anchorCtr="0"/>
+              <a:p>
+                <a:pPr indent="0">
+                  <a:buFont typeface="Arial" panose="020B0604020202020204" pitchFamily="34" charset="0"/>
+                </a:pPr>
+                <a:endParaRPr lang="zh-CN" altLang="en-US" b="1" dirty="0">
+                  <a:latin typeface="Times New Roman" panose="02020603050405020304" pitchFamily="18" charset="0"/>
+                  <a:ea typeface="宋体" pitchFamily="2" charset="-122"/>
+                </a:endParaRPr>
+              </a:p>
+            </p:txBody>
+          </p:sp>
+          <p:sp>
+            <p:nvSpPr>
+              <p:cNvPr id="3080" name="Oval 62"/>
+              <p:cNvSpPr/>
+              <p:nvPr/>
+            </p:nvSpPr>
+            <p:spPr>
+              <a:xfrm>
+                <a:off x="4015" y="7128"/>
+                <a:ext cx="369" cy="369"/>
+              </a:xfrm>
+              <a:prstGeom prst="ellipse">
+                <a:avLst/>
+              </a:prstGeom>
+              <a:solidFill>
+                <a:srgbClr val="FFFFFF"/>
+              </a:solidFill>
+              <a:ln w="9525" cap="flat" cmpd="sng">
+                <a:solidFill>
+                  <a:srgbClr val="000000"/>
+                </a:solidFill>
+                <a:prstDash val="solid"/>
+                <a:round/>
+                <a:headEnd type="none" w="med" len="med"/>
+                <a:tailEnd type="none" w="med" len="med"/>
+              </a:ln>
+            </p:spPr>
+            <p:txBody>
+              <a:bodyPr anchor="t" anchorCtr="0"/>
+              <a:p>
+                <a:pPr indent="0">
+                  <a:buFont typeface="Arial" panose="020B0604020202020204" pitchFamily="34" charset="0"/>
+                </a:pPr>
+                <a:endParaRPr lang="zh-CN" altLang="en-US" b="1" dirty="0">
+                  <a:latin typeface="Times New Roman" panose="02020603050405020304" pitchFamily="18" charset="0"/>
+                  <a:ea typeface="宋体" pitchFamily="2" charset="-122"/>
+                </a:endParaRPr>
+              </a:p>
+            </p:txBody>
+          </p:sp>
+          <p:sp>
+            <p:nvSpPr>
+              <p:cNvPr id="3081" name="Oval 63"/>
+              <p:cNvSpPr/>
+              <p:nvPr/>
+            </p:nvSpPr>
+            <p:spPr>
+              <a:xfrm>
+                <a:off x="4447" y="6099"/>
+                <a:ext cx="369" cy="369"/>
+              </a:xfrm>
+              <a:prstGeom prst="ellipse">
+                <a:avLst/>
+              </a:prstGeom>
+              <a:solidFill>
+                <a:srgbClr val="FFFFFF"/>
+              </a:solidFill>
+              <a:ln w="9525" cap="flat" cmpd="sng">
+                <a:solidFill>
+                  <a:srgbClr val="000000"/>
+                </a:solidFill>
+                <a:prstDash val="solid"/>
+                <a:round/>
+                <a:headEnd type="none" w="med" len="med"/>
+                <a:tailEnd type="none" w="med" len="med"/>
+              </a:ln>
+            </p:spPr>
+            <p:txBody>
+              <a:bodyPr anchor="t" anchorCtr="0"/>
+              <a:p>
+                <a:pPr indent="0">
+                  <a:buFont typeface="Arial" panose="020B0604020202020204" pitchFamily="34" charset="0"/>
+                </a:pPr>
+                <a:endParaRPr lang="zh-CN" altLang="en-US" b="1" dirty="0">
+                  <a:latin typeface="Times New Roman" panose="02020603050405020304" pitchFamily="18" charset="0"/>
+                  <a:ea typeface="宋体" pitchFamily="2" charset="-122"/>
+                </a:endParaRPr>
+              </a:p>
+            </p:txBody>
+          </p:sp>
+          <p:sp>
+            <p:nvSpPr>
+              <p:cNvPr id="3082" name="Oval 64"/>
+              <p:cNvSpPr/>
+              <p:nvPr/>
+            </p:nvSpPr>
+            <p:spPr>
+              <a:xfrm>
+                <a:off x="5759" y="5646"/>
+                <a:ext cx="369" cy="369"/>
+              </a:xfrm>
+              <a:prstGeom prst="ellipse">
+                <a:avLst/>
+              </a:prstGeom>
+              <a:solidFill>
+                <a:srgbClr val="FFFFFF"/>
+              </a:solidFill>
+              <a:ln w="9525" cap="flat" cmpd="sng">
+                <a:solidFill>
+                  <a:srgbClr val="000000"/>
+                </a:solidFill>
+                <a:prstDash val="solid"/>
+                <a:round/>
+                <a:headEnd type="none" w="med" len="med"/>
+                <a:tailEnd type="none" w="med" len="med"/>
+              </a:ln>
+            </p:spPr>
+            <p:txBody>
+              <a:bodyPr anchor="t" anchorCtr="0"/>
+              <a:p>
+                <a:pPr indent="0">
+                  <a:buFont typeface="Arial" panose="020B0604020202020204" pitchFamily="34" charset="0"/>
+                </a:pPr>
+                <a:endParaRPr lang="zh-CN" altLang="en-US" b="1" dirty="0">
+                  <a:latin typeface="Times New Roman" panose="02020603050405020304" pitchFamily="18" charset="0"/>
+                  <a:ea typeface="宋体" pitchFamily="2" charset="-122"/>
+                </a:endParaRPr>
+              </a:p>
+            </p:txBody>
+          </p:sp>
+          <p:sp>
+            <p:nvSpPr>
+              <p:cNvPr id="3083" name="Oval 65"/>
+              <p:cNvSpPr/>
+              <p:nvPr/>
+            </p:nvSpPr>
+            <p:spPr>
+              <a:xfrm>
+                <a:off x="2947" y="7497"/>
+                <a:ext cx="369" cy="369"/>
+              </a:xfrm>
+              <a:prstGeom prst="ellipse">
+                <a:avLst/>
+              </a:prstGeom>
+              <a:solidFill>
+                <a:srgbClr val="FFFFFF"/>
+              </a:solidFill>
+              <a:ln w="9525" cap="flat" cmpd="sng">
+                <a:solidFill>
+                  <a:srgbClr val="000000"/>
+                </a:solidFill>
+                <a:prstDash val="solid"/>
+                <a:round/>
+                <a:headEnd type="none" w="med" len="med"/>
+                <a:tailEnd type="none" w="med" len="med"/>
+              </a:ln>
+            </p:spPr>
+            <p:txBody>
+              <a:bodyPr anchor="t" anchorCtr="0"/>
+              <a:p>
+                <a:pPr indent="0">
+                  <a:buFont typeface="Arial" panose="020B0604020202020204" pitchFamily="34" charset="0"/>
+                </a:pPr>
+                <a:endParaRPr lang="zh-CN" altLang="en-US" b="1" dirty="0">
+                  <a:latin typeface="Times New Roman" panose="02020603050405020304" pitchFamily="18" charset="0"/>
+                  <a:ea typeface="宋体" pitchFamily="2" charset="-122"/>
+                </a:endParaRPr>
+              </a:p>
+            </p:txBody>
+          </p:sp>
+          <p:sp>
+            <p:nvSpPr>
+              <p:cNvPr id="3084" name="Oval 66"/>
+              <p:cNvSpPr/>
+              <p:nvPr/>
+            </p:nvSpPr>
+            <p:spPr>
+              <a:xfrm>
+                <a:off x="6548" y="6468"/>
+                <a:ext cx="369" cy="369"/>
+              </a:xfrm>
+              <a:prstGeom prst="ellipse">
+                <a:avLst/>
+              </a:prstGeom>
+              <a:solidFill>
+                <a:srgbClr val="FFFFFF"/>
+              </a:solidFill>
+              <a:ln w="9525" cap="flat" cmpd="sng">
+                <a:solidFill>
+                  <a:srgbClr val="000000"/>
+                </a:solidFill>
+                <a:prstDash val="solid"/>
+                <a:round/>
+                <a:headEnd type="none" w="med" len="med"/>
+                <a:tailEnd type="none" w="med" len="med"/>
+              </a:ln>
+            </p:spPr>
+            <p:txBody>
+              <a:bodyPr anchor="t" anchorCtr="0"/>
+              <a:p>
+                <a:pPr indent="0">
+                  <a:buFont typeface="Arial" panose="020B0604020202020204" pitchFamily="34" charset="0"/>
+                </a:pPr>
+                <a:endParaRPr lang="zh-CN" altLang="en-US" b="1" dirty="0">
+                  <a:latin typeface="Times New Roman" panose="02020603050405020304" pitchFamily="18" charset="0"/>
+                  <a:ea typeface="宋体" pitchFamily="2" charset="-122"/>
+                </a:endParaRPr>
+              </a:p>
+            </p:txBody>
+          </p:sp>
+          <p:sp>
+            <p:nvSpPr>
+              <p:cNvPr id="3085" name="Oval 67"/>
+              <p:cNvSpPr/>
+              <p:nvPr/>
+            </p:nvSpPr>
+            <p:spPr>
+              <a:xfrm>
+                <a:off x="6045" y="7563"/>
+                <a:ext cx="369" cy="369"/>
+              </a:xfrm>
+              <a:prstGeom prst="ellipse">
+                <a:avLst/>
+              </a:prstGeom>
+              <a:solidFill>
+                <a:srgbClr val="FFFFFF"/>
+              </a:solidFill>
+              <a:ln w="9525" cap="flat" cmpd="sng">
+                <a:solidFill>
+                  <a:srgbClr val="000000"/>
+                </a:solidFill>
+                <a:prstDash val="solid"/>
+                <a:round/>
+                <a:headEnd type="none" w="med" len="med"/>
+                <a:tailEnd type="none" w="med" len="med"/>
+              </a:ln>
+            </p:spPr>
+            <p:txBody>
+              <a:bodyPr anchor="t" anchorCtr="0"/>
+              <a:p>
+                <a:pPr indent="0">
+                  <a:buFont typeface="Arial" panose="020B0604020202020204" pitchFamily="34" charset="0"/>
+                </a:pPr>
+                <a:endParaRPr lang="zh-CN" altLang="en-US" b="1" dirty="0">
+                  <a:latin typeface="Times New Roman" panose="02020603050405020304" pitchFamily="18" charset="0"/>
+                  <a:ea typeface="宋体" pitchFamily="2" charset="-122"/>
+                </a:endParaRPr>
+              </a:p>
+            </p:txBody>
+          </p:sp>
+          <p:sp>
+            <p:nvSpPr>
+              <p:cNvPr id="3086" name="Oval 68"/>
+              <p:cNvSpPr/>
+              <p:nvPr/>
+            </p:nvSpPr>
+            <p:spPr>
+              <a:xfrm>
+                <a:off x="5185" y="6759"/>
+                <a:ext cx="369" cy="369"/>
+              </a:xfrm>
+              <a:prstGeom prst="ellipse">
+                <a:avLst/>
+              </a:prstGeom>
+              <a:solidFill>
+                <a:srgbClr val="FFFFFF"/>
+              </a:solidFill>
+              <a:ln w="9525" cap="flat" cmpd="sng">
+                <a:solidFill>
+                  <a:srgbClr val="000000"/>
+                </a:solidFill>
+                <a:prstDash val="solid"/>
+                <a:round/>
+                <a:headEnd type="none" w="med" len="med"/>
+                <a:tailEnd type="none" w="med" len="med"/>
+              </a:ln>
+            </p:spPr>
+            <p:txBody>
+              <a:bodyPr anchor="t" anchorCtr="0"/>
+              <a:p>
+                <a:pPr indent="0">
+                  <a:buFont typeface="Arial" panose="020B0604020202020204" pitchFamily="34" charset="0"/>
+                </a:pPr>
+                <a:endParaRPr lang="zh-CN" altLang="en-US" b="1" dirty="0">
+                  <a:latin typeface="Times New Roman" panose="02020603050405020304" pitchFamily="18" charset="0"/>
+                  <a:ea typeface="宋体" pitchFamily="2" charset="-122"/>
+                </a:endParaRPr>
+              </a:p>
+            </p:txBody>
+          </p:sp>
+          <p:sp>
+            <p:nvSpPr>
+              <p:cNvPr id="3087" name="Oval 69"/>
+              <p:cNvSpPr/>
+              <p:nvPr/>
+            </p:nvSpPr>
+            <p:spPr>
+              <a:xfrm>
+                <a:off x="4816" y="7866"/>
+                <a:ext cx="369" cy="369"/>
+              </a:xfrm>
+              <a:prstGeom prst="ellipse">
+                <a:avLst/>
+              </a:prstGeom>
+              <a:solidFill>
+                <a:srgbClr val="FFFFFF"/>
+              </a:solidFill>
+              <a:ln w="9525" cap="flat" cmpd="sng">
+                <a:solidFill>
+                  <a:srgbClr val="000000"/>
+                </a:solidFill>
+                <a:prstDash val="solid"/>
+                <a:round/>
+                <a:headEnd type="none" w="med" len="med"/>
+                <a:tailEnd type="none" w="med" len="med"/>
+              </a:ln>
+            </p:spPr>
+            <p:txBody>
+              <a:bodyPr anchor="t" anchorCtr="0"/>
+              <a:p>
+                <a:pPr indent="0">
+                  <a:buFont typeface="Arial" panose="020B0604020202020204" pitchFamily="34" charset="0"/>
+                </a:pPr>
+                <a:endParaRPr lang="zh-CN" altLang="en-US" b="1" dirty="0">
+                  <a:latin typeface="Times New Roman" panose="02020603050405020304" pitchFamily="18" charset="0"/>
+                  <a:ea typeface="宋体" pitchFamily="2" charset="-122"/>
+                </a:endParaRPr>
+              </a:p>
+            </p:txBody>
+          </p:sp>
+          <p:cxnSp>
+            <p:nvCxnSpPr>
+              <p:cNvPr id="3088" name="AutoShape 70"/>
+              <p:cNvCxnSpPr/>
+              <p:nvPr/>
+            </p:nvCxnSpPr>
+            <p:spPr>
+              <a:xfrm>
+                <a:off x="3904" y="5835"/>
+                <a:ext cx="543" cy="351"/>
+              </a:xfrm>
+              <a:prstGeom prst="straightConnector1">
+                <a:avLst/>
+              </a:prstGeom>
+              <a:ln w="9525" cap="flat" cmpd="sng">
+                <a:solidFill>
+                  <a:srgbClr val="000000"/>
+                </a:solidFill>
+                <a:prstDash val="solid"/>
+                <a:round/>
+                <a:headEnd type="none" w="med" len="med"/>
+                <a:tailEnd type="none" w="med" len="med"/>
+              </a:ln>
+            </p:spPr>
+          </p:cxnSp>
+          <p:cxnSp>
+            <p:nvCxnSpPr>
+              <p:cNvPr id="3089" name="AutoShape 71"/>
+              <p:cNvCxnSpPr/>
+              <p:nvPr/>
+            </p:nvCxnSpPr>
+            <p:spPr>
+              <a:xfrm flipH="1">
+                <a:off x="3381" y="5915"/>
+                <a:ext cx="285" cy="553"/>
+              </a:xfrm>
+              <a:prstGeom prst="straightConnector1">
+                <a:avLst/>
+              </a:prstGeom>
+              <a:ln w="9525" cap="flat" cmpd="sng">
+                <a:solidFill>
+                  <a:srgbClr val="000000"/>
+                </a:solidFill>
+                <a:prstDash val="solid"/>
+                <a:round/>
+                <a:headEnd type="none" w="med" len="med"/>
+                <a:tailEnd type="none" w="med" len="med"/>
+              </a:ln>
+            </p:spPr>
+          </p:cxnSp>
+          <p:cxnSp>
+            <p:nvCxnSpPr>
+              <p:cNvPr id="3090" name="AutoShape 72"/>
+              <p:cNvCxnSpPr/>
+              <p:nvPr/>
+            </p:nvCxnSpPr>
+            <p:spPr>
+              <a:xfrm flipV="1">
+                <a:off x="4816" y="5835"/>
+                <a:ext cx="943" cy="351"/>
+              </a:xfrm>
+              <a:prstGeom prst="straightConnector1">
+                <a:avLst/>
+              </a:prstGeom>
+              <a:ln w="9525" cap="flat" cmpd="sng">
+                <a:solidFill>
+                  <a:srgbClr val="000000"/>
+                </a:solidFill>
+                <a:prstDash val="solid"/>
+                <a:round/>
+                <a:headEnd type="none" w="med" len="med"/>
+                <a:tailEnd type="none" w="med" len="med"/>
+              </a:ln>
+            </p:spPr>
+          </p:cxnSp>
+          <p:cxnSp>
+            <p:nvCxnSpPr>
+              <p:cNvPr id="3091" name="AutoShape 73"/>
+              <p:cNvCxnSpPr/>
+              <p:nvPr/>
+            </p:nvCxnSpPr>
+            <p:spPr>
+              <a:xfrm>
+                <a:off x="4790" y="6382"/>
+                <a:ext cx="468" cy="429"/>
+              </a:xfrm>
+              <a:prstGeom prst="straightConnector1">
+                <a:avLst/>
+              </a:prstGeom>
+              <a:ln w="9525" cap="flat" cmpd="sng">
+                <a:solidFill>
+                  <a:srgbClr val="000000"/>
+                </a:solidFill>
+                <a:prstDash val="solid"/>
+                <a:round/>
+                <a:headEnd type="none" w="med" len="med"/>
+                <a:tailEnd type="none" w="med" len="med"/>
+              </a:ln>
+            </p:spPr>
+          </p:cxnSp>
+          <p:cxnSp>
+            <p:nvCxnSpPr>
+              <p:cNvPr id="3092" name="AutoShape 74"/>
+              <p:cNvCxnSpPr/>
+              <p:nvPr/>
+            </p:nvCxnSpPr>
+            <p:spPr>
+              <a:xfrm>
+                <a:off x="6128" y="5915"/>
+                <a:ext cx="543" cy="553"/>
+              </a:xfrm>
+              <a:prstGeom prst="straightConnector1">
+                <a:avLst/>
+              </a:prstGeom>
+              <a:ln w="9525" cap="flat" cmpd="sng">
+                <a:solidFill>
+                  <a:srgbClr val="000000"/>
+                </a:solidFill>
+                <a:prstDash val="solid"/>
+                <a:round/>
+                <a:headEnd type="none" w="med" len="med"/>
+                <a:tailEnd type="none" w="med" len="med"/>
+              </a:ln>
+            </p:spPr>
+          </p:cxnSp>
+          <p:cxnSp>
+            <p:nvCxnSpPr>
+              <p:cNvPr id="3093" name="AutoShape 75"/>
+              <p:cNvCxnSpPr/>
+              <p:nvPr/>
+            </p:nvCxnSpPr>
+            <p:spPr>
+              <a:xfrm flipV="1">
+                <a:off x="5502" y="6015"/>
+                <a:ext cx="408" cy="796"/>
+              </a:xfrm>
+              <a:prstGeom prst="straightConnector1">
+                <a:avLst/>
+              </a:prstGeom>
+              <a:ln w="9525" cap="flat" cmpd="sng">
+                <a:solidFill>
+                  <a:srgbClr val="000000"/>
+                </a:solidFill>
+                <a:prstDash val="solid"/>
+                <a:round/>
+                <a:headEnd type="none" w="med" len="med"/>
+                <a:tailEnd type="none" w="med" len="med"/>
+              </a:ln>
+            </p:spPr>
+          </p:cxnSp>
+          <p:cxnSp>
+            <p:nvCxnSpPr>
+              <p:cNvPr id="3094" name="AutoShape 76"/>
+              <p:cNvCxnSpPr/>
+              <p:nvPr/>
+            </p:nvCxnSpPr>
+            <p:spPr>
+              <a:xfrm flipV="1">
+                <a:off x="5554" y="6701"/>
+                <a:ext cx="982" cy="224"/>
+              </a:xfrm>
+              <a:prstGeom prst="straightConnector1">
+                <a:avLst/>
+              </a:prstGeom>
+              <a:ln w="9525" cap="flat" cmpd="sng">
+                <a:solidFill>
+                  <a:srgbClr val="000000"/>
+                </a:solidFill>
+                <a:prstDash val="solid"/>
+                <a:round/>
+                <a:headEnd type="none" w="med" len="med"/>
+                <a:tailEnd type="none" w="med" len="med"/>
+              </a:ln>
+            </p:spPr>
+          </p:cxnSp>
+          <p:cxnSp>
+            <p:nvCxnSpPr>
+              <p:cNvPr id="3095" name="AutoShape 77"/>
+              <p:cNvCxnSpPr/>
+              <p:nvPr/>
+            </p:nvCxnSpPr>
+            <p:spPr>
+              <a:xfrm flipV="1">
+                <a:off x="4384" y="7004"/>
+                <a:ext cx="801" cy="224"/>
+              </a:xfrm>
+              <a:prstGeom prst="straightConnector1">
+                <a:avLst/>
+              </a:prstGeom>
+              <a:ln w="9525" cap="flat" cmpd="sng">
+                <a:solidFill>
+                  <a:srgbClr val="000000"/>
+                </a:solidFill>
+                <a:prstDash val="solid"/>
+                <a:round/>
+                <a:headEnd type="none" w="med" len="med"/>
+                <a:tailEnd type="none" w="med" len="med"/>
+              </a:ln>
+            </p:spPr>
+          </p:cxnSp>
+          <p:cxnSp>
+            <p:nvCxnSpPr>
+              <p:cNvPr id="3096" name="AutoShape 78"/>
+              <p:cNvCxnSpPr/>
+              <p:nvPr/>
+            </p:nvCxnSpPr>
+            <p:spPr>
+              <a:xfrm>
+                <a:off x="5548" y="7142"/>
+                <a:ext cx="580" cy="421"/>
+              </a:xfrm>
+              <a:prstGeom prst="straightConnector1">
+                <a:avLst/>
+              </a:prstGeom>
+              <a:ln w="9525" cap="flat" cmpd="sng">
+                <a:solidFill>
+                  <a:srgbClr val="000000"/>
+                </a:solidFill>
+                <a:prstDash val="solid"/>
+                <a:round/>
+                <a:headEnd type="none" w="med" len="med"/>
+                <a:tailEnd type="none" w="med" len="med"/>
+              </a:ln>
+            </p:spPr>
+          </p:cxnSp>
+          <p:cxnSp>
+            <p:nvCxnSpPr>
+              <p:cNvPr id="3097" name="AutoShape 79"/>
+              <p:cNvCxnSpPr/>
+              <p:nvPr/>
+            </p:nvCxnSpPr>
+            <p:spPr>
+              <a:xfrm flipV="1">
+                <a:off x="6311" y="6837"/>
+                <a:ext cx="465" cy="726"/>
+              </a:xfrm>
+              <a:prstGeom prst="straightConnector1">
+                <a:avLst/>
+              </a:prstGeom>
+              <a:ln w="9525" cap="flat" cmpd="sng">
+                <a:solidFill>
+                  <a:srgbClr val="000000"/>
+                </a:solidFill>
+                <a:prstDash val="solid"/>
+                <a:round/>
+                <a:headEnd type="none" w="med" len="med"/>
+                <a:tailEnd type="none" w="med" len="med"/>
+              </a:ln>
+            </p:spPr>
+          </p:cxnSp>
+          <p:cxnSp>
+            <p:nvCxnSpPr>
+              <p:cNvPr id="3098" name="AutoShape 80"/>
+              <p:cNvCxnSpPr/>
+              <p:nvPr/>
+            </p:nvCxnSpPr>
+            <p:spPr>
+              <a:xfrm flipV="1">
+                <a:off x="5185" y="7788"/>
+                <a:ext cx="860" cy="224"/>
+              </a:xfrm>
+              <a:prstGeom prst="straightConnector1">
+                <a:avLst/>
+              </a:prstGeom>
+              <a:ln w="9525" cap="flat" cmpd="sng">
+                <a:solidFill>
+                  <a:srgbClr val="000000"/>
+                </a:solidFill>
+                <a:prstDash val="solid"/>
+                <a:round/>
+                <a:headEnd type="none" w="med" len="med"/>
+                <a:tailEnd type="none" w="med" len="med"/>
+              </a:ln>
+            </p:spPr>
+          </p:cxnSp>
+          <p:cxnSp>
+            <p:nvCxnSpPr>
+              <p:cNvPr id="3099" name="AutoShape 81"/>
+              <p:cNvCxnSpPr/>
+              <p:nvPr/>
+            </p:nvCxnSpPr>
+            <p:spPr>
+              <a:xfrm flipV="1">
+                <a:off x="3316" y="7339"/>
+                <a:ext cx="699" cy="224"/>
+              </a:xfrm>
+              <a:prstGeom prst="straightConnector1">
+                <a:avLst/>
+              </a:prstGeom>
+              <a:ln w="9525" cap="flat" cmpd="sng">
+                <a:solidFill>
+                  <a:srgbClr val="000000"/>
+                </a:solidFill>
+                <a:prstDash val="solid"/>
+                <a:round/>
+                <a:headEnd type="none" w="med" len="med"/>
+                <a:tailEnd type="none" w="med" len="med"/>
+              </a:ln>
+            </p:spPr>
+          </p:cxnSp>
+          <p:cxnSp>
+            <p:nvCxnSpPr>
+              <p:cNvPr id="3100" name="AutoShape 82"/>
+              <p:cNvCxnSpPr>
+                <a:stCxn id="3080" idx="5"/>
+              </p:cNvCxnSpPr>
+              <p:nvPr/>
+            </p:nvCxnSpPr>
+            <p:spPr>
+              <a:xfrm>
+                <a:off x="4330" y="7443"/>
+                <a:ext cx="553" cy="489"/>
+              </a:xfrm>
+              <a:prstGeom prst="straightConnector1">
+                <a:avLst/>
+              </a:prstGeom>
+              <a:ln w="9525" cap="flat" cmpd="sng">
+                <a:solidFill>
+                  <a:srgbClr val="000000"/>
+                </a:solidFill>
+                <a:prstDash val="solid"/>
+                <a:round/>
+                <a:headEnd type="none" w="med" len="med"/>
+                <a:tailEnd type="none" w="med" len="med"/>
+              </a:ln>
+            </p:spPr>
+          </p:cxnSp>
+          <p:cxnSp>
+            <p:nvCxnSpPr>
+              <p:cNvPr id="3101" name="AutoShape 83"/>
+              <p:cNvCxnSpPr/>
+              <p:nvPr/>
+            </p:nvCxnSpPr>
+            <p:spPr>
+              <a:xfrm flipV="1">
+                <a:off x="3535" y="6382"/>
+                <a:ext cx="912" cy="224"/>
+              </a:xfrm>
+              <a:prstGeom prst="straightConnector1">
+                <a:avLst/>
+              </a:prstGeom>
+              <a:ln w="9525" cap="flat" cmpd="sng">
+                <a:solidFill>
+                  <a:srgbClr val="000000"/>
+                </a:solidFill>
+                <a:prstDash val="solid"/>
+                <a:round/>
+                <a:headEnd type="none" w="med" len="med"/>
+                <a:tailEnd type="none" w="med" len="med"/>
+              </a:ln>
+            </p:spPr>
+          </p:cxnSp>
+          <p:cxnSp>
+            <p:nvCxnSpPr>
+              <p:cNvPr id="3102" name="AutoShape 84"/>
+              <p:cNvCxnSpPr/>
+              <p:nvPr/>
+            </p:nvCxnSpPr>
+            <p:spPr>
+              <a:xfrm>
+                <a:off x="3529" y="6805"/>
+                <a:ext cx="492" cy="375"/>
+              </a:xfrm>
+              <a:prstGeom prst="straightConnector1">
+                <a:avLst/>
+              </a:prstGeom>
+              <a:ln w="9525" cap="flat" cmpd="sng">
+                <a:solidFill>
+                  <a:srgbClr val="000000"/>
+                </a:solidFill>
+                <a:prstDash val="solid"/>
+                <a:round/>
+                <a:headEnd type="none" w="med" len="med"/>
+                <a:tailEnd type="none" w="med" len="med"/>
+              </a:ln>
+            </p:spPr>
+          </p:cxnSp>
+          <p:cxnSp>
+            <p:nvCxnSpPr>
+              <p:cNvPr id="3103" name="AutoShape 85"/>
+              <p:cNvCxnSpPr/>
+              <p:nvPr/>
+            </p:nvCxnSpPr>
+            <p:spPr>
+              <a:xfrm flipH="1">
+                <a:off x="3166" y="6811"/>
+                <a:ext cx="128" cy="686"/>
+              </a:xfrm>
+              <a:prstGeom prst="straightConnector1">
+                <a:avLst/>
+              </a:prstGeom>
+              <a:ln w="9525" cap="flat" cmpd="sng">
+                <a:solidFill>
+                  <a:srgbClr val="000000"/>
+                </a:solidFill>
+                <a:prstDash val="solid"/>
+                <a:round/>
+                <a:headEnd type="none" w="med" len="med"/>
+                <a:tailEnd type="none" w="med" len="med"/>
+              </a:ln>
+            </p:spPr>
+          </p:cxnSp>
+          <p:cxnSp>
+            <p:nvCxnSpPr>
+              <p:cNvPr id="3104" name="AutoShape 86"/>
+              <p:cNvCxnSpPr/>
+              <p:nvPr/>
+            </p:nvCxnSpPr>
+            <p:spPr>
+              <a:xfrm flipV="1">
+                <a:off x="5059" y="7115"/>
+                <a:ext cx="275" cy="751"/>
+              </a:xfrm>
+              <a:prstGeom prst="straightConnector1">
+                <a:avLst/>
+              </a:prstGeom>
+              <a:ln w="9525" cap="flat" cmpd="sng">
+                <a:solidFill>
+                  <a:srgbClr val="000000"/>
+                </a:solidFill>
+                <a:prstDash val="solid"/>
+                <a:round/>
+                <a:headEnd type="none" w="med" len="med"/>
+                <a:tailEnd type="none" w="med" len="med"/>
+              </a:ln>
+            </p:spPr>
+          </p:cxnSp>
+        </p:grpSp>
+        <p:grpSp>
+          <p:nvGrpSpPr>
+            <p:cNvPr id="3105" name="Group 88"/>
+            <p:cNvGrpSpPr/>
+            <p:nvPr/>
+          </p:nvGrpSpPr>
+          <p:grpSpPr>
+            <a:xfrm>
+              <a:off x="2143108" y="2064133"/>
+              <a:ext cx="5050794" cy="2748171"/>
+              <a:chOff x="2878" y="3672"/>
+              <a:chExt cx="3907" cy="2351"/>
+            </a:xfrm>
+          </p:grpSpPr>
+          <p:sp>
+            <p:nvSpPr>
+              <p:cNvPr id="3106" name="Text Box 89"/>
+              <p:cNvSpPr txBox="1"/>
+              <p:nvPr/>
+            </p:nvSpPr>
+            <p:spPr>
+              <a:xfrm>
+                <a:off x="3266" y="3900"/>
+                <a:ext cx="238" cy="167"/>
+              </a:xfrm>
+              <a:prstGeom prst="rect">
+                <a:avLst/>
+              </a:prstGeom>
+              <a:solidFill>
+                <a:srgbClr val="FFFFFF"/>
+              </a:solidFill>
+              <a:ln w="9525">
+                <a:noFill/>
+              </a:ln>
+            </p:spPr>
+            <p:txBody>
+              <a:bodyPr lIns="0" tIns="0" rIns="0" bIns="0" anchor="t" anchorCtr="0"/>
+              <a:p>
+                <a:pPr indent="0" algn="ctr">
+                  <a:buFont typeface="Arial" panose="020B0604020202020204" pitchFamily="34" charset="0"/>
+                </a:pPr>
+                <a:r>
+                  <a:rPr lang="en-US" altLang="zh-CN" sz="1800" b="1" dirty="0">
+                    <a:latin typeface="Arial" panose="020B0604020202020204" pitchFamily="34" charset="0"/>
+                    <a:ea typeface="宋体" pitchFamily="2" charset="-122"/>
+                  </a:rPr>
+                  <a:t>8</a:t>
+                </a:r>
+                <a:endParaRPr lang="zh-CN" altLang="zh-CN" sz="1800" b="1" dirty="0">
+                  <a:latin typeface="Times New Roman" panose="02020603050405020304" pitchFamily="18" charset="0"/>
+                  <a:ea typeface="宋体" pitchFamily="2" charset="-122"/>
+                </a:endParaRPr>
+              </a:p>
+            </p:txBody>
+          </p:sp>
+          <p:sp>
+            <p:nvSpPr>
+              <p:cNvPr id="3107" name="Text Box 90"/>
+              <p:cNvSpPr txBox="1"/>
+              <p:nvPr/>
+            </p:nvSpPr>
+            <p:spPr>
+              <a:xfrm>
+                <a:off x="5072" y="3672"/>
+                <a:ext cx="254" cy="176"/>
+              </a:xfrm>
+              <a:prstGeom prst="rect">
+                <a:avLst/>
+              </a:prstGeom>
+              <a:solidFill>
+                <a:srgbClr val="FFFFFF"/>
+              </a:solidFill>
+              <a:ln w="9525">
+                <a:noFill/>
+              </a:ln>
+            </p:spPr>
+            <p:txBody>
+              <a:bodyPr lIns="0" tIns="0" rIns="0" bIns="0" anchor="t" anchorCtr="0"/>
+              <a:p>
+                <a:pPr indent="0" algn="ctr">
+                  <a:buFont typeface="Arial" panose="020B0604020202020204" pitchFamily="34" charset="0"/>
+                </a:pPr>
+                <a:r>
+                  <a:rPr lang="en-US" altLang="zh-CN" sz="1800" b="1" dirty="0">
+                    <a:latin typeface="Arial" panose="020B0604020202020204" pitchFamily="34" charset="0"/>
+                    <a:ea typeface="宋体" pitchFamily="2" charset="-122"/>
+                  </a:rPr>
+                  <a:t>8</a:t>
+                </a:r>
+                <a:endParaRPr lang="zh-CN" altLang="zh-CN" sz="1800" b="1" dirty="0">
+                  <a:latin typeface="Times New Roman" panose="02020603050405020304" pitchFamily="18" charset="0"/>
+                  <a:ea typeface="宋体" pitchFamily="2" charset="-122"/>
+                </a:endParaRPr>
+              </a:p>
+            </p:txBody>
+          </p:sp>
+          <p:sp>
+            <p:nvSpPr>
+              <p:cNvPr id="3108" name="Text Box 91"/>
+              <p:cNvSpPr txBox="1"/>
+              <p:nvPr/>
+            </p:nvSpPr>
+            <p:spPr>
+              <a:xfrm>
+                <a:off x="5419" y="4143"/>
+                <a:ext cx="241" cy="217"/>
+              </a:xfrm>
+              <a:prstGeom prst="rect">
+                <a:avLst/>
+              </a:prstGeom>
+              <a:solidFill>
+                <a:srgbClr val="FFFFFF"/>
+              </a:solidFill>
+              <a:ln w="9525">
+                <a:noFill/>
+              </a:ln>
+            </p:spPr>
+            <p:txBody>
+              <a:bodyPr lIns="0" tIns="0" rIns="0" bIns="0" anchor="t" anchorCtr="0"/>
+              <a:p>
+                <a:pPr indent="0" algn="ctr">
+                  <a:buFont typeface="Arial" panose="020B0604020202020204" pitchFamily="34" charset="0"/>
+                </a:pPr>
+                <a:r>
+                  <a:rPr lang="en-US" altLang="zh-CN" sz="1800" b="1" dirty="0">
+                    <a:latin typeface="Arial" panose="020B0604020202020204" pitchFamily="34" charset="0"/>
+                    <a:ea typeface="宋体" pitchFamily="2" charset="-122"/>
+                  </a:rPr>
+                  <a:t>7</a:t>
+                </a:r>
+                <a:endParaRPr lang="zh-CN" altLang="zh-CN" sz="1800" b="1" dirty="0">
+                  <a:latin typeface="Times New Roman" panose="02020603050405020304" pitchFamily="18" charset="0"/>
+                  <a:ea typeface="宋体" pitchFamily="2" charset="-122"/>
+                </a:endParaRPr>
+              </a:p>
+            </p:txBody>
+          </p:sp>
+          <p:sp>
+            <p:nvSpPr>
+              <p:cNvPr id="3109" name="Text Box 92"/>
+              <p:cNvSpPr txBox="1"/>
+              <p:nvPr/>
+            </p:nvSpPr>
+            <p:spPr>
+              <a:xfrm>
+                <a:off x="5819" y="4442"/>
+                <a:ext cx="340" cy="217"/>
+              </a:xfrm>
+              <a:prstGeom prst="rect">
+                <a:avLst/>
+              </a:prstGeom>
+              <a:solidFill>
+                <a:srgbClr val="FFFFFF"/>
+              </a:solidFill>
+              <a:ln w="9525">
+                <a:noFill/>
+              </a:ln>
+            </p:spPr>
+            <p:txBody>
+              <a:bodyPr lIns="0" tIns="0" rIns="0" bIns="0" anchor="t" anchorCtr="0"/>
+              <a:p>
+                <a:pPr indent="0" algn="ctr">
+                  <a:buFont typeface="Arial" panose="020B0604020202020204" pitchFamily="34" charset="0"/>
+                </a:pPr>
+                <a:r>
+                  <a:rPr lang="en-US" altLang="zh-CN" sz="1800" b="1" dirty="0">
+                    <a:latin typeface="Arial" panose="020B0604020202020204" pitchFamily="34" charset="0"/>
+                    <a:ea typeface="宋体" pitchFamily="2" charset="-122"/>
+                  </a:rPr>
+                  <a:t>5</a:t>
+                </a:r>
+                <a:endParaRPr lang="zh-CN" altLang="zh-CN" sz="1800" b="1" dirty="0">
+                  <a:latin typeface="Times New Roman" panose="02020603050405020304" pitchFamily="18" charset="0"/>
+                  <a:ea typeface="宋体" pitchFamily="2" charset="-122"/>
+                </a:endParaRPr>
+              </a:p>
+            </p:txBody>
+          </p:sp>
+          <p:sp>
+            <p:nvSpPr>
+              <p:cNvPr id="3110" name="Text Box 93"/>
+              <p:cNvSpPr txBox="1"/>
+              <p:nvPr/>
+            </p:nvSpPr>
+            <p:spPr>
+              <a:xfrm>
+                <a:off x="5780" y="5002"/>
+                <a:ext cx="280" cy="211"/>
+              </a:xfrm>
+              <a:prstGeom prst="rect">
+                <a:avLst/>
+              </a:prstGeom>
+              <a:noFill/>
+              <a:ln w="9525">
+                <a:noFill/>
+              </a:ln>
+            </p:spPr>
+            <p:txBody>
+              <a:bodyPr lIns="0" tIns="0" rIns="0" bIns="0" anchor="t" anchorCtr="0"/>
+              <a:p>
+                <a:pPr indent="0" algn="ctr">
+                  <a:buFont typeface="Arial" panose="020B0604020202020204" pitchFamily="34" charset="0"/>
+                </a:pPr>
+                <a:r>
+                  <a:rPr lang="en-US" altLang="zh-CN" sz="1800" b="1" dirty="0">
+                    <a:latin typeface="Arial" panose="020B0604020202020204" pitchFamily="34" charset="0"/>
+                    <a:ea typeface="宋体" pitchFamily="2" charset="-122"/>
+                  </a:rPr>
+                  <a:t>6</a:t>
+                </a:r>
+                <a:endParaRPr lang="zh-CN" altLang="zh-CN" sz="1800" b="1" dirty="0">
+                  <a:latin typeface="Times New Roman" panose="02020603050405020304" pitchFamily="18" charset="0"/>
+                  <a:ea typeface="宋体" pitchFamily="2" charset="-122"/>
+                </a:endParaRPr>
+              </a:p>
+            </p:txBody>
+          </p:sp>
+          <p:sp>
+            <p:nvSpPr>
+              <p:cNvPr id="3111" name="Text Box 94"/>
+              <p:cNvSpPr txBox="1"/>
+              <p:nvPr/>
+            </p:nvSpPr>
+            <p:spPr>
+              <a:xfrm>
+                <a:off x="6541" y="5109"/>
+                <a:ext cx="244" cy="243"/>
+              </a:xfrm>
+              <a:prstGeom prst="rect">
+                <a:avLst/>
+              </a:prstGeom>
+              <a:solidFill>
+                <a:srgbClr val="FFFFFF"/>
+              </a:solidFill>
+              <a:ln w="9525">
+                <a:noFill/>
+              </a:ln>
+            </p:spPr>
+            <p:txBody>
+              <a:bodyPr lIns="0" tIns="0" rIns="0" bIns="0" anchor="t" anchorCtr="0"/>
+              <a:p>
+                <a:pPr indent="0" algn="ctr">
+                  <a:buFont typeface="Arial" panose="020B0604020202020204" pitchFamily="34" charset="0"/>
+                </a:pPr>
+                <a:r>
+                  <a:rPr lang="en-US" altLang="zh-CN" sz="1800" b="1" dirty="0">
+                    <a:latin typeface="Arial" panose="020B0604020202020204" pitchFamily="34" charset="0"/>
+                    <a:ea typeface="宋体" pitchFamily="2" charset="-122"/>
+                  </a:rPr>
+                  <a:t>6</a:t>
+                </a:r>
+                <a:endParaRPr lang="zh-CN" altLang="zh-CN" sz="1800" b="1" dirty="0">
+                  <a:latin typeface="Times New Roman" panose="02020603050405020304" pitchFamily="18" charset="0"/>
+                  <a:ea typeface="宋体" pitchFamily="2" charset="-122"/>
+                </a:endParaRPr>
+              </a:p>
+            </p:txBody>
+          </p:sp>
+          <p:sp>
+            <p:nvSpPr>
+              <p:cNvPr id="3112" name="Text Box 95"/>
+              <p:cNvSpPr txBox="1"/>
+              <p:nvPr/>
+            </p:nvSpPr>
+            <p:spPr>
+              <a:xfrm>
+                <a:off x="4224" y="3709"/>
+                <a:ext cx="288" cy="217"/>
+              </a:xfrm>
+              <a:prstGeom prst="rect">
+                <a:avLst/>
+              </a:prstGeom>
+              <a:solidFill>
+                <a:srgbClr val="FFFFFF"/>
+              </a:solidFill>
+              <a:ln w="9525">
+                <a:noFill/>
+              </a:ln>
+            </p:spPr>
+            <p:txBody>
+              <a:bodyPr lIns="0" tIns="0" rIns="0" bIns="0" anchor="t" anchorCtr="0"/>
+              <a:p>
+                <a:pPr indent="0" algn="ctr">
+                  <a:buFont typeface="Arial" panose="020B0604020202020204" pitchFamily="34" charset="0"/>
+                </a:pPr>
+                <a:r>
+                  <a:rPr lang="en-US" altLang="zh-CN" sz="1800" b="1" dirty="0">
+                    <a:latin typeface="Arial" panose="020B0604020202020204" pitchFamily="34" charset="0"/>
+                    <a:ea typeface="宋体" pitchFamily="2" charset="-122"/>
+                  </a:rPr>
+                  <a:t>5</a:t>
+                </a:r>
+                <a:endParaRPr lang="zh-CN" altLang="zh-CN" sz="1800" b="1" dirty="0">
+                  <a:latin typeface="Times New Roman" panose="02020603050405020304" pitchFamily="18" charset="0"/>
+                  <a:ea typeface="宋体" pitchFamily="2" charset="-122"/>
+                </a:endParaRPr>
+              </a:p>
+            </p:txBody>
+          </p:sp>
+          <p:sp>
+            <p:nvSpPr>
+              <p:cNvPr id="3113" name="Text Box 96"/>
+              <p:cNvSpPr txBox="1"/>
+              <p:nvPr/>
+            </p:nvSpPr>
+            <p:spPr>
+              <a:xfrm>
+                <a:off x="6414" y="3889"/>
+                <a:ext cx="270" cy="163"/>
+              </a:xfrm>
+              <a:prstGeom prst="rect">
+                <a:avLst/>
+              </a:prstGeom>
+              <a:solidFill>
+                <a:srgbClr val="FFFFFF"/>
+              </a:solidFill>
+              <a:ln w="9525">
+                <a:noFill/>
+              </a:ln>
+            </p:spPr>
+            <p:txBody>
+              <a:bodyPr lIns="0" tIns="0" rIns="0" bIns="0" anchor="t" anchorCtr="0"/>
+              <a:p>
+                <a:pPr indent="0" algn="ctr">
+                  <a:buFont typeface="Arial" panose="020B0604020202020204" pitchFamily="34" charset="0"/>
+                </a:pPr>
+                <a:r>
+                  <a:rPr lang="en-US" altLang="zh-CN" sz="1800" b="1" dirty="0">
+                    <a:latin typeface="Arial" panose="020B0604020202020204" pitchFamily="34" charset="0"/>
+                    <a:ea typeface="宋体" pitchFamily="2" charset="-122"/>
+                  </a:rPr>
+                  <a:t>5</a:t>
+                </a:r>
+                <a:endParaRPr lang="zh-CN" altLang="zh-CN" sz="1800" b="1" dirty="0">
+                  <a:latin typeface="Times New Roman" panose="02020603050405020304" pitchFamily="18" charset="0"/>
+                  <a:ea typeface="宋体" pitchFamily="2" charset="-122"/>
+                </a:endParaRPr>
+              </a:p>
+            </p:txBody>
+          </p:sp>
+          <p:sp>
+            <p:nvSpPr>
+              <p:cNvPr id="3114" name="Text Box 97"/>
+              <p:cNvSpPr txBox="1"/>
+              <p:nvPr/>
+            </p:nvSpPr>
+            <p:spPr>
+              <a:xfrm>
+                <a:off x="3753" y="4659"/>
+                <a:ext cx="275" cy="204"/>
+              </a:xfrm>
+              <a:prstGeom prst="rect">
+                <a:avLst/>
+              </a:prstGeom>
+              <a:solidFill>
+                <a:srgbClr val="FFFFFF"/>
+              </a:solidFill>
+              <a:ln w="9525">
+                <a:noFill/>
+              </a:ln>
+            </p:spPr>
+            <p:txBody>
+              <a:bodyPr lIns="0" tIns="0" rIns="0" bIns="0" anchor="t" anchorCtr="0"/>
+              <a:p>
+                <a:pPr indent="0" algn="ctr">
+                  <a:buFont typeface="Arial" panose="020B0604020202020204" pitchFamily="34" charset="0"/>
+                </a:pPr>
+                <a:r>
+                  <a:rPr lang="en-US" altLang="zh-CN" sz="1800" b="1" dirty="0">
+                    <a:latin typeface="Arial" panose="020B0604020202020204" pitchFamily="34" charset="0"/>
+                    <a:ea typeface="宋体" pitchFamily="2" charset="-122"/>
+                  </a:rPr>
+                  <a:t>4</a:t>
+                </a:r>
+                <a:endParaRPr lang="zh-CN" altLang="zh-CN" sz="1800" b="1" dirty="0">
+                  <a:latin typeface="Times New Roman" panose="02020603050405020304" pitchFamily="18" charset="0"/>
+                  <a:ea typeface="宋体" pitchFamily="2" charset="-122"/>
+                </a:endParaRPr>
+              </a:p>
+            </p:txBody>
+          </p:sp>
+          <p:sp>
+            <p:nvSpPr>
+              <p:cNvPr id="3115" name="Text Box 98"/>
+              <p:cNvSpPr txBox="1"/>
+              <p:nvPr/>
+            </p:nvSpPr>
+            <p:spPr>
+              <a:xfrm>
+                <a:off x="3612" y="5461"/>
+                <a:ext cx="317" cy="217"/>
+              </a:xfrm>
+              <a:prstGeom prst="rect">
+                <a:avLst/>
+              </a:prstGeom>
+              <a:solidFill>
+                <a:srgbClr val="FFFFFF"/>
+              </a:solidFill>
+              <a:ln w="9525">
+                <a:noFill/>
+              </a:ln>
+            </p:spPr>
+            <p:txBody>
+              <a:bodyPr lIns="0" tIns="0" rIns="0" bIns="0" anchor="t" anchorCtr="0"/>
+              <a:p>
+                <a:pPr indent="0" algn="ctr">
+                  <a:buFont typeface="Arial" panose="020B0604020202020204" pitchFamily="34" charset="0"/>
+                </a:pPr>
+                <a:r>
+                  <a:rPr lang="en-US" altLang="zh-CN" sz="1800" b="1" dirty="0">
+                    <a:latin typeface="Arial" panose="020B0604020202020204" pitchFamily="34" charset="0"/>
+                    <a:ea typeface="宋体" pitchFamily="2" charset="-122"/>
+                  </a:rPr>
+                  <a:t>4</a:t>
+                </a:r>
+                <a:endParaRPr lang="zh-CN" altLang="zh-CN" sz="1800" b="1" dirty="0">
+                  <a:latin typeface="Times New Roman" panose="02020603050405020304" pitchFamily="18" charset="0"/>
+                  <a:ea typeface="宋体" pitchFamily="2" charset="-122"/>
+                </a:endParaRPr>
+              </a:p>
+            </p:txBody>
+          </p:sp>
+          <p:sp>
+            <p:nvSpPr>
+              <p:cNvPr id="3116" name="Text Box 99"/>
+              <p:cNvSpPr txBox="1"/>
+              <p:nvPr/>
+            </p:nvSpPr>
+            <p:spPr>
+              <a:xfrm>
+                <a:off x="4719" y="4442"/>
+                <a:ext cx="250" cy="191"/>
+              </a:xfrm>
+              <a:prstGeom prst="rect">
+                <a:avLst/>
+              </a:prstGeom>
+              <a:solidFill>
+                <a:srgbClr val="FFFFFF"/>
+              </a:solidFill>
+              <a:ln w="9525">
+                <a:noFill/>
+              </a:ln>
+            </p:spPr>
+            <p:txBody>
+              <a:bodyPr lIns="0" tIns="0" rIns="0" bIns="0" anchor="t" anchorCtr="0"/>
+              <a:p>
+                <a:pPr indent="0" algn="ctr">
+                  <a:buFont typeface="Arial" panose="020B0604020202020204" pitchFamily="34" charset="0"/>
+                </a:pPr>
+                <a:r>
+                  <a:rPr lang="en-US" altLang="zh-CN" sz="1800" b="1" dirty="0">
+                    <a:latin typeface="Arial" panose="020B0604020202020204" pitchFamily="34" charset="0"/>
+                    <a:ea typeface="宋体" pitchFamily="2" charset="-122"/>
+                  </a:rPr>
+                  <a:t>4</a:t>
+                </a:r>
+                <a:endParaRPr lang="zh-CN" altLang="zh-CN" sz="1800" b="1" dirty="0">
+                  <a:latin typeface="Times New Roman" panose="02020603050405020304" pitchFamily="18" charset="0"/>
+                  <a:ea typeface="宋体" pitchFamily="2" charset="-122"/>
+                </a:endParaRPr>
+              </a:p>
+            </p:txBody>
+          </p:sp>
+          <p:sp>
+            <p:nvSpPr>
+              <p:cNvPr id="3117" name="Text Box 100"/>
+              <p:cNvSpPr txBox="1"/>
+              <p:nvPr/>
+            </p:nvSpPr>
+            <p:spPr>
+              <a:xfrm>
+                <a:off x="3828" y="4143"/>
+                <a:ext cx="254" cy="199"/>
+              </a:xfrm>
+              <a:prstGeom prst="rect">
+                <a:avLst/>
+              </a:prstGeom>
+              <a:solidFill>
+                <a:srgbClr val="FFFFFF"/>
+              </a:solidFill>
+              <a:ln w="9525">
+                <a:noFill/>
+              </a:ln>
+            </p:spPr>
+            <p:txBody>
+              <a:bodyPr lIns="0" tIns="0" rIns="0" bIns="0" anchor="t" anchorCtr="0"/>
+              <a:p>
+                <a:pPr indent="0" algn="ctr">
+                  <a:buFont typeface="Arial" panose="020B0604020202020204" pitchFamily="34" charset="0"/>
+                </a:pPr>
+                <a:r>
+                  <a:rPr lang="en-US" altLang="zh-CN" sz="1800" b="1" dirty="0">
+                    <a:latin typeface="Arial" panose="020B0604020202020204" pitchFamily="34" charset="0"/>
+                    <a:ea typeface="宋体" pitchFamily="2" charset="-122"/>
+                  </a:rPr>
+                  <a:t>5</a:t>
+                </a:r>
+                <a:endParaRPr lang="zh-CN" altLang="zh-CN" sz="1800" b="1" dirty="0">
+                  <a:latin typeface="Times New Roman" panose="02020603050405020304" pitchFamily="18" charset="0"/>
+                  <a:ea typeface="宋体" pitchFamily="2" charset="-122"/>
+                </a:endParaRPr>
+              </a:p>
+            </p:txBody>
+          </p:sp>
+          <p:sp>
+            <p:nvSpPr>
+              <p:cNvPr id="3118" name="Text Box 101"/>
+              <p:cNvSpPr txBox="1"/>
+              <p:nvPr/>
+            </p:nvSpPr>
+            <p:spPr>
+              <a:xfrm>
+                <a:off x="4806" y="5313"/>
+                <a:ext cx="340" cy="217"/>
+              </a:xfrm>
+              <a:prstGeom prst="rect">
+                <a:avLst/>
+              </a:prstGeom>
+              <a:noFill/>
+              <a:ln w="9525">
+                <a:noFill/>
+              </a:ln>
+            </p:spPr>
+            <p:txBody>
+              <a:bodyPr lIns="0" tIns="0" rIns="0" bIns="0" anchor="t" anchorCtr="0"/>
+              <a:p>
+                <a:pPr indent="0" algn="ctr">
+                  <a:buFont typeface="Arial" panose="020B0604020202020204" pitchFamily="34" charset="0"/>
+                </a:pPr>
+                <a:r>
+                  <a:rPr lang="en-US" altLang="zh-CN" sz="1800" b="1" dirty="0">
+                    <a:latin typeface="Arial" panose="020B0604020202020204" pitchFamily="34" charset="0"/>
+                    <a:ea typeface="宋体" pitchFamily="2" charset="-122"/>
+                  </a:rPr>
+                  <a:t>3</a:t>
+                </a:r>
+                <a:endParaRPr lang="zh-CN" altLang="zh-CN" sz="1800" b="1" dirty="0">
+                  <a:latin typeface="Times New Roman" panose="02020603050405020304" pitchFamily="18" charset="0"/>
+                  <a:ea typeface="宋体" pitchFamily="2" charset="-122"/>
+                </a:endParaRPr>
+              </a:p>
+            </p:txBody>
+          </p:sp>
+          <p:sp>
+            <p:nvSpPr>
+              <p:cNvPr id="3119" name="Text Box 102"/>
+              <p:cNvSpPr txBox="1"/>
+              <p:nvPr/>
+            </p:nvSpPr>
+            <p:spPr>
+              <a:xfrm>
+                <a:off x="4102" y="5676"/>
+                <a:ext cx="340" cy="217"/>
+              </a:xfrm>
+              <a:prstGeom prst="rect">
+                <a:avLst/>
+              </a:prstGeom>
+              <a:solidFill>
+                <a:srgbClr val="FFFFFF"/>
+              </a:solidFill>
+              <a:ln w="9525">
+                <a:noFill/>
+              </a:ln>
+            </p:spPr>
+            <p:txBody>
+              <a:bodyPr lIns="0" tIns="0" rIns="0" bIns="0" anchor="t" anchorCtr="0"/>
+              <a:p>
+                <a:pPr indent="0" algn="ctr">
+                  <a:buFont typeface="Arial" panose="020B0604020202020204" pitchFamily="34" charset="0"/>
+                </a:pPr>
+                <a:r>
+                  <a:rPr lang="en-US" altLang="zh-CN" sz="1800" b="1" dirty="0">
+                    <a:latin typeface="Arial" panose="020B0604020202020204" pitchFamily="34" charset="0"/>
+                    <a:ea typeface="宋体" pitchFamily="2" charset="-122"/>
+                  </a:rPr>
+                  <a:t>2</a:t>
+                </a:r>
+                <a:endParaRPr lang="zh-CN" altLang="zh-CN" sz="1800" b="1" dirty="0">
+                  <a:latin typeface="Times New Roman" panose="02020603050405020304" pitchFamily="18" charset="0"/>
+                  <a:ea typeface="宋体" pitchFamily="2" charset="-122"/>
+                </a:endParaRPr>
+              </a:p>
+            </p:txBody>
+          </p:sp>
+          <p:sp>
+            <p:nvSpPr>
+              <p:cNvPr id="3120" name="Text Box 103"/>
+              <p:cNvSpPr txBox="1"/>
+              <p:nvPr/>
+            </p:nvSpPr>
+            <p:spPr>
+              <a:xfrm>
+                <a:off x="5570" y="5806"/>
+                <a:ext cx="340" cy="217"/>
+              </a:xfrm>
+              <a:prstGeom prst="rect">
+                <a:avLst/>
+              </a:prstGeom>
+              <a:solidFill>
+                <a:srgbClr val="FFFFFF"/>
+              </a:solidFill>
+              <a:ln w="9525">
+                <a:noFill/>
+              </a:ln>
+            </p:spPr>
+            <p:txBody>
+              <a:bodyPr lIns="0" tIns="0" rIns="0" bIns="0" anchor="t" anchorCtr="0"/>
+              <a:p>
+                <a:pPr indent="0" algn="ctr">
+                  <a:buFont typeface="Arial" panose="020B0604020202020204" pitchFamily="34" charset="0"/>
+                </a:pPr>
+                <a:r>
+                  <a:rPr lang="en-US" altLang="zh-CN" sz="1800" b="1" dirty="0">
+                    <a:latin typeface="Arial" panose="020B0604020202020204" pitchFamily="34" charset="0"/>
+                    <a:ea typeface="宋体" pitchFamily="2" charset="-122"/>
+                  </a:rPr>
+                  <a:t>7</a:t>
+                </a:r>
+                <a:endParaRPr lang="zh-CN" altLang="zh-CN" sz="1800" b="1" dirty="0">
+                  <a:latin typeface="Times New Roman" panose="02020603050405020304" pitchFamily="18" charset="0"/>
+                  <a:ea typeface="宋体" pitchFamily="2" charset="-122"/>
+                </a:endParaRPr>
+              </a:p>
+            </p:txBody>
+          </p:sp>
+          <p:sp>
+            <p:nvSpPr>
+              <p:cNvPr id="3121" name="Text Box 104"/>
+              <p:cNvSpPr txBox="1"/>
+              <p:nvPr/>
+            </p:nvSpPr>
+            <p:spPr>
+              <a:xfrm>
+                <a:off x="4564" y="4760"/>
+                <a:ext cx="252" cy="217"/>
+              </a:xfrm>
+              <a:prstGeom prst="rect">
+                <a:avLst/>
+              </a:prstGeom>
+              <a:solidFill>
+                <a:srgbClr val="FFFFFF"/>
+              </a:solidFill>
+              <a:ln w="9525">
+                <a:noFill/>
+              </a:ln>
+            </p:spPr>
+            <p:txBody>
+              <a:bodyPr lIns="0" tIns="0" rIns="0" bIns="0" anchor="t" anchorCtr="0"/>
+              <a:p>
+                <a:pPr indent="0" algn="ctr">
+                  <a:buFont typeface="Arial" panose="020B0604020202020204" pitchFamily="34" charset="0"/>
+                </a:pPr>
+                <a:r>
+                  <a:rPr lang="en-US" altLang="zh-CN" sz="1800" b="1" dirty="0">
+                    <a:latin typeface="Arial" panose="020B0604020202020204" pitchFamily="34" charset="0"/>
+                    <a:ea typeface="宋体" pitchFamily="2" charset="-122"/>
+                  </a:rPr>
+                  <a:t>4</a:t>
+                </a:r>
+                <a:endParaRPr lang="zh-CN" altLang="zh-CN" sz="1800" b="1" dirty="0">
+                  <a:latin typeface="Times New Roman" panose="02020603050405020304" pitchFamily="18" charset="0"/>
+                  <a:ea typeface="宋体" pitchFamily="2" charset="-122"/>
+                </a:endParaRPr>
+              </a:p>
+            </p:txBody>
+          </p:sp>
+          <p:sp>
+            <p:nvSpPr>
+              <p:cNvPr id="3122" name="Text Box 105"/>
+              <p:cNvSpPr txBox="1"/>
+              <p:nvPr/>
+            </p:nvSpPr>
+            <p:spPr>
+              <a:xfrm>
+                <a:off x="2878" y="4885"/>
+                <a:ext cx="340" cy="217"/>
+              </a:xfrm>
+              <a:prstGeom prst="rect">
+                <a:avLst/>
+              </a:prstGeom>
+              <a:solidFill>
+                <a:srgbClr val="FFFFFF"/>
+              </a:solidFill>
+              <a:ln w="9525">
+                <a:noFill/>
+              </a:ln>
+            </p:spPr>
+            <p:txBody>
+              <a:bodyPr lIns="0" tIns="0" rIns="0" bIns="0" anchor="t" anchorCtr="0"/>
+              <a:p>
+                <a:pPr indent="0" algn="ctr">
+                  <a:buFont typeface="Arial" panose="020B0604020202020204" pitchFamily="34" charset="0"/>
+                </a:pPr>
+                <a:r>
+                  <a:rPr lang="en-US" altLang="zh-CN" sz="1800" b="1" dirty="0">
+                    <a:latin typeface="Arial" panose="020B0604020202020204" pitchFamily="34" charset="0"/>
+                    <a:ea typeface="宋体" pitchFamily="2" charset="-122"/>
+                  </a:rPr>
+                  <a:t>5</a:t>
+                </a:r>
+                <a:endParaRPr lang="zh-CN" altLang="zh-CN" sz="1800" b="1" dirty="0">
+                  <a:latin typeface="Times New Roman" panose="02020603050405020304" pitchFamily="18" charset="0"/>
+                  <a:ea typeface="宋体" pitchFamily="2" charset="-122"/>
+                </a:endParaRPr>
+              </a:p>
+            </p:txBody>
+          </p:sp>
+        </p:grpSp>
+        <p:grpSp>
+          <p:nvGrpSpPr>
+            <p:cNvPr id="3123" name="Group 106"/>
+            <p:cNvGrpSpPr/>
+            <p:nvPr/>
+          </p:nvGrpSpPr>
+          <p:grpSpPr>
+            <a:xfrm>
+              <a:off x="2316337" y="1856062"/>
+              <a:ext cx="4957716" cy="2986634"/>
+              <a:chOff x="3012" y="3494"/>
+              <a:chExt cx="3835" cy="2555"/>
+            </a:xfrm>
+          </p:grpSpPr>
+          <p:sp>
+            <p:nvSpPr>
+              <p:cNvPr id="3124" name="Text Box 107"/>
+              <p:cNvSpPr txBox="1"/>
+              <p:nvPr/>
+            </p:nvSpPr>
+            <p:spPr>
+              <a:xfrm>
+                <a:off x="3224" y="4403"/>
+                <a:ext cx="241" cy="243"/>
+              </a:xfrm>
+              <a:prstGeom prst="rect">
+                <a:avLst/>
+              </a:prstGeom>
+              <a:solidFill>
+                <a:srgbClr val="FFFFFF"/>
+              </a:solidFill>
+              <a:ln w="9525">
+                <a:noFill/>
+              </a:ln>
+            </p:spPr>
+            <p:txBody>
+              <a:bodyPr lIns="0" tIns="0" rIns="0" bIns="0" anchor="t" anchorCtr="0"/>
+              <a:p>
+                <a:pPr indent="0" algn="ctr">
+                  <a:buFont typeface="Arial" panose="020B0604020202020204" pitchFamily="34" charset="0"/>
+                </a:pPr>
+                <a:r>
+                  <a:rPr lang="en-US" altLang="zh-CN" sz="1600" b="1" dirty="0">
+                    <a:latin typeface="Arial" panose="020B0604020202020204" pitchFamily="34" charset="0"/>
+                    <a:ea typeface="宋体" pitchFamily="2" charset="-122"/>
+                  </a:rPr>
+                  <a:t>B</a:t>
+                </a:r>
+                <a:endParaRPr lang="zh-CN" altLang="zh-CN" sz="1600" b="1" dirty="0">
+                  <a:latin typeface="Times New Roman" panose="02020603050405020304" pitchFamily="18" charset="0"/>
+                  <a:ea typeface="宋体" pitchFamily="2" charset="-122"/>
+                </a:endParaRPr>
+              </a:p>
+            </p:txBody>
+          </p:sp>
+          <p:sp>
+            <p:nvSpPr>
+              <p:cNvPr id="5" name="Text Box 108"/>
+              <p:cNvSpPr txBox="1"/>
+              <p:nvPr/>
+            </p:nvSpPr>
+            <p:spPr>
+              <a:xfrm>
+                <a:off x="6104" y="5530"/>
+                <a:ext cx="241" cy="243"/>
+              </a:xfrm>
+              <a:prstGeom prst="rect">
+                <a:avLst/>
+              </a:prstGeom>
+              <a:noFill/>
+              <a:ln w="9525">
+                <a:noFill/>
+              </a:ln>
+            </p:spPr>
+            <p:txBody>
+              <a:bodyPr lIns="0" tIns="0" rIns="0" bIns="0" anchor="t" anchorCtr="0"/>
+              <a:p>
+                <a:pPr indent="0" algn="ctr">
+                  <a:buFont typeface="Arial" panose="020B0604020202020204" pitchFamily="34" charset="0"/>
+                </a:pPr>
+                <a:r>
+                  <a:rPr lang="en-US" altLang="zh-CN" sz="1600" b="1" dirty="0">
+                    <a:latin typeface="Arial" panose="020B0604020202020204" pitchFamily="34" charset="0"/>
+                    <a:ea typeface="宋体" pitchFamily="2" charset="-122"/>
+                  </a:rPr>
+                  <a:t>C</a:t>
+                </a:r>
+                <a:endParaRPr lang="zh-CN" altLang="zh-CN" sz="1600" b="1" dirty="0">
+                  <a:latin typeface="Times New Roman" panose="02020603050405020304" pitchFamily="18" charset="0"/>
+                  <a:ea typeface="宋体" pitchFamily="2" charset="-122"/>
+                </a:endParaRPr>
+              </a:p>
+            </p:txBody>
+          </p:sp>
+          <p:sp>
+            <p:nvSpPr>
+              <p:cNvPr id="3126" name="Text Box 109"/>
+              <p:cNvSpPr txBox="1"/>
+              <p:nvPr/>
+            </p:nvSpPr>
+            <p:spPr>
+              <a:xfrm>
+                <a:off x="3012" y="5450"/>
+                <a:ext cx="241" cy="243"/>
+              </a:xfrm>
+              <a:prstGeom prst="rect">
+                <a:avLst/>
+              </a:prstGeom>
+              <a:solidFill>
+                <a:srgbClr val="FFFFFF"/>
+              </a:solidFill>
+              <a:ln w="9525">
+                <a:noFill/>
+              </a:ln>
+            </p:spPr>
+            <p:txBody>
+              <a:bodyPr lIns="0" tIns="0" rIns="0" bIns="0" anchor="t" anchorCtr="0"/>
+              <a:p>
+                <a:pPr indent="0" algn="ctr">
+                  <a:buFont typeface="Arial" panose="020B0604020202020204" pitchFamily="34" charset="0"/>
+                </a:pPr>
+                <a:r>
+                  <a:rPr lang="en-US" altLang="zh-CN" sz="1600" b="1" dirty="0">
+                    <a:latin typeface="Arial" panose="020B0604020202020204" pitchFamily="34" charset="0"/>
+                    <a:ea typeface="宋体" pitchFamily="2" charset="-122"/>
+                  </a:rPr>
+                  <a:t>D</a:t>
+                </a:r>
+                <a:endParaRPr lang="zh-CN" altLang="zh-CN" sz="1600" b="1" dirty="0">
+                  <a:latin typeface="Times New Roman" panose="02020603050405020304" pitchFamily="18" charset="0"/>
+                  <a:ea typeface="宋体" pitchFamily="2" charset="-122"/>
+                </a:endParaRPr>
+              </a:p>
+            </p:txBody>
+          </p:sp>
+          <p:sp>
+            <p:nvSpPr>
+              <p:cNvPr id="3127" name="Text Box 110"/>
+              <p:cNvSpPr txBox="1"/>
+              <p:nvPr/>
+            </p:nvSpPr>
+            <p:spPr>
+              <a:xfrm>
+                <a:off x="4883" y="5806"/>
+                <a:ext cx="241" cy="243"/>
+              </a:xfrm>
+              <a:prstGeom prst="rect">
+                <a:avLst/>
+              </a:prstGeom>
+              <a:solidFill>
+                <a:srgbClr val="FFFFFF"/>
+              </a:solidFill>
+              <a:ln w="9525">
+                <a:noFill/>
+              </a:ln>
+            </p:spPr>
+            <p:txBody>
+              <a:bodyPr lIns="0" tIns="0" rIns="0" bIns="0" anchor="t" anchorCtr="0"/>
+              <a:p>
+                <a:pPr indent="0" algn="ctr">
+                  <a:buFont typeface="Arial" panose="020B0604020202020204" pitchFamily="34" charset="0"/>
+                </a:pPr>
+                <a:r>
+                  <a:rPr lang="en-US" altLang="zh-CN" sz="1600" b="1" dirty="0">
+                    <a:latin typeface="Arial" panose="020B0604020202020204" pitchFamily="34" charset="0"/>
+                    <a:ea typeface="宋体" pitchFamily="2" charset="-122"/>
+                  </a:rPr>
+                  <a:t>F</a:t>
+                </a:r>
+                <a:endParaRPr lang="zh-CN" altLang="zh-CN" sz="1600" b="1" dirty="0">
+                  <a:latin typeface="Times New Roman" panose="02020603050405020304" pitchFamily="18" charset="0"/>
+                  <a:ea typeface="宋体" pitchFamily="2" charset="-122"/>
+                </a:endParaRPr>
+              </a:p>
+            </p:txBody>
+          </p:sp>
+          <p:sp>
+            <p:nvSpPr>
+              <p:cNvPr id="3128" name="Text Box 111"/>
+              <p:cNvSpPr txBox="1"/>
+              <p:nvPr/>
+            </p:nvSpPr>
+            <p:spPr>
+              <a:xfrm>
+                <a:off x="4082" y="5083"/>
+                <a:ext cx="241" cy="243"/>
+              </a:xfrm>
+              <a:prstGeom prst="rect">
+                <a:avLst/>
+              </a:prstGeom>
+              <a:solidFill>
+                <a:srgbClr val="FFFFFF"/>
+              </a:solidFill>
+              <a:ln w="9525">
+                <a:noFill/>
+              </a:ln>
+            </p:spPr>
+            <p:txBody>
+              <a:bodyPr lIns="0" tIns="0" rIns="0" bIns="0" anchor="t" anchorCtr="0"/>
+              <a:p>
+                <a:pPr indent="0" algn="ctr">
+                  <a:buFont typeface="Arial" panose="020B0604020202020204" pitchFamily="34" charset="0"/>
+                </a:pPr>
+                <a:r>
+                  <a:rPr lang="en-US" altLang="zh-CN" sz="1600" b="1" dirty="0">
+                    <a:latin typeface="Arial" panose="020B0604020202020204" pitchFamily="34" charset="0"/>
+                    <a:ea typeface="宋体" pitchFamily="2" charset="-122"/>
+                  </a:rPr>
+                  <a:t>L</a:t>
+                </a:r>
+                <a:endParaRPr lang="zh-CN" altLang="zh-CN" sz="1600" b="1" dirty="0">
+                  <a:latin typeface="Times New Roman" panose="02020603050405020304" pitchFamily="18" charset="0"/>
+                  <a:ea typeface="宋体" pitchFamily="2" charset="-122"/>
+                </a:endParaRPr>
+              </a:p>
+            </p:txBody>
+          </p:sp>
+          <p:sp>
+            <p:nvSpPr>
+              <p:cNvPr id="3129" name="Text Box 112"/>
+              <p:cNvSpPr txBox="1"/>
+              <p:nvPr/>
+            </p:nvSpPr>
+            <p:spPr>
+              <a:xfrm>
+                <a:off x="5248" y="4698"/>
+                <a:ext cx="241" cy="243"/>
+              </a:xfrm>
+              <a:prstGeom prst="rect">
+                <a:avLst/>
+              </a:prstGeom>
+              <a:solidFill>
+                <a:srgbClr val="FFFFFF"/>
+              </a:solidFill>
+              <a:ln w="9525">
+                <a:noFill/>
+              </a:ln>
+            </p:spPr>
+            <p:txBody>
+              <a:bodyPr lIns="0" tIns="0" rIns="0" bIns="0" anchor="t" anchorCtr="0"/>
+              <a:p>
+                <a:pPr indent="0" algn="ctr">
+                  <a:buFont typeface="Arial" panose="020B0604020202020204" pitchFamily="34" charset="0"/>
+                </a:pPr>
+                <a:r>
+                  <a:rPr lang="en-US" altLang="zh-CN" sz="1600" b="1" dirty="0">
+                    <a:latin typeface="Arial" panose="020B0604020202020204" pitchFamily="34" charset="0"/>
+                    <a:ea typeface="宋体" pitchFamily="2" charset="-122"/>
+                  </a:rPr>
+                  <a:t>H</a:t>
+                </a:r>
+                <a:endParaRPr lang="zh-CN" altLang="zh-CN" sz="1600" b="1" dirty="0">
+                  <a:latin typeface="Times New Roman" panose="02020603050405020304" pitchFamily="18" charset="0"/>
+                  <a:ea typeface="宋体" pitchFamily="2" charset="-122"/>
+                </a:endParaRPr>
+              </a:p>
+            </p:txBody>
+          </p:sp>
+          <p:sp>
+            <p:nvSpPr>
+              <p:cNvPr id="3130" name="Text Box 113"/>
+              <p:cNvSpPr txBox="1"/>
+              <p:nvPr/>
+            </p:nvSpPr>
+            <p:spPr>
+              <a:xfrm>
+                <a:off x="4512" y="4052"/>
+                <a:ext cx="241" cy="243"/>
+              </a:xfrm>
+              <a:prstGeom prst="rect">
+                <a:avLst/>
+              </a:prstGeom>
+              <a:solidFill>
+                <a:srgbClr val="FFFFFF"/>
+              </a:solidFill>
+              <a:ln w="9525">
+                <a:noFill/>
+              </a:ln>
+            </p:spPr>
+            <p:txBody>
+              <a:bodyPr lIns="0" tIns="0" rIns="0" bIns="0" anchor="t" anchorCtr="0"/>
+              <a:p>
+                <a:pPr indent="0" algn="ctr">
+                  <a:buFont typeface="Arial" panose="020B0604020202020204" pitchFamily="34" charset="0"/>
+                </a:pPr>
+                <a:r>
+                  <a:rPr lang="en-US" altLang="zh-CN" sz="1600" b="1" dirty="0">
+                    <a:latin typeface="Arial" panose="020B0604020202020204" pitchFamily="34" charset="0"/>
+                    <a:ea typeface="宋体" pitchFamily="2" charset="-122"/>
+                  </a:rPr>
+                  <a:t>W</a:t>
+                </a:r>
+                <a:endParaRPr lang="zh-CN" altLang="zh-CN" sz="1600" b="1" dirty="0">
+                  <a:latin typeface="Times New Roman" panose="02020603050405020304" pitchFamily="18" charset="0"/>
+                  <a:ea typeface="宋体" pitchFamily="2" charset="-122"/>
+                </a:endParaRPr>
+              </a:p>
+            </p:txBody>
+          </p:sp>
+          <p:sp>
+            <p:nvSpPr>
+              <p:cNvPr id="3131" name="Text Box 114"/>
+              <p:cNvSpPr txBox="1"/>
+              <p:nvPr/>
+            </p:nvSpPr>
+            <p:spPr>
+              <a:xfrm>
+                <a:off x="5819" y="3598"/>
+                <a:ext cx="241" cy="243"/>
+              </a:xfrm>
+              <a:prstGeom prst="rect">
+                <a:avLst/>
+              </a:prstGeom>
+              <a:solidFill>
+                <a:srgbClr val="FFFFFF"/>
+              </a:solidFill>
+              <a:ln w="9525">
+                <a:noFill/>
+              </a:ln>
+            </p:spPr>
+            <p:txBody>
+              <a:bodyPr lIns="0" tIns="0" rIns="0" bIns="0" anchor="t" anchorCtr="0"/>
+              <a:p>
+                <a:pPr indent="0" algn="ctr">
+                  <a:buFont typeface="Arial" panose="020B0604020202020204" pitchFamily="34" charset="0"/>
+                </a:pPr>
+                <a:r>
+                  <a:rPr lang="en-US" altLang="zh-CN" sz="1600" b="1" dirty="0">
+                    <a:latin typeface="Arial" panose="020B0604020202020204" pitchFamily="34" charset="0"/>
+                    <a:ea typeface="宋体" pitchFamily="2" charset="-122"/>
+                  </a:rPr>
+                  <a:t>X</a:t>
+                </a:r>
+                <a:endParaRPr lang="zh-CN" altLang="zh-CN" sz="1600" b="1" dirty="0">
+                  <a:latin typeface="Times New Roman" panose="02020603050405020304" pitchFamily="18" charset="0"/>
+                  <a:ea typeface="宋体" pitchFamily="2" charset="-122"/>
+                </a:endParaRPr>
+              </a:p>
+            </p:txBody>
+          </p:sp>
+          <p:sp>
+            <p:nvSpPr>
+              <p:cNvPr id="3132" name="Text Box 115"/>
+              <p:cNvSpPr txBox="1"/>
+              <p:nvPr/>
+            </p:nvSpPr>
+            <p:spPr>
+              <a:xfrm>
+                <a:off x="6606" y="4416"/>
+                <a:ext cx="241" cy="243"/>
+              </a:xfrm>
+              <a:prstGeom prst="rect">
+                <a:avLst/>
+              </a:prstGeom>
+              <a:solidFill>
+                <a:srgbClr val="FFFFFF"/>
+              </a:solidFill>
+              <a:ln w="9525">
+                <a:noFill/>
+              </a:ln>
+            </p:spPr>
+            <p:txBody>
+              <a:bodyPr lIns="0" tIns="0" rIns="0" bIns="0" anchor="t" anchorCtr="0"/>
+              <a:p>
+                <a:pPr indent="0" algn="ctr">
+                  <a:buFont typeface="Arial" panose="020B0604020202020204" pitchFamily="34" charset="0"/>
+                </a:pPr>
+                <a:r>
+                  <a:rPr lang="en-US" altLang="zh-CN" sz="1600" b="1" dirty="0">
+                    <a:latin typeface="Arial" panose="020B0604020202020204" pitchFamily="34" charset="0"/>
+                    <a:ea typeface="宋体" pitchFamily="2" charset="-122"/>
+                  </a:rPr>
+                  <a:t>Y</a:t>
+                </a:r>
+                <a:endParaRPr lang="zh-CN" altLang="zh-CN" sz="1600" b="1" dirty="0">
+                  <a:latin typeface="Times New Roman" panose="02020603050405020304" pitchFamily="18" charset="0"/>
+                  <a:ea typeface="宋体" pitchFamily="2" charset="-122"/>
+                </a:endParaRPr>
+              </a:p>
+            </p:txBody>
+          </p:sp>
+          <p:sp>
+            <p:nvSpPr>
+              <p:cNvPr id="3133" name="Text Box 116"/>
+              <p:cNvSpPr txBox="1"/>
+              <p:nvPr/>
+            </p:nvSpPr>
+            <p:spPr>
+              <a:xfrm>
+                <a:off x="3587" y="3494"/>
+                <a:ext cx="241" cy="243"/>
+              </a:xfrm>
+              <a:prstGeom prst="rect">
+                <a:avLst/>
+              </a:prstGeom>
+              <a:solidFill>
+                <a:srgbClr val="FFFFFF"/>
+              </a:solidFill>
+              <a:ln w="9525">
+                <a:noFill/>
+              </a:ln>
+            </p:spPr>
+            <p:txBody>
+              <a:bodyPr lIns="0" tIns="0" rIns="0" bIns="0" anchor="t" anchorCtr="0"/>
+              <a:p>
+                <a:pPr indent="0" algn="ctr">
+                  <a:buFont typeface="Arial" panose="020B0604020202020204" pitchFamily="34" charset="0"/>
+                </a:pPr>
+                <a:r>
+                  <a:rPr lang="en-US" altLang="zh-CN" sz="1600" b="1" dirty="0">
+                    <a:latin typeface="Arial" panose="020B0604020202020204" pitchFamily="34" charset="0"/>
+                    <a:ea typeface="宋体" pitchFamily="2" charset="-122"/>
+                  </a:rPr>
+                  <a:t>Z</a:t>
+                </a:r>
+                <a:endParaRPr lang="zh-CN" altLang="zh-CN" sz="1600" b="1" dirty="0">
+                  <a:latin typeface="Times New Roman" panose="02020603050405020304" pitchFamily="18" charset="0"/>
+                  <a:ea typeface="宋体" pitchFamily="2" charset="-122"/>
+                </a:endParaRPr>
+              </a:p>
+            </p:txBody>
+          </p:sp>
+        </p:grpSp>
+      </p:grpSp>
+    </p:spTree>
+  </p:cSld>
+  <p:clrMapOvr>
+    <a:masterClrMapping/>
+  </p:clrMapOvr>
+  <p:timing>
+    <p:tnLst>
+      <p:par>
+        <p:cTn id="1" dur="indefinite" restart="never" nodeType="tmRoot"/>
+      </p:par>
+    </p:tnLst>
+  </p:timing>
+</p:sld>
+</file>
+
+<file path=ppt/slides/slide30.xml><?xml version="1.0" encoding="utf-8"?>
 <p:sld xmlns:a="http://schemas.openxmlformats.org/drawingml/2006/main" xmlns:r="http://schemas.openxmlformats.org/officeDocument/2006/relationships" xmlns:p="http://schemas.openxmlformats.org/presentationml/2006/main">
   <p:cSld>
     <p:spTree>
@@ -32896,2042 +35733,7 @@
 </p:sld>
 </file>
 
-<file path=ppt/slides/slide3.xml><?xml version="1.0" encoding="utf-8"?>
-<p:sld xmlns:a="http://schemas.openxmlformats.org/drawingml/2006/main" xmlns:r="http://schemas.openxmlformats.org/officeDocument/2006/relationships" xmlns:p="http://schemas.openxmlformats.org/presentationml/2006/main">
-  <p:cSld>
-    <p:spTree>
-      <p:nvGrpSpPr>
-        <p:cNvPr id="1" name=""/>
-        <p:cNvGrpSpPr/>
-        <p:nvPr/>
-      </p:nvGrpSpPr>
-      <p:grpSpPr/>
-      <p:sp>
-        <p:nvSpPr>
-          <p:cNvPr id="2" name="标题 1"/>
-          <p:cNvSpPr>
-            <a:spLocks noGrp="1"/>
-          </p:cNvSpPr>
-          <p:nvPr>
-            <p:ph type="title"/>
-          </p:nvPr>
-        </p:nvSpPr>
-        <p:spPr/>
-        <p:txBody>
-          <a:bodyPr/>
-          <a:p>
-            <a:r>
-              <a:rPr lang="zh-CN" altLang="en-US"/>
-              <a:t>公路规划抽象及造价预算示例图</a:t>
-            </a:r>
-            <a:endParaRPr lang="zh-CN" altLang="en-US"/>
-          </a:p>
-        </p:txBody>
-      </p:sp>
-      <p:grpSp>
-        <p:nvGrpSpPr>
-          <p:cNvPr id="4" name="组合 122"/>
-          <p:cNvGrpSpPr/>
-          <p:nvPr/>
-        </p:nvGrpSpPr>
-        <p:grpSpPr>
-          <a:xfrm>
-            <a:off x="2546033" y="2372678"/>
-            <a:ext cx="5214937" cy="3143250"/>
-            <a:chOff x="2143108" y="1785926"/>
-            <a:chExt cx="5214974" cy="3143272"/>
-          </a:xfrm>
-        </p:grpSpPr>
-        <p:grpSp>
-          <p:nvGrpSpPr>
-            <p:cNvPr id="3077" name="Group 59"/>
-            <p:cNvGrpSpPr/>
-            <p:nvPr/>
-          </p:nvGrpSpPr>
-          <p:grpSpPr>
-            <a:xfrm>
-              <a:off x="2225844" y="1785926"/>
-              <a:ext cx="5132238" cy="3143272"/>
-              <a:chOff x="2947" y="5546"/>
-              <a:chExt cx="3970" cy="2689"/>
-            </a:xfrm>
-          </p:grpSpPr>
-          <p:sp>
-            <p:nvSpPr>
-              <p:cNvPr id="3078" name="Oval 60"/>
-              <p:cNvSpPr/>
-              <p:nvPr/>
-            </p:nvSpPr>
-            <p:spPr>
-              <a:xfrm>
-                <a:off x="3166" y="6468"/>
-                <a:ext cx="369" cy="369"/>
-              </a:xfrm>
-              <a:prstGeom prst="ellipse">
-                <a:avLst/>
-              </a:prstGeom>
-              <a:solidFill>
-                <a:srgbClr val="FFFFFF"/>
-              </a:solidFill>
-              <a:ln w="9525" cap="flat" cmpd="sng">
-                <a:solidFill>
-                  <a:srgbClr val="000000"/>
-                </a:solidFill>
-                <a:prstDash val="solid"/>
-                <a:round/>
-                <a:headEnd type="none" w="med" len="med"/>
-                <a:tailEnd type="none" w="med" len="med"/>
-              </a:ln>
-            </p:spPr>
-            <p:txBody>
-              <a:bodyPr anchor="t" anchorCtr="0"/>
-              <a:p>
-                <a:pPr indent="0">
-                  <a:buFont typeface="Arial" panose="020B0604020202020204" pitchFamily="34" charset="0"/>
-                </a:pPr>
-                <a:endParaRPr lang="zh-CN" altLang="en-US" b="1" dirty="0">
-                  <a:latin typeface="Times New Roman" panose="02020603050405020304" pitchFamily="18" charset="0"/>
-                  <a:ea typeface="宋体" pitchFamily="2" charset="-122"/>
-                </a:endParaRPr>
-              </a:p>
-            </p:txBody>
-          </p:sp>
-          <p:sp>
-            <p:nvSpPr>
-              <p:cNvPr id="3079" name="Oval 61"/>
-              <p:cNvSpPr/>
-              <p:nvPr/>
-            </p:nvSpPr>
-            <p:spPr>
-              <a:xfrm>
-                <a:off x="3535" y="5546"/>
-                <a:ext cx="369" cy="369"/>
-              </a:xfrm>
-              <a:prstGeom prst="ellipse">
-                <a:avLst/>
-              </a:prstGeom>
-              <a:solidFill>
-                <a:srgbClr val="FFFFFF"/>
-              </a:solidFill>
-              <a:ln w="9525" cap="flat" cmpd="sng">
-                <a:solidFill>
-                  <a:srgbClr val="000000"/>
-                </a:solidFill>
-                <a:prstDash val="solid"/>
-                <a:round/>
-                <a:headEnd type="none" w="med" len="med"/>
-                <a:tailEnd type="none" w="med" len="med"/>
-              </a:ln>
-            </p:spPr>
-            <p:txBody>
-              <a:bodyPr anchor="t" anchorCtr="0"/>
-              <a:p>
-                <a:pPr indent="0">
-                  <a:buFont typeface="Arial" panose="020B0604020202020204" pitchFamily="34" charset="0"/>
-                </a:pPr>
-                <a:endParaRPr lang="zh-CN" altLang="en-US" b="1" dirty="0">
-                  <a:latin typeface="Times New Roman" panose="02020603050405020304" pitchFamily="18" charset="0"/>
-                  <a:ea typeface="宋体" pitchFamily="2" charset="-122"/>
-                </a:endParaRPr>
-              </a:p>
-            </p:txBody>
-          </p:sp>
-          <p:sp>
-            <p:nvSpPr>
-              <p:cNvPr id="3080" name="Oval 62"/>
-              <p:cNvSpPr/>
-              <p:nvPr/>
-            </p:nvSpPr>
-            <p:spPr>
-              <a:xfrm>
-                <a:off x="4015" y="7128"/>
-                <a:ext cx="369" cy="369"/>
-              </a:xfrm>
-              <a:prstGeom prst="ellipse">
-                <a:avLst/>
-              </a:prstGeom>
-              <a:solidFill>
-                <a:srgbClr val="FFFFFF"/>
-              </a:solidFill>
-              <a:ln w="9525" cap="flat" cmpd="sng">
-                <a:solidFill>
-                  <a:srgbClr val="000000"/>
-                </a:solidFill>
-                <a:prstDash val="solid"/>
-                <a:round/>
-                <a:headEnd type="none" w="med" len="med"/>
-                <a:tailEnd type="none" w="med" len="med"/>
-              </a:ln>
-            </p:spPr>
-            <p:txBody>
-              <a:bodyPr anchor="t" anchorCtr="0"/>
-              <a:p>
-                <a:pPr indent="0">
-                  <a:buFont typeface="Arial" panose="020B0604020202020204" pitchFamily="34" charset="0"/>
-                </a:pPr>
-                <a:endParaRPr lang="zh-CN" altLang="en-US" b="1" dirty="0">
-                  <a:latin typeface="Times New Roman" panose="02020603050405020304" pitchFamily="18" charset="0"/>
-                  <a:ea typeface="宋体" pitchFamily="2" charset="-122"/>
-                </a:endParaRPr>
-              </a:p>
-            </p:txBody>
-          </p:sp>
-          <p:sp>
-            <p:nvSpPr>
-              <p:cNvPr id="3081" name="Oval 63"/>
-              <p:cNvSpPr/>
-              <p:nvPr/>
-            </p:nvSpPr>
-            <p:spPr>
-              <a:xfrm>
-                <a:off x="4447" y="6099"/>
-                <a:ext cx="369" cy="369"/>
-              </a:xfrm>
-              <a:prstGeom prst="ellipse">
-                <a:avLst/>
-              </a:prstGeom>
-              <a:solidFill>
-                <a:srgbClr val="FFFFFF"/>
-              </a:solidFill>
-              <a:ln w="9525" cap="flat" cmpd="sng">
-                <a:solidFill>
-                  <a:srgbClr val="000000"/>
-                </a:solidFill>
-                <a:prstDash val="solid"/>
-                <a:round/>
-                <a:headEnd type="none" w="med" len="med"/>
-                <a:tailEnd type="none" w="med" len="med"/>
-              </a:ln>
-            </p:spPr>
-            <p:txBody>
-              <a:bodyPr anchor="t" anchorCtr="0"/>
-              <a:p>
-                <a:pPr indent="0">
-                  <a:buFont typeface="Arial" panose="020B0604020202020204" pitchFamily="34" charset="0"/>
-                </a:pPr>
-                <a:endParaRPr lang="zh-CN" altLang="en-US" b="1" dirty="0">
-                  <a:latin typeface="Times New Roman" panose="02020603050405020304" pitchFamily="18" charset="0"/>
-                  <a:ea typeface="宋体" pitchFamily="2" charset="-122"/>
-                </a:endParaRPr>
-              </a:p>
-            </p:txBody>
-          </p:sp>
-          <p:sp>
-            <p:nvSpPr>
-              <p:cNvPr id="3082" name="Oval 64"/>
-              <p:cNvSpPr/>
-              <p:nvPr/>
-            </p:nvSpPr>
-            <p:spPr>
-              <a:xfrm>
-                <a:off x="5759" y="5646"/>
-                <a:ext cx="369" cy="369"/>
-              </a:xfrm>
-              <a:prstGeom prst="ellipse">
-                <a:avLst/>
-              </a:prstGeom>
-              <a:solidFill>
-                <a:srgbClr val="FFFFFF"/>
-              </a:solidFill>
-              <a:ln w="9525" cap="flat" cmpd="sng">
-                <a:solidFill>
-                  <a:srgbClr val="000000"/>
-                </a:solidFill>
-                <a:prstDash val="solid"/>
-                <a:round/>
-                <a:headEnd type="none" w="med" len="med"/>
-                <a:tailEnd type="none" w="med" len="med"/>
-              </a:ln>
-            </p:spPr>
-            <p:txBody>
-              <a:bodyPr anchor="t" anchorCtr="0"/>
-              <a:p>
-                <a:pPr indent="0">
-                  <a:buFont typeface="Arial" panose="020B0604020202020204" pitchFamily="34" charset="0"/>
-                </a:pPr>
-                <a:endParaRPr lang="zh-CN" altLang="en-US" b="1" dirty="0">
-                  <a:latin typeface="Times New Roman" panose="02020603050405020304" pitchFamily="18" charset="0"/>
-                  <a:ea typeface="宋体" pitchFamily="2" charset="-122"/>
-                </a:endParaRPr>
-              </a:p>
-            </p:txBody>
-          </p:sp>
-          <p:sp>
-            <p:nvSpPr>
-              <p:cNvPr id="3083" name="Oval 65"/>
-              <p:cNvSpPr/>
-              <p:nvPr/>
-            </p:nvSpPr>
-            <p:spPr>
-              <a:xfrm>
-                <a:off x="2947" y="7497"/>
-                <a:ext cx="369" cy="369"/>
-              </a:xfrm>
-              <a:prstGeom prst="ellipse">
-                <a:avLst/>
-              </a:prstGeom>
-              <a:solidFill>
-                <a:srgbClr val="FFFFFF"/>
-              </a:solidFill>
-              <a:ln w="9525" cap="flat" cmpd="sng">
-                <a:solidFill>
-                  <a:srgbClr val="000000"/>
-                </a:solidFill>
-                <a:prstDash val="solid"/>
-                <a:round/>
-                <a:headEnd type="none" w="med" len="med"/>
-                <a:tailEnd type="none" w="med" len="med"/>
-              </a:ln>
-            </p:spPr>
-            <p:txBody>
-              <a:bodyPr anchor="t" anchorCtr="0"/>
-              <a:p>
-                <a:pPr indent="0">
-                  <a:buFont typeface="Arial" panose="020B0604020202020204" pitchFamily="34" charset="0"/>
-                </a:pPr>
-                <a:endParaRPr lang="zh-CN" altLang="en-US" b="1" dirty="0">
-                  <a:latin typeface="Times New Roman" panose="02020603050405020304" pitchFamily="18" charset="0"/>
-                  <a:ea typeface="宋体" pitchFamily="2" charset="-122"/>
-                </a:endParaRPr>
-              </a:p>
-            </p:txBody>
-          </p:sp>
-          <p:sp>
-            <p:nvSpPr>
-              <p:cNvPr id="3084" name="Oval 66"/>
-              <p:cNvSpPr/>
-              <p:nvPr/>
-            </p:nvSpPr>
-            <p:spPr>
-              <a:xfrm>
-                <a:off x="6548" y="6468"/>
-                <a:ext cx="369" cy="369"/>
-              </a:xfrm>
-              <a:prstGeom prst="ellipse">
-                <a:avLst/>
-              </a:prstGeom>
-              <a:solidFill>
-                <a:srgbClr val="FFFFFF"/>
-              </a:solidFill>
-              <a:ln w="9525" cap="flat" cmpd="sng">
-                <a:solidFill>
-                  <a:srgbClr val="000000"/>
-                </a:solidFill>
-                <a:prstDash val="solid"/>
-                <a:round/>
-                <a:headEnd type="none" w="med" len="med"/>
-                <a:tailEnd type="none" w="med" len="med"/>
-              </a:ln>
-            </p:spPr>
-            <p:txBody>
-              <a:bodyPr anchor="t" anchorCtr="0"/>
-              <a:p>
-                <a:pPr indent="0">
-                  <a:buFont typeface="Arial" panose="020B0604020202020204" pitchFamily="34" charset="0"/>
-                </a:pPr>
-                <a:endParaRPr lang="zh-CN" altLang="en-US" b="1" dirty="0">
-                  <a:latin typeface="Times New Roman" panose="02020603050405020304" pitchFamily="18" charset="0"/>
-                  <a:ea typeface="宋体" pitchFamily="2" charset="-122"/>
-                </a:endParaRPr>
-              </a:p>
-            </p:txBody>
-          </p:sp>
-          <p:sp>
-            <p:nvSpPr>
-              <p:cNvPr id="3085" name="Oval 67"/>
-              <p:cNvSpPr/>
-              <p:nvPr/>
-            </p:nvSpPr>
-            <p:spPr>
-              <a:xfrm>
-                <a:off x="6045" y="7563"/>
-                <a:ext cx="369" cy="369"/>
-              </a:xfrm>
-              <a:prstGeom prst="ellipse">
-                <a:avLst/>
-              </a:prstGeom>
-              <a:solidFill>
-                <a:srgbClr val="FFFFFF"/>
-              </a:solidFill>
-              <a:ln w="9525" cap="flat" cmpd="sng">
-                <a:solidFill>
-                  <a:srgbClr val="000000"/>
-                </a:solidFill>
-                <a:prstDash val="solid"/>
-                <a:round/>
-                <a:headEnd type="none" w="med" len="med"/>
-                <a:tailEnd type="none" w="med" len="med"/>
-              </a:ln>
-            </p:spPr>
-            <p:txBody>
-              <a:bodyPr anchor="t" anchorCtr="0"/>
-              <a:p>
-                <a:pPr indent="0">
-                  <a:buFont typeface="Arial" panose="020B0604020202020204" pitchFamily="34" charset="0"/>
-                </a:pPr>
-                <a:endParaRPr lang="zh-CN" altLang="en-US" b="1" dirty="0">
-                  <a:latin typeface="Times New Roman" panose="02020603050405020304" pitchFamily="18" charset="0"/>
-                  <a:ea typeface="宋体" pitchFamily="2" charset="-122"/>
-                </a:endParaRPr>
-              </a:p>
-            </p:txBody>
-          </p:sp>
-          <p:sp>
-            <p:nvSpPr>
-              <p:cNvPr id="3086" name="Oval 68"/>
-              <p:cNvSpPr/>
-              <p:nvPr/>
-            </p:nvSpPr>
-            <p:spPr>
-              <a:xfrm>
-                <a:off x="5185" y="6759"/>
-                <a:ext cx="369" cy="369"/>
-              </a:xfrm>
-              <a:prstGeom prst="ellipse">
-                <a:avLst/>
-              </a:prstGeom>
-              <a:solidFill>
-                <a:srgbClr val="FFFFFF"/>
-              </a:solidFill>
-              <a:ln w="9525" cap="flat" cmpd="sng">
-                <a:solidFill>
-                  <a:srgbClr val="000000"/>
-                </a:solidFill>
-                <a:prstDash val="solid"/>
-                <a:round/>
-                <a:headEnd type="none" w="med" len="med"/>
-                <a:tailEnd type="none" w="med" len="med"/>
-              </a:ln>
-            </p:spPr>
-            <p:txBody>
-              <a:bodyPr anchor="t" anchorCtr="0"/>
-              <a:p>
-                <a:pPr indent="0">
-                  <a:buFont typeface="Arial" panose="020B0604020202020204" pitchFamily="34" charset="0"/>
-                </a:pPr>
-                <a:endParaRPr lang="zh-CN" altLang="en-US" b="1" dirty="0">
-                  <a:latin typeface="Times New Roman" panose="02020603050405020304" pitchFamily="18" charset="0"/>
-                  <a:ea typeface="宋体" pitchFamily="2" charset="-122"/>
-                </a:endParaRPr>
-              </a:p>
-            </p:txBody>
-          </p:sp>
-          <p:sp>
-            <p:nvSpPr>
-              <p:cNvPr id="3087" name="Oval 69"/>
-              <p:cNvSpPr/>
-              <p:nvPr/>
-            </p:nvSpPr>
-            <p:spPr>
-              <a:xfrm>
-                <a:off x="4816" y="7866"/>
-                <a:ext cx="369" cy="369"/>
-              </a:xfrm>
-              <a:prstGeom prst="ellipse">
-                <a:avLst/>
-              </a:prstGeom>
-              <a:solidFill>
-                <a:srgbClr val="FFFFFF"/>
-              </a:solidFill>
-              <a:ln w="9525" cap="flat" cmpd="sng">
-                <a:solidFill>
-                  <a:srgbClr val="000000"/>
-                </a:solidFill>
-                <a:prstDash val="solid"/>
-                <a:round/>
-                <a:headEnd type="none" w="med" len="med"/>
-                <a:tailEnd type="none" w="med" len="med"/>
-              </a:ln>
-            </p:spPr>
-            <p:txBody>
-              <a:bodyPr anchor="t" anchorCtr="0"/>
-              <a:p>
-                <a:pPr indent="0">
-                  <a:buFont typeface="Arial" panose="020B0604020202020204" pitchFamily="34" charset="0"/>
-                </a:pPr>
-                <a:endParaRPr lang="zh-CN" altLang="en-US" b="1" dirty="0">
-                  <a:latin typeface="Times New Roman" panose="02020603050405020304" pitchFamily="18" charset="0"/>
-                  <a:ea typeface="宋体" pitchFamily="2" charset="-122"/>
-                </a:endParaRPr>
-              </a:p>
-            </p:txBody>
-          </p:sp>
-          <p:cxnSp>
-            <p:nvCxnSpPr>
-              <p:cNvPr id="3088" name="AutoShape 70"/>
-              <p:cNvCxnSpPr/>
-              <p:nvPr/>
-            </p:nvCxnSpPr>
-            <p:spPr>
-              <a:xfrm>
-                <a:off x="3904" y="5835"/>
-                <a:ext cx="543" cy="351"/>
-              </a:xfrm>
-              <a:prstGeom prst="straightConnector1">
-                <a:avLst/>
-              </a:prstGeom>
-              <a:ln w="9525" cap="flat" cmpd="sng">
-                <a:solidFill>
-                  <a:srgbClr val="000000"/>
-                </a:solidFill>
-                <a:prstDash val="solid"/>
-                <a:round/>
-                <a:headEnd type="none" w="med" len="med"/>
-                <a:tailEnd type="none" w="med" len="med"/>
-              </a:ln>
-            </p:spPr>
-          </p:cxnSp>
-          <p:cxnSp>
-            <p:nvCxnSpPr>
-              <p:cNvPr id="3089" name="AutoShape 71"/>
-              <p:cNvCxnSpPr/>
-              <p:nvPr/>
-            </p:nvCxnSpPr>
-            <p:spPr>
-              <a:xfrm flipH="1">
-                <a:off x="3381" y="5915"/>
-                <a:ext cx="285" cy="553"/>
-              </a:xfrm>
-              <a:prstGeom prst="straightConnector1">
-                <a:avLst/>
-              </a:prstGeom>
-              <a:ln w="9525" cap="flat" cmpd="sng">
-                <a:solidFill>
-                  <a:srgbClr val="000000"/>
-                </a:solidFill>
-                <a:prstDash val="solid"/>
-                <a:round/>
-                <a:headEnd type="none" w="med" len="med"/>
-                <a:tailEnd type="none" w="med" len="med"/>
-              </a:ln>
-            </p:spPr>
-          </p:cxnSp>
-          <p:cxnSp>
-            <p:nvCxnSpPr>
-              <p:cNvPr id="3090" name="AutoShape 72"/>
-              <p:cNvCxnSpPr/>
-              <p:nvPr/>
-            </p:nvCxnSpPr>
-            <p:spPr>
-              <a:xfrm flipV="1">
-                <a:off x="4816" y="5835"/>
-                <a:ext cx="943" cy="351"/>
-              </a:xfrm>
-              <a:prstGeom prst="straightConnector1">
-                <a:avLst/>
-              </a:prstGeom>
-              <a:ln w="9525" cap="flat" cmpd="sng">
-                <a:solidFill>
-                  <a:srgbClr val="000000"/>
-                </a:solidFill>
-                <a:prstDash val="solid"/>
-                <a:round/>
-                <a:headEnd type="none" w="med" len="med"/>
-                <a:tailEnd type="none" w="med" len="med"/>
-              </a:ln>
-            </p:spPr>
-          </p:cxnSp>
-          <p:cxnSp>
-            <p:nvCxnSpPr>
-              <p:cNvPr id="3091" name="AutoShape 73"/>
-              <p:cNvCxnSpPr/>
-              <p:nvPr/>
-            </p:nvCxnSpPr>
-            <p:spPr>
-              <a:xfrm>
-                <a:off x="4790" y="6382"/>
-                <a:ext cx="468" cy="429"/>
-              </a:xfrm>
-              <a:prstGeom prst="straightConnector1">
-                <a:avLst/>
-              </a:prstGeom>
-              <a:ln w="9525" cap="flat" cmpd="sng">
-                <a:solidFill>
-                  <a:srgbClr val="000000"/>
-                </a:solidFill>
-                <a:prstDash val="solid"/>
-                <a:round/>
-                <a:headEnd type="none" w="med" len="med"/>
-                <a:tailEnd type="none" w="med" len="med"/>
-              </a:ln>
-            </p:spPr>
-          </p:cxnSp>
-          <p:cxnSp>
-            <p:nvCxnSpPr>
-              <p:cNvPr id="3092" name="AutoShape 74"/>
-              <p:cNvCxnSpPr/>
-              <p:nvPr/>
-            </p:nvCxnSpPr>
-            <p:spPr>
-              <a:xfrm>
-                <a:off x="6128" y="5915"/>
-                <a:ext cx="543" cy="553"/>
-              </a:xfrm>
-              <a:prstGeom prst="straightConnector1">
-                <a:avLst/>
-              </a:prstGeom>
-              <a:ln w="9525" cap="flat" cmpd="sng">
-                <a:solidFill>
-                  <a:srgbClr val="000000"/>
-                </a:solidFill>
-                <a:prstDash val="solid"/>
-                <a:round/>
-                <a:headEnd type="none" w="med" len="med"/>
-                <a:tailEnd type="none" w="med" len="med"/>
-              </a:ln>
-            </p:spPr>
-          </p:cxnSp>
-          <p:cxnSp>
-            <p:nvCxnSpPr>
-              <p:cNvPr id="3093" name="AutoShape 75"/>
-              <p:cNvCxnSpPr/>
-              <p:nvPr/>
-            </p:nvCxnSpPr>
-            <p:spPr>
-              <a:xfrm flipV="1">
-                <a:off x="5502" y="6015"/>
-                <a:ext cx="408" cy="796"/>
-              </a:xfrm>
-              <a:prstGeom prst="straightConnector1">
-                <a:avLst/>
-              </a:prstGeom>
-              <a:ln w="9525" cap="flat" cmpd="sng">
-                <a:solidFill>
-                  <a:srgbClr val="000000"/>
-                </a:solidFill>
-                <a:prstDash val="solid"/>
-                <a:round/>
-                <a:headEnd type="none" w="med" len="med"/>
-                <a:tailEnd type="none" w="med" len="med"/>
-              </a:ln>
-            </p:spPr>
-          </p:cxnSp>
-          <p:cxnSp>
-            <p:nvCxnSpPr>
-              <p:cNvPr id="3094" name="AutoShape 76"/>
-              <p:cNvCxnSpPr/>
-              <p:nvPr/>
-            </p:nvCxnSpPr>
-            <p:spPr>
-              <a:xfrm flipV="1">
-                <a:off x="5554" y="6701"/>
-                <a:ext cx="982" cy="224"/>
-              </a:xfrm>
-              <a:prstGeom prst="straightConnector1">
-                <a:avLst/>
-              </a:prstGeom>
-              <a:ln w="9525" cap="flat" cmpd="sng">
-                <a:solidFill>
-                  <a:srgbClr val="000000"/>
-                </a:solidFill>
-                <a:prstDash val="solid"/>
-                <a:round/>
-                <a:headEnd type="none" w="med" len="med"/>
-                <a:tailEnd type="none" w="med" len="med"/>
-              </a:ln>
-            </p:spPr>
-          </p:cxnSp>
-          <p:cxnSp>
-            <p:nvCxnSpPr>
-              <p:cNvPr id="3095" name="AutoShape 77"/>
-              <p:cNvCxnSpPr/>
-              <p:nvPr/>
-            </p:nvCxnSpPr>
-            <p:spPr>
-              <a:xfrm flipV="1">
-                <a:off x="4384" y="7004"/>
-                <a:ext cx="801" cy="224"/>
-              </a:xfrm>
-              <a:prstGeom prst="straightConnector1">
-                <a:avLst/>
-              </a:prstGeom>
-              <a:ln w="9525" cap="flat" cmpd="sng">
-                <a:solidFill>
-                  <a:srgbClr val="000000"/>
-                </a:solidFill>
-                <a:prstDash val="solid"/>
-                <a:round/>
-                <a:headEnd type="none" w="med" len="med"/>
-                <a:tailEnd type="none" w="med" len="med"/>
-              </a:ln>
-            </p:spPr>
-          </p:cxnSp>
-          <p:cxnSp>
-            <p:nvCxnSpPr>
-              <p:cNvPr id="3096" name="AutoShape 78"/>
-              <p:cNvCxnSpPr/>
-              <p:nvPr/>
-            </p:nvCxnSpPr>
-            <p:spPr>
-              <a:xfrm>
-                <a:off x="5548" y="7142"/>
-                <a:ext cx="580" cy="421"/>
-              </a:xfrm>
-              <a:prstGeom prst="straightConnector1">
-                <a:avLst/>
-              </a:prstGeom>
-              <a:ln w="9525" cap="flat" cmpd="sng">
-                <a:solidFill>
-                  <a:srgbClr val="000000"/>
-                </a:solidFill>
-                <a:prstDash val="solid"/>
-                <a:round/>
-                <a:headEnd type="none" w="med" len="med"/>
-                <a:tailEnd type="none" w="med" len="med"/>
-              </a:ln>
-            </p:spPr>
-          </p:cxnSp>
-          <p:cxnSp>
-            <p:nvCxnSpPr>
-              <p:cNvPr id="3097" name="AutoShape 79"/>
-              <p:cNvCxnSpPr/>
-              <p:nvPr/>
-            </p:nvCxnSpPr>
-            <p:spPr>
-              <a:xfrm flipV="1">
-                <a:off x="6311" y="6837"/>
-                <a:ext cx="465" cy="726"/>
-              </a:xfrm>
-              <a:prstGeom prst="straightConnector1">
-                <a:avLst/>
-              </a:prstGeom>
-              <a:ln w="9525" cap="flat" cmpd="sng">
-                <a:solidFill>
-                  <a:srgbClr val="000000"/>
-                </a:solidFill>
-                <a:prstDash val="solid"/>
-                <a:round/>
-                <a:headEnd type="none" w="med" len="med"/>
-                <a:tailEnd type="none" w="med" len="med"/>
-              </a:ln>
-            </p:spPr>
-          </p:cxnSp>
-          <p:cxnSp>
-            <p:nvCxnSpPr>
-              <p:cNvPr id="3098" name="AutoShape 80"/>
-              <p:cNvCxnSpPr/>
-              <p:nvPr/>
-            </p:nvCxnSpPr>
-            <p:spPr>
-              <a:xfrm flipV="1">
-                <a:off x="5185" y="7788"/>
-                <a:ext cx="860" cy="224"/>
-              </a:xfrm>
-              <a:prstGeom prst="straightConnector1">
-                <a:avLst/>
-              </a:prstGeom>
-              <a:ln w="9525" cap="flat" cmpd="sng">
-                <a:solidFill>
-                  <a:srgbClr val="000000"/>
-                </a:solidFill>
-                <a:prstDash val="solid"/>
-                <a:round/>
-                <a:headEnd type="none" w="med" len="med"/>
-                <a:tailEnd type="none" w="med" len="med"/>
-              </a:ln>
-            </p:spPr>
-          </p:cxnSp>
-          <p:cxnSp>
-            <p:nvCxnSpPr>
-              <p:cNvPr id="3099" name="AutoShape 81"/>
-              <p:cNvCxnSpPr/>
-              <p:nvPr/>
-            </p:nvCxnSpPr>
-            <p:spPr>
-              <a:xfrm flipV="1">
-                <a:off x="3316" y="7339"/>
-                <a:ext cx="699" cy="224"/>
-              </a:xfrm>
-              <a:prstGeom prst="straightConnector1">
-                <a:avLst/>
-              </a:prstGeom>
-              <a:ln w="9525" cap="flat" cmpd="sng">
-                <a:solidFill>
-                  <a:srgbClr val="000000"/>
-                </a:solidFill>
-                <a:prstDash val="solid"/>
-                <a:round/>
-                <a:headEnd type="none" w="med" len="med"/>
-                <a:tailEnd type="none" w="med" len="med"/>
-              </a:ln>
-            </p:spPr>
-          </p:cxnSp>
-          <p:cxnSp>
-            <p:nvCxnSpPr>
-              <p:cNvPr id="3100" name="AutoShape 82"/>
-              <p:cNvCxnSpPr>
-                <a:stCxn id="3080" idx="5"/>
-              </p:cNvCxnSpPr>
-              <p:nvPr/>
-            </p:nvCxnSpPr>
-            <p:spPr>
-              <a:xfrm>
-                <a:off x="4330" y="7443"/>
-                <a:ext cx="553" cy="489"/>
-              </a:xfrm>
-              <a:prstGeom prst="straightConnector1">
-                <a:avLst/>
-              </a:prstGeom>
-              <a:ln w="9525" cap="flat" cmpd="sng">
-                <a:solidFill>
-                  <a:srgbClr val="000000"/>
-                </a:solidFill>
-                <a:prstDash val="solid"/>
-                <a:round/>
-                <a:headEnd type="none" w="med" len="med"/>
-                <a:tailEnd type="none" w="med" len="med"/>
-              </a:ln>
-            </p:spPr>
-          </p:cxnSp>
-          <p:cxnSp>
-            <p:nvCxnSpPr>
-              <p:cNvPr id="3101" name="AutoShape 83"/>
-              <p:cNvCxnSpPr/>
-              <p:nvPr/>
-            </p:nvCxnSpPr>
-            <p:spPr>
-              <a:xfrm flipV="1">
-                <a:off x="3535" y="6382"/>
-                <a:ext cx="912" cy="224"/>
-              </a:xfrm>
-              <a:prstGeom prst="straightConnector1">
-                <a:avLst/>
-              </a:prstGeom>
-              <a:ln w="9525" cap="flat" cmpd="sng">
-                <a:solidFill>
-                  <a:srgbClr val="000000"/>
-                </a:solidFill>
-                <a:prstDash val="solid"/>
-                <a:round/>
-                <a:headEnd type="none" w="med" len="med"/>
-                <a:tailEnd type="none" w="med" len="med"/>
-              </a:ln>
-            </p:spPr>
-          </p:cxnSp>
-          <p:cxnSp>
-            <p:nvCxnSpPr>
-              <p:cNvPr id="3102" name="AutoShape 84"/>
-              <p:cNvCxnSpPr/>
-              <p:nvPr/>
-            </p:nvCxnSpPr>
-            <p:spPr>
-              <a:xfrm>
-                <a:off x="3529" y="6805"/>
-                <a:ext cx="492" cy="375"/>
-              </a:xfrm>
-              <a:prstGeom prst="straightConnector1">
-                <a:avLst/>
-              </a:prstGeom>
-              <a:ln w="9525" cap="flat" cmpd="sng">
-                <a:solidFill>
-                  <a:srgbClr val="000000"/>
-                </a:solidFill>
-                <a:prstDash val="solid"/>
-                <a:round/>
-                <a:headEnd type="none" w="med" len="med"/>
-                <a:tailEnd type="none" w="med" len="med"/>
-              </a:ln>
-            </p:spPr>
-          </p:cxnSp>
-          <p:cxnSp>
-            <p:nvCxnSpPr>
-              <p:cNvPr id="3103" name="AutoShape 85"/>
-              <p:cNvCxnSpPr/>
-              <p:nvPr/>
-            </p:nvCxnSpPr>
-            <p:spPr>
-              <a:xfrm flipH="1">
-                <a:off x="3166" y="6811"/>
-                <a:ext cx="128" cy="686"/>
-              </a:xfrm>
-              <a:prstGeom prst="straightConnector1">
-                <a:avLst/>
-              </a:prstGeom>
-              <a:ln w="9525" cap="flat" cmpd="sng">
-                <a:solidFill>
-                  <a:srgbClr val="000000"/>
-                </a:solidFill>
-                <a:prstDash val="solid"/>
-                <a:round/>
-                <a:headEnd type="none" w="med" len="med"/>
-                <a:tailEnd type="none" w="med" len="med"/>
-              </a:ln>
-            </p:spPr>
-          </p:cxnSp>
-          <p:cxnSp>
-            <p:nvCxnSpPr>
-              <p:cNvPr id="3104" name="AutoShape 86"/>
-              <p:cNvCxnSpPr/>
-              <p:nvPr/>
-            </p:nvCxnSpPr>
-            <p:spPr>
-              <a:xfrm flipV="1">
-                <a:off x="5059" y="7115"/>
-                <a:ext cx="275" cy="751"/>
-              </a:xfrm>
-              <a:prstGeom prst="straightConnector1">
-                <a:avLst/>
-              </a:prstGeom>
-              <a:ln w="9525" cap="flat" cmpd="sng">
-                <a:solidFill>
-                  <a:srgbClr val="000000"/>
-                </a:solidFill>
-                <a:prstDash val="solid"/>
-                <a:round/>
-                <a:headEnd type="none" w="med" len="med"/>
-                <a:tailEnd type="none" w="med" len="med"/>
-              </a:ln>
-            </p:spPr>
-          </p:cxnSp>
-        </p:grpSp>
-        <p:grpSp>
-          <p:nvGrpSpPr>
-            <p:cNvPr id="3105" name="Group 88"/>
-            <p:cNvGrpSpPr/>
-            <p:nvPr/>
-          </p:nvGrpSpPr>
-          <p:grpSpPr>
-            <a:xfrm>
-              <a:off x="2143108" y="2064133"/>
-              <a:ext cx="5050794" cy="2748171"/>
-              <a:chOff x="2878" y="3672"/>
-              <a:chExt cx="3907" cy="2351"/>
-            </a:xfrm>
-          </p:grpSpPr>
-          <p:sp>
-            <p:nvSpPr>
-              <p:cNvPr id="3106" name="Text Box 89"/>
-              <p:cNvSpPr txBox="1"/>
-              <p:nvPr/>
-            </p:nvSpPr>
-            <p:spPr>
-              <a:xfrm>
-                <a:off x="3266" y="3900"/>
-                <a:ext cx="238" cy="167"/>
-              </a:xfrm>
-              <a:prstGeom prst="rect">
-                <a:avLst/>
-              </a:prstGeom>
-              <a:solidFill>
-                <a:srgbClr val="FFFFFF"/>
-              </a:solidFill>
-              <a:ln w="9525">
-                <a:noFill/>
-              </a:ln>
-            </p:spPr>
-            <p:txBody>
-              <a:bodyPr lIns="0" tIns="0" rIns="0" bIns="0" anchor="t" anchorCtr="0"/>
-              <a:p>
-                <a:pPr indent="0" algn="ctr">
-                  <a:buFont typeface="Arial" panose="020B0604020202020204" pitchFamily="34" charset="0"/>
-                </a:pPr>
-                <a:r>
-                  <a:rPr lang="en-US" altLang="zh-CN" sz="1800" b="1" dirty="0">
-                    <a:latin typeface="Arial" panose="020B0604020202020204" pitchFamily="34" charset="0"/>
-                    <a:ea typeface="宋体" pitchFamily="2" charset="-122"/>
-                  </a:rPr>
-                  <a:t>8</a:t>
-                </a:r>
-                <a:endParaRPr lang="zh-CN" altLang="zh-CN" sz="1800" b="1" dirty="0">
-                  <a:latin typeface="Times New Roman" panose="02020603050405020304" pitchFamily="18" charset="0"/>
-                  <a:ea typeface="宋体" pitchFamily="2" charset="-122"/>
-                </a:endParaRPr>
-              </a:p>
-            </p:txBody>
-          </p:sp>
-          <p:sp>
-            <p:nvSpPr>
-              <p:cNvPr id="3107" name="Text Box 90"/>
-              <p:cNvSpPr txBox="1"/>
-              <p:nvPr/>
-            </p:nvSpPr>
-            <p:spPr>
-              <a:xfrm>
-                <a:off x="5072" y="3672"/>
-                <a:ext cx="254" cy="176"/>
-              </a:xfrm>
-              <a:prstGeom prst="rect">
-                <a:avLst/>
-              </a:prstGeom>
-              <a:solidFill>
-                <a:srgbClr val="FFFFFF"/>
-              </a:solidFill>
-              <a:ln w="9525">
-                <a:noFill/>
-              </a:ln>
-            </p:spPr>
-            <p:txBody>
-              <a:bodyPr lIns="0" tIns="0" rIns="0" bIns="0" anchor="t" anchorCtr="0"/>
-              <a:p>
-                <a:pPr indent="0" algn="ctr">
-                  <a:buFont typeface="Arial" panose="020B0604020202020204" pitchFamily="34" charset="0"/>
-                </a:pPr>
-                <a:r>
-                  <a:rPr lang="en-US" altLang="zh-CN" sz="1800" b="1" dirty="0">
-                    <a:latin typeface="Arial" panose="020B0604020202020204" pitchFamily="34" charset="0"/>
-                    <a:ea typeface="宋体" pitchFamily="2" charset="-122"/>
-                  </a:rPr>
-                  <a:t>8</a:t>
-                </a:r>
-                <a:endParaRPr lang="zh-CN" altLang="zh-CN" sz="1800" b="1" dirty="0">
-                  <a:latin typeface="Times New Roman" panose="02020603050405020304" pitchFamily="18" charset="0"/>
-                  <a:ea typeface="宋体" pitchFamily="2" charset="-122"/>
-                </a:endParaRPr>
-              </a:p>
-            </p:txBody>
-          </p:sp>
-          <p:sp>
-            <p:nvSpPr>
-              <p:cNvPr id="3108" name="Text Box 91"/>
-              <p:cNvSpPr txBox="1"/>
-              <p:nvPr/>
-            </p:nvSpPr>
-            <p:spPr>
-              <a:xfrm>
-                <a:off x="5419" y="4143"/>
-                <a:ext cx="241" cy="217"/>
-              </a:xfrm>
-              <a:prstGeom prst="rect">
-                <a:avLst/>
-              </a:prstGeom>
-              <a:solidFill>
-                <a:srgbClr val="FFFFFF"/>
-              </a:solidFill>
-              <a:ln w="9525">
-                <a:noFill/>
-              </a:ln>
-            </p:spPr>
-            <p:txBody>
-              <a:bodyPr lIns="0" tIns="0" rIns="0" bIns="0" anchor="t" anchorCtr="0"/>
-              <a:p>
-                <a:pPr indent="0" algn="ctr">
-                  <a:buFont typeface="Arial" panose="020B0604020202020204" pitchFamily="34" charset="0"/>
-                </a:pPr>
-                <a:r>
-                  <a:rPr lang="en-US" altLang="zh-CN" sz="1800" b="1" dirty="0">
-                    <a:latin typeface="Arial" panose="020B0604020202020204" pitchFamily="34" charset="0"/>
-                    <a:ea typeface="宋体" pitchFamily="2" charset="-122"/>
-                  </a:rPr>
-                  <a:t>7</a:t>
-                </a:r>
-                <a:endParaRPr lang="zh-CN" altLang="zh-CN" sz="1800" b="1" dirty="0">
-                  <a:latin typeface="Times New Roman" panose="02020603050405020304" pitchFamily="18" charset="0"/>
-                  <a:ea typeface="宋体" pitchFamily="2" charset="-122"/>
-                </a:endParaRPr>
-              </a:p>
-            </p:txBody>
-          </p:sp>
-          <p:sp>
-            <p:nvSpPr>
-              <p:cNvPr id="3109" name="Text Box 92"/>
-              <p:cNvSpPr txBox="1"/>
-              <p:nvPr/>
-            </p:nvSpPr>
-            <p:spPr>
-              <a:xfrm>
-                <a:off x="5819" y="4442"/>
-                <a:ext cx="340" cy="217"/>
-              </a:xfrm>
-              <a:prstGeom prst="rect">
-                <a:avLst/>
-              </a:prstGeom>
-              <a:solidFill>
-                <a:srgbClr val="FFFFFF"/>
-              </a:solidFill>
-              <a:ln w="9525">
-                <a:noFill/>
-              </a:ln>
-            </p:spPr>
-            <p:txBody>
-              <a:bodyPr lIns="0" tIns="0" rIns="0" bIns="0" anchor="t" anchorCtr="0"/>
-              <a:p>
-                <a:pPr indent="0" algn="ctr">
-                  <a:buFont typeface="Arial" panose="020B0604020202020204" pitchFamily="34" charset="0"/>
-                </a:pPr>
-                <a:r>
-                  <a:rPr lang="en-US" altLang="zh-CN" sz="1800" b="1" dirty="0">
-                    <a:latin typeface="Arial" panose="020B0604020202020204" pitchFamily="34" charset="0"/>
-                    <a:ea typeface="宋体" pitchFamily="2" charset="-122"/>
-                  </a:rPr>
-                  <a:t>5</a:t>
-                </a:r>
-                <a:endParaRPr lang="zh-CN" altLang="zh-CN" sz="1800" b="1" dirty="0">
-                  <a:latin typeface="Times New Roman" panose="02020603050405020304" pitchFamily="18" charset="0"/>
-                  <a:ea typeface="宋体" pitchFamily="2" charset="-122"/>
-                </a:endParaRPr>
-              </a:p>
-            </p:txBody>
-          </p:sp>
-          <p:sp>
-            <p:nvSpPr>
-              <p:cNvPr id="3110" name="Text Box 93"/>
-              <p:cNvSpPr txBox="1"/>
-              <p:nvPr/>
-            </p:nvSpPr>
-            <p:spPr>
-              <a:xfrm>
-                <a:off x="5780" y="5002"/>
-                <a:ext cx="280" cy="211"/>
-              </a:xfrm>
-              <a:prstGeom prst="rect">
-                <a:avLst/>
-              </a:prstGeom>
-              <a:noFill/>
-              <a:ln w="9525">
-                <a:noFill/>
-              </a:ln>
-            </p:spPr>
-            <p:txBody>
-              <a:bodyPr lIns="0" tIns="0" rIns="0" bIns="0" anchor="t" anchorCtr="0"/>
-              <a:p>
-                <a:pPr indent="0" algn="ctr">
-                  <a:buFont typeface="Arial" panose="020B0604020202020204" pitchFamily="34" charset="0"/>
-                </a:pPr>
-                <a:r>
-                  <a:rPr lang="en-US" altLang="zh-CN" sz="1800" b="1" dirty="0">
-                    <a:latin typeface="Arial" panose="020B0604020202020204" pitchFamily="34" charset="0"/>
-                    <a:ea typeface="宋体" pitchFamily="2" charset="-122"/>
-                  </a:rPr>
-                  <a:t>6</a:t>
-                </a:r>
-                <a:endParaRPr lang="zh-CN" altLang="zh-CN" sz="1800" b="1" dirty="0">
-                  <a:latin typeface="Times New Roman" panose="02020603050405020304" pitchFamily="18" charset="0"/>
-                  <a:ea typeface="宋体" pitchFamily="2" charset="-122"/>
-                </a:endParaRPr>
-              </a:p>
-            </p:txBody>
-          </p:sp>
-          <p:sp>
-            <p:nvSpPr>
-              <p:cNvPr id="3111" name="Text Box 94"/>
-              <p:cNvSpPr txBox="1"/>
-              <p:nvPr/>
-            </p:nvSpPr>
-            <p:spPr>
-              <a:xfrm>
-                <a:off x="6541" y="5109"/>
-                <a:ext cx="244" cy="243"/>
-              </a:xfrm>
-              <a:prstGeom prst="rect">
-                <a:avLst/>
-              </a:prstGeom>
-              <a:solidFill>
-                <a:srgbClr val="FFFFFF"/>
-              </a:solidFill>
-              <a:ln w="9525">
-                <a:noFill/>
-              </a:ln>
-            </p:spPr>
-            <p:txBody>
-              <a:bodyPr lIns="0" tIns="0" rIns="0" bIns="0" anchor="t" anchorCtr="0"/>
-              <a:p>
-                <a:pPr indent="0" algn="ctr">
-                  <a:buFont typeface="Arial" panose="020B0604020202020204" pitchFamily="34" charset="0"/>
-                </a:pPr>
-                <a:r>
-                  <a:rPr lang="en-US" altLang="zh-CN" sz="1800" b="1" dirty="0">
-                    <a:latin typeface="Arial" panose="020B0604020202020204" pitchFamily="34" charset="0"/>
-                    <a:ea typeface="宋体" pitchFamily="2" charset="-122"/>
-                  </a:rPr>
-                  <a:t>6</a:t>
-                </a:r>
-                <a:endParaRPr lang="zh-CN" altLang="zh-CN" sz="1800" b="1" dirty="0">
-                  <a:latin typeface="Times New Roman" panose="02020603050405020304" pitchFamily="18" charset="0"/>
-                  <a:ea typeface="宋体" pitchFamily="2" charset="-122"/>
-                </a:endParaRPr>
-              </a:p>
-            </p:txBody>
-          </p:sp>
-          <p:sp>
-            <p:nvSpPr>
-              <p:cNvPr id="3112" name="Text Box 95"/>
-              <p:cNvSpPr txBox="1"/>
-              <p:nvPr/>
-            </p:nvSpPr>
-            <p:spPr>
-              <a:xfrm>
-                <a:off x="4224" y="3709"/>
-                <a:ext cx="288" cy="217"/>
-              </a:xfrm>
-              <a:prstGeom prst="rect">
-                <a:avLst/>
-              </a:prstGeom>
-              <a:solidFill>
-                <a:srgbClr val="FFFFFF"/>
-              </a:solidFill>
-              <a:ln w="9525">
-                <a:noFill/>
-              </a:ln>
-            </p:spPr>
-            <p:txBody>
-              <a:bodyPr lIns="0" tIns="0" rIns="0" bIns="0" anchor="t" anchorCtr="0"/>
-              <a:p>
-                <a:pPr indent="0" algn="ctr">
-                  <a:buFont typeface="Arial" panose="020B0604020202020204" pitchFamily="34" charset="0"/>
-                </a:pPr>
-                <a:r>
-                  <a:rPr lang="en-US" altLang="zh-CN" sz="1800" b="1" dirty="0">
-                    <a:latin typeface="Arial" panose="020B0604020202020204" pitchFamily="34" charset="0"/>
-                    <a:ea typeface="宋体" pitchFamily="2" charset="-122"/>
-                  </a:rPr>
-                  <a:t>5</a:t>
-                </a:r>
-                <a:endParaRPr lang="zh-CN" altLang="zh-CN" sz="1800" b="1" dirty="0">
-                  <a:latin typeface="Times New Roman" panose="02020603050405020304" pitchFamily="18" charset="0"/>
-                  <a:ea typeface="宋体" pitchFamily="2" charset="-122"/>
-                </a:endParaRPr>
-              </a:p>
-            </p:txBody>
-          </p:sp>
-          <p:sp>
-            <p:nvSpPr>
-              <p:cNvPr id="3113" name="Text Box 96"/>
-              <p:cNvSpPr txBox="1"/>
-              <p:nvPr/>
-            </p:nvSpPr>
-            <p:spPr>
-              <a:xfrm>
-                <a:off x="6414" y="3889"/>
-                <a:ext cx="270" cy="163"/>
-              </a:xfrm>
-              <a:prstGeom prst="rect">
-                <a:avLst/>
-              </a:prstGeom>
-              <a:solidFill>
-                <a:srgbClr val="FFFFFF"/>
-              </a:solidFill>
-              <a:ln w="9525">
-                <a:noFill/>
-              </a:ln>
-            </p:spPr>
-            <p:txBody>
-              <a:bodyPr lIns="0" tIns="0" rIns="0" bIns="0" anchor="t" anchorCtr="0"/>
-              <a:p>
-                <a:pPr indent="0" algn="ctr">
-                  <a:buFont typeface="Arial" panose="020B0604020202020204" pitchFamily="34" charset="0"/>
-                </a:pPr>
-                <a:r>
-                  <a:rPr lang="en-US" altLang="zh-CN" sz="1800" b="1" dirty="0">
-                    <a:latin typeface="Arial" panose="020B0604020202020204" pitchFamily="34" charset="0"/>
-                    <a:ea typeface="宋体" pitchFamily="2" charset="-122"/>
-                  </a:rPr>
-                  <a:t>5</a:t>
-                </a:r>
-                <a:endParaRPr lang="zh-CN" altLang="zh-CN" sz="1800" b="1" dirty="0">
-                  <a:latin typeface="Times New Roman" panose="02020603050405020304" pitchFamily="18" charset="0"/>
-                  <a:ea typeface="宋体" pitchFamily="2" charset="-122"/>
-                </a:endParaRPr>
-              </a:p>
-            </p:txBody>
-          </p:sp>
-          <p:sp>
-            <p:nvSpPr>
-              <p:cNvPr id="3114" name="Text Box 97"/>
-              <p:cNvSpPr txBox="1"/>
-              <p:nvPr/>
-            </p:nvSpPr>
-            <p:spPr>
-              <a:xfrm>
-                <a:off x="3753" y="4659"/>
-                <a:ext cx="275" cy="204"/>
-              </a:xfrm>
-              <a:prstGeom prst="rect">
-                <a:avLst/>
-              </a:prstGeom>
-              <a:solidFill>
-                <a:srgbClr val="FFFFFF"/>
-              </a:solidFill>
-              <a:ln w="9525">
-                <a:noFill/>
-              </a:ln>
-            </p:spPr>
-            <p:txBody>
-              <a:bodyPr lIns="0" tIns="0" rIns="0" bIns="0" anchor="t" anchorCtr="0"/>
-              <a:p>
-                <a:pPr indent="0" algn="ctr">
-                  <a:buFont typeface="Arial" panose="020B0604020202020204" pitchFamily="34" charset="0"/>
-                </a:pPr>
-                <a:r>
-                  <a:rPr lang="en-US" altLang="zh-CN" sz="1800" b="1" dirty="0">
-                    <a:latin typeface="Arial" panose="020B0604020202020204" pitchFamily="34" charset="0"/>
-                    <a:ea typeface="宋体" pitchFamily="2" charset="-122"/>
-                  </a:rPr>
-                  <a:t>4</a:t>
-                </a:r>
-                <a:endParaRPr lang="zh-CN" altLang="zh-CN" sz="1800" b="1" dirty="0">
-                  <a:latin typeface="Times New Roman" panose="02020603050405020304" pitchFamily="18" charset="0"/>
-                  <a:ea typeface="宋体" pitchFamily="2" charset="-122"/>
-                </a:endParaRPr>
-              </a:p>
-            </p:txBody>
-          </p:sp>
-          <p:sp>
-            <p:nvSpPr>
-              <p:cNvPr id="3115" name="Text Box 98"/>
-              <p:cNvSpPr txBox="1"/>
-              <p:nvPr/>
-            </p:nvSpPr>
-            <p:spPr>
-              <a:xfrm>
-                <a:off x="3612" y="5461"/>
-                <a:ext cx="317" cy="217"/>
-              </a:xfrm>
-              <a:prstGeom prst="rect">
-                <a:avLst/>
-              </a:prstGeom>
-              <a:solidFill>
-                <a:srgbClr val="FFFFFF"/>
-              </a:solidFill>
-              <a:ln w="9525">
-                <a:noFill/>
-              </a:ln>
-            </p:spPr>
-            <p:txBody>
-              <a:bodyPr lIns="0" tIns="0" rIns="0" bIns="0" anchor="t" anchorCtr="0"/>
-              <a:p>
-                <a:pPr indent="0" algn="ctr">
-                  <a:buFont typeface="Arial" panose="020B0604020202020204" pitchFamily="34" charset="0"/>
-                </a:pPr>
-                <a:r>
-                  <a:rPr lang="en-US" altLang="zh-CN" sz="1800" b="1" dirty="0">
-                    <a:latin typeface="Arial" panose="020B0604020202020204" pitchFamily="34" charset="0"/>
-                    <a:ea typeface="宋体" pitchFamily="2" charset="-122"/>
-                  </a:rPr>
-                  <a:t>4</a:t>
-                </a:r>
-                <a:endParaRPr lang="zh-CN" altLang="zh-CN" sz="1800" b="1" dirty="0">
-                  <a:latin typeface="Times New Roman" panose="02020603050405020304" pitchFamily="18" charset="0"/>
-                  <a:ea typeface="宋体" pitchFamily="2" charset="-122"/>
-                </a:endParaRPr>
-              </a:p>
-            </p:txBody>
-          </p:sp>
-          <p:sp>
-            <p:nvSpPr>
-              <p:cNvPr id="3116" name="Text Box 99"/>
-              <p:cNvSpPr txBox="1"/>
-              <p:nvPr/>
-            </p:nvSpPr>
-            <p:spPr>
-              <a:xfrm>
-                <a:off x="4719" y="4442"/>
-                <a:ext cx="250" cy="191"/>
-              </a:xfrm>
-              <a:prstGeom prst="rect">
-                <a:avLst/>
-              </a:prstGeom>
-              <a:solidFill>
-                <a:srgbClr val="FFFFFF"/>
-              </a:solidFill>
-              <a:ln w="9525">
-                <a:noFill/>
-              </a:ln>
-            </p:spPr>
-            <p:txBody>
-              <a:bodyPr lIns="0" tIns="0" rIns="0" bIns="0" anchor="t" anchorCtr="0"/>
-              <a:p>
-                <a:pPr indent="0" algn="ctr">
-                  <a:buFont typeface="Arial" panose="020B0604020202020204" pitchFamily="34" charset="0"/>
-                </a:pPr>
-                <a:r>
-                  <a:rPr lang="en-US" altLang="zh-CN" sz="1800" b="1" dirty="0">
-                    <a:latin typeface="Arial" panose="020B0604020202020204" pitchFamily="34" charset="0"/>
-                    <a:ea typeface="宋体" pitchFamily="2" charset="-122"/>
-                  </a:rPr>
-                  <a:t>4</a:t>
-                </a:r>
-                <a:endParaRPr lang="zh-CN" altLang="zh-CN" sz="1800" b="1" dirty="0">
-                  <a:latin typeface="Times New Roman" panose="02020603050405020304" pitchFamily="18" charset="0"/>
-                  <a:ea typeface="宋体" pitchFamily="2" charset="-122"/>
-                </a:endParaRPr>
-              </a:p>
-            </p:txBody>
-          </p:sp>
-          <p:sp>
-            <p:nvSpPr>
-              <p:cNvPr id="3117" name="Text Box 100"/>
-              <p:cNvSpPr txBox="1"/>
-              <p:nvPr/>
-            </p:nvSpPr>
-            <p:spPr>
-              <a:xfrm>
-                <a:off x="3828" y="4143"/>
-                <a:ext cx="254" cy="199"/>
-              </a:xfrm>
-              <a:prstGeom prst="rect">
-                <a:avLst/>
-              </a:prstGeom>
-              <a:solidFill>
-                <a:srgbClr val="FFFFFF"/>
-              </a:solidFill>
-              <a:ln w="9525">
-                <a:noFill/>
-              </a:ln>
-            </p:spPr>
-            <p:txBody>
-              <a:bodyPr lIns="0" tIns="0" rIns="0" bIns="0" anchor="t" anchorCtr="0"/>
-              <a:p>
-                <a:pPr indent="0" algn="ctr">
-                  <a:buFont typeface="Arial" panose="020B0604020202020204" pitchFamily="34" charset="0"/>
-                </a:pPr>
-                <a:r>
-                  <a:rPr lang="en-US" altLang="zh-CN" sz="1800" b="1" dirty="0">
-                    <a:latin typeface="Arial" panose="020B0604020202020204" pitchFamily="34" charset="0"/>
-                    <a:ea typeface="宋体" pitchFamily="2" charset="-122"/>
-                  </a:rPr>
-                  <a:t>5</a:t>
-                </a:r>
-                <a:endParaRPr lang="zh-CN" altLang="zh-CN" sz="1800" b="1" dirty="0">
-                  <a:latin typeface="Times New Roman" panose="02020603050405020304" pitchFamily="18" charset="0"/>
-                  <a:ea typeface="宋体" pitchFamily="2" charset="-122"/>
-                </a:endParaRPr>
-              </a:p>
-            </p:txBody>
-          </p:sp>
-          <p:sp>
-            <p:nvSpPr>
-              <p:cNvPr id="3118" name="Text Box 101"/>
-              <p:cNvSpPr txBox="1"/>
-              <p:nvPr/>
-            </p:nvSpPr>
-            <p:spPr>
-              <a:xfrm>
-                <a:off x="4806" y="5313"/>
-                <a:ext cx="340" cy="217"/>
-              </a:xfrm>
-              <a:prstGeom prst="rect">
-                <a:avLst/>
-              </a:prstGeom>
-              <a:noFill/>
-              <a:ln w="9525">
-                <a:noFill/>
-              </a:ln>
-            </p:spPr>
-            <p:txBody>
-              <a:bodyPr lIns="0" tIns="0" rIns="0" bIns="0" anchor="t" anchorCtr="0"/>
-              <a:p>
-                <a:pPr indent="0" algn="ctr">
-                  <a:buFont typeface="Arial" panose="020B0604020202020204" pitchFamily="34" charset="0"/>
-                </a:pPr>
-                <a:r>
-                  <a:rPr lang="en-US" altLang="zh-CN" sz="1800" b="1" dirty="0">
-                    <a:latin typeface="Arial" panose="020B0604020202020204" pitchFamily="34" charset="0"/>
-                    <a:ea typeface="宋体" pitchFamily="2" charset="-122"/>
-                  </a:rPr>
-                  <a:t>3</a:t>
-                </a:r>
-                <a:endParaRPr lang="zh-CN" altLang="zh-CN" sz="1800" b="1" dirty="0">
-                  <a:latin typeface="Times New Roman" panose="02020603050405020304" pitchFamily="18" charset="0"/>
-                  <a:ea typeface="宋体" pitchFamily="2" charset="-122"/>
-                </a:endParaRPr>
-              </a:p>
-            </p:txBody>
-          </p:sp>
-          <p:sp>
-            <p:nvSpPr>
-              <p:cNvPr id="3119" name="Text Box 102"/>
-              <p:cNvSpPr txBox="1"/>
-              <p:nvPr/>
-            </p:nvSpPr>
-            <p:spPr>
-              <a:xfrm>
-                <a:off x="4102" y="5676"/>
-                <a:ext cx="340" cy="217"/>
-              </a:xfrm>
-              <a:prstGeom prst="rect">
-                <a:avLst/>
-              </a:prstGeom>
-              <a:solidFill>
-                <a:srgbClr val="FFFFFF"/>
-              </a:solidFill>
-              <a:ln w="9525">
-                <a:noFill/>
-              </a:ln>
-            </p:spPr>
-            <p:txBody>
-              <a:bodyPr lIns="0" tIns="0" rIns="0" bIns="0" anchor="t" anchorCtr="0"/>
-              <a:p>
-                <a:pPr indent="0" algn="ctr">
-                  <a:buFont typeface="Arial" panose="020B0604020202020204" pitchFamily="34" charset="0"/>
-                </a:pPr>
-                <a:r>
-                  <a:rPr lang="en-US" altLang="zh-CN" sz="1800" b="1" dirty="0">
-                    <a:latin typeface="Arial" panose="020B0604020202020204" pitchFamily="34" charset="0"/>
-                    <a:ea typeface="宋体" pitchFamily="2" charset="-122"/>
-                  </a:rPr>
-                  <a:t>2</a:t>
-                </a:r>
-                <a:endParaRPr lang="zh-CN" altLang="zh-CN" sz="1800" b="1" dirty="0">
-                  <a:latin typeface="Times New Roman" panose="02020603050405020304" pitchFamily="18" charset="0"/>
-                  <a:ea typeface="宋体" pitchFamily="2" charset="-122"/>
-                </a:endParaRPr>
-              </a:p>
-            </p:txBody>
-          </p:sp>
-          <p:sp>
-            <p:nvSpPr>
-              <p:cNvPr id="3120" name="Text Box 103"/>
-              <p:cNvSpPr txBox="1"/>
-              <p:nvPr/>
-            </p:nvSpPr>
-            <p:spPr>
-              <a:xfrm>
-                <a:off x="5570" y="5806"/>
-                <a:ext cx="340" cy="217"/>
-              </a:xfrm>
-              <a:prstGeom prst="rect">
-                <a:avLst/>
-              </a:prstGeom>
-              <a:solidFill>
-                <a:srgbClr val="FFFFFF"/>
-              </a:solidFill>
-              <a:ln w="9525">
-                <a:noFill/>
-              </a:ln>
-            </p:spPr>
-            <p:txBody>
-              <a:bodyPr lIns="0" tIns="0" rIns="0" bIns="0" anchor="t" anchorCtr="0"/>
-              <a:p>
-                <a:pPr indent="0" algn="ctr">
-                  <a:buFont typeface="Arial" panose="020B0604020202020204" pitchFamily="34" charset="0"/>
-                </a:pPr>
-                <a:r>
-                  <a:rPr lang="en-US" altLang="zh-CN" sz="1800" b="1" dirty="0">
-                    <a:latin typeface="Arial" panose="020B0604020202020204" pitchFamily="34" charset="0"/>
-                    <a:ea typeface="宋体" pitchFamily="2" charset="-122"/>
-                  </a:rPr>
-                  <a:t>7</a:t>
-                </a:r>
-                <a:endParaRPr lang="zh-CN" altLang="zh-CN" sz="1800" b="1" dirty="0">
-                  <a:latin typeface="Times New Roman" panose="02020603050405020304" pitchFamily="18" charset="0"/>
-                  <a:ea typeface="宋体" pitchFamily="2" charset="-122"/>
-                </a:endParaRPr>
-              </a:p>
-            </p:txBody>
-          </p:sp>
-          <p:sp>
-            <p:nvSpPr>
-              <p:cNvPr id="3121" name="Text Box 104"/>
-              <p:cNvSpPr txBox="1"/>
-              <p:nvPr/>
-            </p:nvSpPr>
-            <p:spPr>
-              <a:xfrm>
-                <a:off x="4564" y="4760"/>
-                <a:ext cx="252" cy="217"/>
-              </a:xfrm>
-              <a:prstGeom prst="rect">
-                <a:avLst/>
-              </a:prstGeom>
-              <a:solidFill>
-                <a:srgbClr val="FFFFFF"/>
-              </a:solidFill>
-              <a:ln w="9525">
-                <a:noFill/>
-              </a:ln>
-            </p:spPr>
-            <p:txBody>
-              <a:bodyPr lIns="0" tIns="0" rIns="0" bIns="0" anchor="t" anchorCtr="0"/>
-              <a:p>
-                <a:pPr indent="0" algn="ctr">
-                  <a:buFont typeface="Arial" panose="020B0604020202020204" pitchFamily="34" charset="0"/>
-                </a:pPr>
-                <a:r>
-                  <a:rPr lang="en-US" altLang="zh-CN" sz="1800" b="1" dirty="0">
-                    <a:latin typeface="Arial" panose="020B0604020202020204" pitchFamily="34" charset="0"/>
-                    <a:ea typeface="宋体" pitchFamily="2" charset="-122"/>
-                  </a:rPr>
-                  <a:t>4</a:t>
-                </a:r>
-                <a:endParaRPr lang="zh-CN" altLang="zh-CN" sz="1800" b="1" dirty="0">
-                  <a:latin typeface="Times New Roman" panose="02020603050405020304" pitchFamily="18" charset="0"/>
-                  <a:ea typeface="宋体" pitchFamily="2" charset="-122"/>
-                </a:endParaRPr>
-              </a:p>
-            </p:txBody>
-          </p:sp>
-          <p:sp>
-            <p:nvSpPr>
-              <p:cNvPr id="3122" name="Text Box 105"/>
-              <p:cNvSpPr txBox="1"/>
-              <p:nvPr/>
-            </p:nvSpPr>
-            <p:spPr>
-              <a:xfrm>
-                <a:off x="2878" y="4885"/>
-                <a:ext cx="340" cy="217"/>
-              </a:xfrm>
-              <a:prstGeom prst="rect">
-                <a:avLst/>
-              </a:prstGeom>
-              <a:solidFill>
-                <a:srgbClr val="FFFFFF"/>
-              </a:solidFill>
-              <a:ln w="9525">
-                <a:noFill/>
-              </a:ln>
-            </p:spPr>
-            <p:txBody>
-              <a:bodyPr lIns="0" tIns="0" rIns="0" bIns="0" anchor="t" anchorCtr="0"/>
-              <a:p>
-                <a:pPr indent="0" algn="ctr">
-                  <a:buFont typeface="Arial" panose="020B0604020202020204" pitchFamily="34" charset="0"/>
-                </a:pPr>
-                <a:r>
-                  <a:rPr lang="en-US" altLang="zh-CN" sz="1800" b="1" dirty="0">
-                    <a:latin typeface="Arial" panose="020B0604020202020204" pitchFamily="34" charset="0"/>
-                    <a:ea typeface="宋体" pitchFamily="2" charset="-122"/>
-                  </a:rPr>
-                  <a:t>5</a:t>
-                </a:r>
-                <a:endParaRPr lang="zh-CN" altLang="zh-CN" sz="1800" b="1" dirty="0">
-                  <a:latin typeface="Times New Roman" panose="02020603050405020304" pitchFamily="18" charset="0"/>
-                  <a:ea typeface="宋体" pitchFamily="2" charset="-122"/>
-                </a:endParaRPr>
-              </a:p>
-            </p:txBody>
-          </p:sp>
-        </p:grpSp>
-        <p:grpSp>
-          <p:nvGrpSpPr>
-            <p:cNvPr id="3123" name="Group 106"/>
-            <p:cNvGrpSpPr/>
-            <p:nvPr/>
-          </p:nvGrpSpPr>
-          <p:grpSpPr>
-            <a:xfrm>
-              <a:off x="2316337" y="1856062"/>
-              <a:ext cx="4957716" cy="2986634"/>
-              <a:chOff x="3012" y="3494"/>
-              <a:chExt cx="3835" cy="2555"/>
-            </a:xfrm>
-          </p:grpSpPr>
-          <p:sp>
-            <p:nvSpPr>
-              <p:cNvPr id="3124" name="Text Box 107"/>
-              <p:cNvSpPr txBox="1"/>
-              <p:nvPr/>
-            </p:nvSpPr>
-            <p:spPr>
-              <a:xfrm>
-                <a:off x="3224" y="4403"/>
-                <a:ext cx="241" cy="243"/>
-              </a:xfrm>
-              <a:prstGeom prst="rect">
-                <a:avLst/>
-              </a:prstGeom>
-              <a:solidFill>
-                <a:srgbClr val="FFFFFF"/>
-              </a:solidFill>
-              <a:ln w="9525">
-                <a:noFill/>
-              </a:ln>
-            </p:spPr>
-            <p:txBody>
-              <a:bodyPr lIns="0" tIns="0" rIns="0" bIns="0" anchor="t" anchorCtr="0"/>
-              <a:p>
-                <a:pPr indent="0" algn="ctr">
-                  <a:buFont typeface="Arial" panose="020B0604020202020204" pitchFamily="34" charset="0"/>
-                </a:pPr>
-                <a:r>
-                  <a:rPr lang="en-US" altLang="zh-CN" sz="1600" b="1" dirty="0">
-                    <a:latin typeface="Arial" panose="020B0604020202020204" pitchFamily="34" charset="0"/>
-                    <a:ea typeface="宋体" pitchFamily="2" charset="-122"/>
-                  </a:rPr>
-                  <a:t>B</a:t>
-                </a:r>
-                <a:endParaRPr lang="zh-CN" altLang="zh-CN" sz="1600" b="1" dirty="0">
-                  <a:latin typeface="Times New Roman" panose="02020603050405020304" pitchFamily="18" charset="0"/>
-                  <a:ea typeface="宋体" pitchFamily="2" charset="-122"/>
-                </a:endParaRPr>
-              </a:p>
-            </p:txBody>
-          </p:sp>
-          <p:sp>
-            <p:nvSpPr>
-              <p:cNvPr id="5" name="Text Box 108"/>
-              <p:cNvSpPr txBox="1"/>
-              <p:nvPr/>
-            </p:nvSpPr>
-            <p:spPr>
-              <a:xfrm>
-                <a:off x="6104" y="5530"/>
-                <a:ext cx="241" cy="243"/>
-              </a:xfrm>
-              <a:prstGeom prst="rect">
-                <a:avLst/>
-              </a:prstGeom>
-              <a:noFill/>
-              <a:ln w="9525">
-                <a:noFill/>
-              </a:ln>
-            </p:spPr>
-            <p:txBody>
-              <a:bodyPr lIns="0" tIns="0" rIns="0" bIns="0" anchor="t" anchorCtr="0"/>
-              <a:p>
-                <a:pPr indent="0" algn="ctr">
-                  <a:buFont typeface="Arial" panose="020B0604020202020204" pitchFamily="34" charset="0"/>
-                </a:pPr>
-                <a:r>
-                  <a:rPr lang="en-US" altLang="zh-CN" sz="1600" b="1" dirty="0">
-                    <a:latin typeface="Arial" panose="020B0604020202020204" pitchFamily="34" charset="0"/>
-                    <a:ea typeface="宋体" pitchFamily="2" charset="-122"/>
-                  </a:rPr>
-                  <a:t>C</a:t>
-                </a:r>
-                <a:endParaRPr lang="zh-CN" altLang="zh-CN" sz="1600" b="1" dirty="0">
-                  <a:latin typeface="Times New Roman" panose="02020603050405020304" pitchFamily="18" charset="0"/>
-                  <a:ea typeface="宋体" pitchFamily="2" charset="-122"/>
-                </a:endParaRPr>
-              </a:p>
-            </p:txBody>
-          </p:sp>
-          <p:sp>
-            <p:nvSpPr>
-              <p:cNvPr id="3126" name="Text Box 109"/>
-              <p:cNvSpPr txBox="1"/>
-              <p:nvPr/>
-            </p:nvSpPr>
-            <p:spPr>
-              <a:xfrm>
-                <a:off x="3012" y="5450"/>
-                <a:ext cx="241" cy="243"/>
-              </a:xfrm>
-              <a:prstGeom prst="rect">
-                <a:avLst/>
-              </a:prstGeom>
-              <a:solidFill>
-                <a:srgbClr val="FFFFFF"/>
-              </a:solidFill>
-              <a:ln w="9525">
-                <a:noFill/>
-              </a:ln>
-            </p:spPr>
-            <p:txBody>
-              <a:bodyPr lIns="0" tIns="0" rIns="0" bIns="0" anchor="t" anchorCtr="0"/>
-              <a:p>
-                <a:pPr indent="0" algn="ctr">
-                  <a:buFont typeface="Arial" panose="020B0604020202020204" pitchFamily="34" charset="0"/>
-                </a:pPr>
-                <a:r>
-                  <a:rPr lang="en-US" altLang="zh-CN" sz="1600" b="1" dirty="0">
-                    <a:latin typeface="Arial" panose="020B0604020202020204" pitchFamily="34" charset="0"/>
-                    <a:ea typeface="宋体" pitchFamily="2" charset="-122"/>
-                  </a:rPr>
-                  <a:t>D</a:t>
-                </a:r>
-                <a:endParaRPr lang="zh-CN" altLang="zh-CN" sz="1600" b="1" dirty="0">
-                  <a:latin typeface="Times New Roman" panose="02020603050405020304" pitchFamily="18" charset="0"/>
-                  <a:ea typeface="宋体" pitchFamily="2" charset="-122"/>
-                </a:endParaRPr>
-              </a:p>
-            </p:txBody>
-          </p:sp>
-          <p:sp>
-            <p:nvSpPr>
-              <p:cNvPr id="3127" name="Text Box 110"/>
-              <p:cNvSpPr txBox="1"/>
-              <p:nvPr/>
-            </p:nvSpPr>
-            <p:spPr>
-              <a:xfrm>
-                <a:off x="4883" y="5806"/>
-                <a:ext cx="241" cy="243"/>
-              </a:xfrm>
-              <a:prstGeom prst="rect">
-                <a:avLst/>
-              </a:prstGeom>
-              <a:solidFill>
-                <a:srgbClr val="FFFFFF"/>
-              </a:solidFill>
-              <a:ln w="9525">
-                <a:noFill/>
-              </a:ln>
-            </p:spPr>
-            <p:txBody>
-              <a:bodyPr lIns="0" tIns="0" rIns="0" bIns="0" anchor="t" anchorCtr="0"/>
-              <a:p>
-                <a:pPr indent="0" algn="ctr">
-                  <a:buFont typeface="Arial" panose="020B0604020202020204" pitchFamily="34" charset="0"/>
-                </a:pPr>
-                <a:r>
-                  <a:rPr lang="en-US" altLang="zh-CN" sz="1600" b="1" dirty="0">
-                    <a:latin typeface="Arial" panose="020B0604020202020204" pitchFamily="34" charset="0"/>
-                    <a:ea typeface="宋体" pitchFamily="2" charset="-122"/>
-                  </a:rPr>
-                  <a:t>F</a:t>
-                </a:r>
-                <a:endParaRPr lang="zh-CN" altLang="zh-CN" sz="1600" b="1" dirty="0">
-                  <a:latin typeface="Times New Roman" panose="02020603050405020304" pitchFamily="18" charset="0"/>
-                  <a:ea typeface="宋体" pitchFamily="2" charset="-122"/>
-                </a:endParaRPr>
-              </a:p>
-            </p:txBody>
-          </p:sp>
-          <p:sp>
-            <p:nvSpPr>
-              <p:cNvPr id="3128" name="Text Box 111"/>
-              <p:cNvSpPr txBox="1"/>
-              <p:nvPr/>
-            </p:nvSpPr>
-            <p:spPr>
-              <a:xfrm>
-                <a:off x="4082" y="5083"/>
-                <a:ext cx="241" cy="243"/>
-              </a:xfrm>
-              <a:prstGeom prst="rect">
-                <a:avLst/>
-              </a:prstGeom>
-              <a:solidFill>
-                <a:srgbClr val="FFFFFF"/>
-              </a:solidFill>
-              <a:ln w="9525">
-                <a:noFill/>
-              </a:ln>
-            </p:spPr>
-            <p:txBody>
-              <a:bodyPr lIns="0" tIns="0" rIns="0" bIns="0" anchor="t" anchorCtr="0"/>
-              <a:p>
-                <a:pPr indent="0" algn="ctr">
-                  <a:buFont typeface="Arial" panose="020B0604020202020204" pitchFamily="34" charset="0"/>
-                </a:pPr>
-                <a:r>
-                  <a:rPr lang="en-US" altLang="zh-CN" sz="1600" b="1" dirty="0">
-                    <a:latin typeface="Arial" panose="020B0604020202020204" pitchFamily="34" charset="0"/>
-                    <a:ea typeface="宋体" pitchFamily="2" charset="-122"/>
-                  </a:rPr>
-                  <a:t>L</a:t>
-                </a:r>
-                <a:endParaRPr lang="zh-CN" altLang="zh-CN" sz="1600" b="1" dirty="0">
-                  <a:latin typeface="Times New Roman" panose="02020603050405020304" pitchFamily="18" charset="0"/>
-                  <a:ea typeface="宋体" pitchFamily="2" charset="-122"/>
-                </a:endParaRPr>
-              </a:p>
-            </p:txBody>
-          </p:sp>
-          <p:sp>
-            <p:nvSpPr>
-              <p:cNvPr id="3129" name="Text Box 112"/>
-              <p:cNvSpPr txBox="1"/>
-              <p:nvPr/>
-            </p:nvSpPr>
-            <p:spPr>
-              <a:xfrm>
-                <a:off x="5248" y="4698"/>
-                <a:ext cx="241" cy="243"/>
-              </a:xfrm>
-              <a:prstGeom prst="rect">
-                <a:avLst/>
-              </a:prstGeom>
-              <a:solidFill>
-                <a:srgbClr val="FFFFFF"/>
-              </a:solidFill>
-              <a:ln w="9525">
-                <a:noFill/>
-              </a:ln>
-            </p:spPr>
-            <p:txBody>
-              <a:bodyPr lIns="0" tIns="0" rIns="0" bIns="0" anchor="t" anchorCtr="0"/>
-              <a:p>
-                <a:pPr indent="0" algn="ctr">
-                  <a:buFont typeface="Arial" panose="020B0604020202020204" pitchFamily="34" charset="0"/>
-                </a:pPr>
-                <a:r>
-                  <a:rPr lang="en-US" altLang="zh-CN" sz="1600" b="1" dirty="0">
-                    <a:latin typeface="Arial" panose="020B0604020202020204" pitchFamily="34" charset="0"/>
-                    <a:ea typeface="宋体" pitchFamily="2" charset="-122"/>
-                  </a:rPr>
-                  <a:t>H</a:t>
-                </a:r>
-                <a:endParaRPr lang="zh-CN" altLang="zh-CN" sz="1600" b="1" dirty="0">
-                  <a:latin typeface="Times New Roman" panose="02020603050405020304" pitchFamily="18" charset="0"/>
-                  <a:ea typeface="宋体" pitchFamily="2" charset="-122"/>
-                </a:endParaRPr>
-              </a:p>
-            </p:txBody>
-          </p:sp>
-          <p:sp>
-            <p:nvSpPr>
-              <p:cNvPr id="3130" name="Text Box 113"/>
-              <p:cNvSpPr txBox="1"/>
-              <p:nvPr/>
-            </p:nvSpPr>
-            <p:spPr>
-              <a:xfrm>
-                <a:off x="4512" y="4052"/>
-                <a:ext cx="241" cy="243"/>
-              </a:xfrm>
-              <a:prstGeom prst="rect">
-                <a:avLst/>
-              </a:prstGeom>
-              <a:solidFill>
-                <a:srgbClr val="FFFFFF"/>
-              </a:solidFill>
-              <a:ln w="9525">
-                <a:noFill/>
-              </a:ln>
-            </p:spPr>
-            <p:txBody>
-              <a:bodyPr lIns="0" tIns="0" rIns="0" bIns="0" anchor="t" anchorCtr="0"/>
-              <a:p>
-                <a:pPr indent="0" algn="ctr">
-                  <a:buFont typeface="Arial" panose="020B0604020202020204" pitchFamily="34" charset="0"/>
-                </a:pPr>
-                <a:r>
-                  <a:rPr lang="en-US" altLang="zh-CN" sz="1600" b="1" dirty="0">
-                    <a:latin typeface="Arial" panose="020B0604020202020204" pitchFamily="34" charset="0"/>
-                    <a:ea typeface="宋体" pitchFamily="2" charset="-122"/>
-                  </a:rPr>
-                  <a:t>W</a:t>
-                </a:r>
-                <a:endParaRPr lang="zh-CN" altLang="zh-CN" sz="1600" b="1" dirty="0">
-                  <a:latin typeface="Times New Roman" panose="02020603050405020304" pitchFamily="18" charset="0"/>
-                  <a:ea typeface="宋体" pitchFamily="2" charset="-122"/>
-                </a:endParaRPr>
-              </a:p>
-            </p:txBody>
-          </p:sp>
-          <p:sp>
-            <p:nvSpPr>
-              <p:cNvPr id="3131" name="Text Box 114"/>
-              <p:cNvSpPr txBox="1"/>
-              <p:nvPr/>
-            </p:nvSpPr>
-            <p:spPr>
-              <a:xfrm>
-                <a:off x="5819" y="3598"/>
-                <a:ext cx="241" cy="243"/>
-              </a:xfrm>
-              <a:prstGeom prst="rect">
-                <a:avLst/>
-              </a:prstGeom>
-              <a:solidFill>
-                <a:srgbClr val="FFFFFF"/>
-              </a:solidFill>
-              <a:ln w="9525">
-                <a:noFill/>
-              </a:ln>
-            </p:spPr>
-            <p:txBody>
-              <a:bodyPr lIns="0" tIns="0" rIns="0" bIns="0" anchor="t" anchorCtr="0"/>
-              <a:p>
-                <a:pPr indent="0" algn="ctr">
-                  <a:buFont typeface="Arial" panose="020B0604020202020204" pitchFamily="34" charset="0"/>
-                </a:pPr>
-                <a:r>
-                  <a:rPr lang="en-US" altLang="zh-CN" sz="1600" b="1" dirty="0">
-                    <a:latin typeface="Arial" panose="020B0604020202020204" pitchFamily="34" charset="0"/>
-                    <a:ea typeface="宋体" pitchFamily="2" charset="-122"/>
-                  </a:rPr>
-                  <a:t>X</a:t>
-                </a:r>
-                <a:endParaRPr lang="zh-CN" altLang="zh-CN" sz="1600" b="1" dirty="0">
-                  <a:latin typeface="Times New Roman" panose="02020603050405020304" pitchFamily="18" charset="0"/>
-                  <a:ea typeface="宋体" pitchFamily="2" charset="-122"/>
-                </a:endParaRPr>
-              </a:p>
-            </p:txBody>
-          </p:sp>
-          <p:sp>
-            <p:nvSpPr>
-              <p:cNvPr id="3132" name="Text Box 115"/>
-              <p:cNvSpPr txBox="1"/>
-              <p:nvPr/>
-            </p:nvSpPr>
-            <p:spPr>
-              <a:xfrm>
-                <a:off x="6606" y="4416"/>
-                <a:ext cx="241" cy="243"/>
-              </a:xfrm>
-              <a:prstGeom prst="rect">
-                <a:avLst/>
-              </a:prstGeom>
-              <a:solidFill>
-                <a:srgbClr val="FFFFFF"/>
-              </a:solidFill>
-              <a:ln w="9525">
-                <a:noFill/>
-              </a:ln>
-            </p:spPr>
-            <p:txBody>
-              <a:bodyPr lIns="0" tIns="0" rIns="0" bIns="0" anchor="t" anchorCtr="0"/>
-              <a:p>
-                <a:pPr indent="0" algn="ctr">
-                  <a:buFont typeface="Arial" panose="020B0604020202020204" pitchFamily="34" charset="0"/>
-                </a:pPr>
-                <a:r>
-                  <a:rPr lang="en-US" altLang="zh-CN" sz="1600" b="1" dirty="0">
-                    <a:latin typeface="Arial" panose="020B0604020202020204" pitchFamily="34" charset="0"/>
-                    <a:ea typeface="宋体" pitchFamily="2" charset="-122"/>
-                  </a:rPr>
-                  <a:t>Y</a:t>
-                </a:r>
-                <a:endParaRPr lang="zh-CN" altLang="zh-CN" sz="1600" b="1" dirty="0">
-                  <a:latin typeface="Times New Roman" panose="02020603050405020304" pitchFamily="18" charset="0"/>
-                  <a:ea typeface="宋体" pitchFamily="2" charset="-122"/>
-                </a:endParaRPr>
-              </a:p>
-            </p:txBody>
-          </p:sp>
-          <p:sp>
-            <p:nvSpPr>
-              <p:cNvPr id="3133" name="Text Box 116"/>
-              <p:cNvSpPr txBox="1"/>
-              <p:nvPr/>
-            </p:nvSpPr>
-            <p:spPr>
-              <a:xfrm>
-                <a:off x="3587" y="3494"/>
-                <a:ext cx="241" cy="243"/>
-              </a:xfrm>
-              <a:prstGeom prst="rect">
-                <a:avLst/>
-              </a:prstGeom>
-              <a:solidFill>
-                <a:srgbClr val="FFFFFF"/>
-              </a:solidFill>
-              <a:ln w="9525">
-                <a:noFill/>
-              </a:ln>
-            </p:spPr>
-            <p:txBody>
-              <a:bodyPr lIns="0" tIns="0" rIns="0" bIns="0" anchor="t" anchorCtr="0"/>
-              <a:p>
-                <a:pPr indent="0" algn="ctr">
-                  <a:buFont typeface="Arial" panose="020B0604020202020204" pitchFamily="34" charset="0"/>
-                </a:pPr>
-                <a:r>
-                  <a:rPr lang="en-US" altLang="zh-CN" sz="1600" b="1" dirty="0">
-                    <a:latin typeface="Arial" panose="020B0604020202020204" pitchFamily="34" charset="0"/>
-                    <a:ea typeface="宋体" pitchFamily="2" charset="-122"/>
-                  </a:rPr>
-                  <a:t>Z</a:t>
-                </a:r>
-                <a:endParaRPr lang="zh-CN" altLang="zh-CN" sz="1600" b="1" dirty="0">
-                  <a:latin typeface="Times New Roman" panose="02020603050405020304" pitchFamily="18" charset="0"/>
-                  <a:ea typeface="宋体" pitchFamily="2" charset="-122"/>
-                </a:endParaRPr>
-              </a:p>
-            </p:txBody>
-          </p:sp>
-        </p:grpSp>
-      </p:grpSp>
-    </p:spTree>
-  </p:cSld>
-  <p:clrMapOvr>
-    <a:masterClrMapping/>
-  </p:clrMapOvr>
-  <p:timing>
-    <p:tnLst>
-      <p:par>
-        <p:cTn id="1" dur="indefinite" restart="never" nodeType="tmRoot"/>
-      </p:par>
-    </p:tnLst>
-  </p:timing>
-</p:sld>
-</file>
-
-<file path=ppt/slides/slide30.xml><?xml version="1.0" encoding="utf-8"?>
+<file path=ppt/slides/slide31.xml><?xml version="1.0" encoding="utf-8"?>
 <p:sld xmlns:a="http://schemas.openxmlformats.org/drawingml/2006/main" xmlns:r="http://schemas.openxmlformats.org/officeDocument/2006/relationships" xmlns:p="http://schemas.openxmlformats.org/presentationml/2006/main">
   <p:cSld>
     <p:spTree>
